--- a/docs/Basics_of_R_Presentation.pptx
+++ b/docs/Basics_of_R_Presentation.pptx
@@ -25,14 +25,15 @@
     <p:sldId id="273" r:id="rId19"/>
     <p:sldId id="274" r:id="rId20"/>
     <p:sldId id="275" r:id="rId21"/>
+    <p:sldId id="276" r:id="rId22"/>
   </p:sldIdLst>
-  <p:sldSz cx="9144000" cy="6858000" type="screen4x3"/>
+  <p:sldSz cx="12192000" cy="6858000"/>
   <p:notesSz cx="6858000" cy="9144000"/>
   <p:defaultTextStyle>
     <a:defPPr>
       <a:defRPr lang="en-US"/>
     </a:defPPr>
-    <a:lvl1pPr marL="0" algn="l" defTabSz="457200" rtl="0" eaLnBrk="1" latinLnBrk="0" hangingPunct="1">
+    <a:lvl1pPr marL="0" algn="l" defTabSz="914400" rtl="0" eaLnBrk="1" latinLnBrk="0" hangingPunct="1">
       <a:defRPr sz="1800" kern="1200">
         <a:solidFill>
           <a:schemeClr val="tx1"/>
@@ -42,7 +43,7 @@
         <a:cs typeface="+mn-cs"/>
       </a:defRPr>
     </a:lvl1pPr>
-    <a:lvl2pPr marL="457200" algn="l" defTabSz="457200" rtl="0" eaLnBrk="1" latinLnBrk="0" hangingPunct="1">
+    <a:lvl2pPr marL="457200" algn="l" defTabSz="914400" rtl="0" eaLnBrk="1" latinLnBrk="0" hangingPunct="1">
       <a:defRPr sz="1800" kern="1200">
         <a:solidFill>
           <a:schemeClr val="tx1"/>
@@ -52,7 +53,7 @@
         <a:cs typeface="+mn-cs"/>
       </a:defRPr>
     </a:lvl2pPr>
-    <a:lvl3pPr marL="914400" algn="l" defTabSz="457200" rtl="0" eaLnBrk="1" latinLnBrk="0" hangingPunct="1">
+    <a:lvl3pPr marL="914400" algn="l" defTabSz="914400" rtl="0" eaLnBrk="1" latinLnBrk="0" hangingPunct="1">
       <a:defRPr sz="1800" kern="1200">
         <a:solidFill>
           <a:schemeClr val="tx1"/>
@@ -62,7 +63,7 @@
         <a:cs typeface="+mn-cs"/>
       </a:defRPr>
     </a:lvl3pPr>
-    <a:lvl4pPr marL="1371600" algn="l" defTabSz="457200" rtl="0" eaLnBrk="1" latinLnBrk="0" hangingPunct="1">
+    <a:lvl4pPr marL="1371600" algn="l" defTabSz="914400" rtl="0" eaLnBrk="1" latinLnBrk="0" hangingPunct="1">
       <a:defRPr sz="1800" kern="1200">
         <a:solidFill>
           <a:schemeClr val="tx1"/>
@@ -72,7 +73,7 @@
         <a:cs typeface="+mn-cs"/>
       </a:defRPr>
     </a:lvl4pPr>
-    <a:lvl5pPr marL="1828800" algn="l" defTabSz="457200" rtl="0" eaLnBrk="1" latinLnBrk="0" hangingPunct="1">
+    <a:lvl5pPr marL="1828800" algn="l" defTabSz="914400" rtl="0" eaLnBrk="1" latinLnBrk="0" hangingPunct="1">
       <a:defRPr sz="1800" kern="1200">
         <a:solidFill>
           <a:schemeClr val="tx1"/>
@@ -82,7 +83,7 @@
         <a:cs typeface="+mn-cs"/>
       </a:defRPr>
     </a:lvl5pPr>
-    <a:lvl6pPr marL="2286000" algn="l" defTabSz="457200" rtl="0" eaLnBrk="1" latinLnBrk="0" hangingPunct="1">
+    <a:lvl6pPr marL="2286000" algn="l" defTabSz="914400" rtl="0" eaLnBrk="1" latinLnBrk="0" hangingPunct="1">
       <a:defRPr sz="1800" kern="1200">
         <a:solidFill>
           <a:schemeClr val="tx1"/>
@@ -92,7 +93,7 @@
         <a:cs typeface="+mn-cs"/>
       </a:defRPr>
     </a:lvl6pPr>
-    <a:lvl7pPr marL="2743200" algn="l" defTabSz="457200" rtl="0" eaLnBrk="1" latinLnBrk="0" hangingPunct="1">
+    <a:lvl7pPr marL="2743200" algn="l" defTabSz="914400" rtl="0" eaLnBrk="1" latinLnBrk="0" hangingPunct="1">
       <a:defRPr sz="1800" kern="1200">
         <a:solidFill>
           <a:schemeClr val="tx1"/>
@@ -102,7 +103,7 @@
         <a:cs typeface="+mn-cs"/>
       </a:defRPr>
     </a:lvl7pPr>
-    <a:lvl8pPr marL="3200400" algn="l" defTabSz="457200" rtl="0" eaLnBrk="1" latinLnBrk="0" hangingPunct="1">
+    <a:lvl8pPr marL="3200400" algn="l" defTabSz="914400" rtl="0" eaLnBrk="1" latinLnBrk="0" hangingPunct="1">
       <a:defRPr sz="1800" kern="1200">
         <a:solidFill>
           <a:schemeClr val="tx1"/>
@@ -112,7 +113,7 @@
         <a:cs typeface="+mn-cs"/>
       </a:defRPr>
     </a:lvl8pPr>
-    <a:lvl9pPr marL="3657600" algn="l" defTabSz="457200" rtl="0" eaLnBrk="1" latinLnBrk="0" hangingPunct="1">
+    <a:lvl9pPr marL="3657600" algn="l" defTabSz="914400" rtl="0" eaLnBrk="1" latinLnBrk="0" hangingPunct="1">
       <a:defRPr sz="1800" kern="1200">
         <a:solidFill>
           <a:schemeClr val="tx1"/>
@@ -126,12 +127,12 @@
   <p:extLst>
     <p:ext uri="{EFAFB233-063F-42B5-8137-9DF3F51BA10A}">
       <p15:sldGuideLst xmlns:p15="http://schemas.microsoft.com/office/powerpoint/2012/main">
-        <p15:guide id="1" orient="horz" pos="2160">
+        <p15:guide id="1" orient="horz" pos="2160" userDrawn="1">
           <p15:clr>
             <a:srgbClr val="A4A3A4"/>
           </p15:clr>
         </p15:guide>
-        <p15:guide id="2" pos="2880">
+        <p15:guide id="2" pos="3840" userDrawn="1">
           <p15:clr>
             <a:srgbClr val="A4A3A4"/>
           </p15:clr>
@@ -161,7 +162,13 @@
       </p:grpSpPr>
       <p:sp>
         <p:nvSpPr>
-          <p:cNvPr id="2" name="Title 1"/>
+          <p:cNvPr id="2" name="Title 1">
+            <a:extLst>
+              <a:ext uri="{FF2B5EF4-FFF2-40B4-BE49-F238E27FC236}">
+                <a16:creationId xmlns:a16="http://schemas.microsoft.com/office/drawing/2014/main" id="{1A94C12F-916E-D53E-4B8C-D5B46F16BA49}"/>
+              </a:ext>
+            </a:extLst>
+          </p:cNvPr>
           <p:cNvSpPr>
             <a:spLocks noGrp="1"/>
           </p:cNvSpPr>
@@ -171,16 +178,20 @@
         </p:nvSpPr>
         <p:spPr>
           <a:xfrm>
-            <a:off x="685800" y="2130425"/>
-            <a:ext cx="7772400" cy="1470025"/>
+            <a:off x="1524000" y="1122363"/>
+            <a:ext cx="9144000" cy="2387600"/>
           </a:xfrm>
         </p:spPr>
         <p:txBody>
-          <a:bodyPr/>
-          <a:lstStyle/>
-          <a:p>
-            <a:r>
-              <a:rPr lang="en-US" smtClean="0"/>
+          <a:bodyPr anchor="b"/>
+          <a:lstStyle>
+            <a:lvl1pPr algn="ctr">
+              <a:defRPr sz="6000"/>
+            </a:lvl1pPr>
+          </a:lstStyle>
+          <a:p>
+            <a:r>
+              <a:rPr lang="en-GB"/>
               <a:t>Click to edit Master title style</a:t>
             </a:r>
             <a:endParaRPr lang="en-US"/>
@@ -189,7 +200,13 @@
       </p:sp>
       <p:sp>
         <p:nvSpPr>
-          <p:cNvPr id="3" name="Subtitle 2"/>
+          <p:cNvPr id="3" name="Subtitle 2">
+            <a:extLst>
+              <a:ext uri="{FF2B5EF4-FFF2-40B4-BE49-F238E27FC236}">
+                <a16:creationId xmlns:a16="http://schemas.microsoft.com/office/drawing/2014/main" id="{B9B0AF44-9A9D-7317-0585-F9798E8F4E2D}"/>
+              </a:ext>
+            </a:extLst>
+          </p:cNvPr>
           <p:cNvSpPr>
             <a:spLocks noGrp="1"/>
           </p:cNvSpPr>
@@ -199,8 +216,8 @@
         </p:nvSpPr>
         <p:spPr>
           <a:xfrm>
-            <a:off x="1371600" y="3886200"/>
-            <a:ext cx="6400800" cy="1752600"/>
+            <a:off x="1524000" y="3602038"/>
+            <a:ext cx="9144000" cy="1655762"/>
           </a:xfrm>
         </p:spPr>
         <p:txBody>
@@ -208,112 +225,93 @@
           <a:lstStyle>
             <a:lvl1pPr marL="0" indent="0" algn="ctr">
               <a:buNone/>
-              <a:defRPr>
-                <a:solidFill>
-                  <a:schemeClr val="tx1">
-                    <a:tint val="75000"/>
-                  </a:schemeClr>
-                </a:solidFill>
-              </a:defRPr>
+              <a:defRPr sz="2400"/>
             </a:lvl1pPr>
             <a:lvl2pPr marL="457200" indent="0" algn="ctr">
               <a:buNone/>
-              <a:defRPr>
-                <a:solidFill>
-                  <a:schemeClr val="tx1">
-                    <a:tint val="75000"/>
-                  </a:schemeClr>
-                </a:solidFill>
-              </a:defRPr>
+              <a:defRPr sz="2000"/>
             </a:lvl2pPr>
             <a:lvl3pPr marL="914400" indent="0" algn="ctr">
               <a:buNone/>
-              <a:defRPr>
-                <a:solidFill>
-                  <a:schemeClr val="tx1">
-                    <a:tint val="75000"/>
-                  </a:schemeClr>
-                </a:solidFill>
-              </a:defRPr>
+              <a:defRPr sz="1800"/>
             </a:lvl3pPr>
             <a:lvl4pPr marL="1371600" indent="0" algn="ctr">
               <a:buNone/>
-              <a:defRPr>
-                <a:solidFill>
-                  <a:schemeClr val="tx1">
-                    <a:tint val="75000"/>
-                  </a:schemeClr>
-                </a:solidFill>
-              </a:defRPr>
+              <a:defRPr sz="1600"/>
             </a:lvl4pPr>
             <a:lvl5pPr marL="1828800" indent="0" algn="ctr">
               <a:buNone/>
-              <a:defRPr>
-                <a:solidFill>
-                  <a:schemeClr val="tx1">
-                    <a:tint val="75000"/>
-                  </a:schemeClr>
-                </a:solidFill>
-              </a:defRPr>
+              <a:defRPr sz="1600"/>
             </a:lvl5pPr>
             <a:lvl6pPr marL="2286000" indent="0" algn="ctr">
               <a:buNone/>
-              <a:defRPr>
-                <a:solidFill>
-                  <a:schemeClr val="tx1">
-                    <a:tint val="75000"/>
-                  </a:schemeClr>
-                </a:solidFill>
-              </a:defRPr>
+              <a:defRPr sz="1600"/>
             </a:lvl6pPr>
             <a:lvl7pPr marL="2743200" indent="0" algn="ctr">
               <a:buNone/>
-              <a:defRPr>
-                <a:solidFill>
-                  <a:schemeClr val="tx1">
-                    <a:tint val="75000"/>
-                  </a:schemeClr>
-                </a:solidFill>
-              </a:defRPr>
+              <a:defRPr sz="1600"/>
             </a:lvl7pPr>
             <a:lvl8pPr marL="3200400" indent="0" algn="ctr">
               <a:buNone/>
-              <a:defRPr>
-                <a:solidFill>
-                  <a:schemeClr val="tx1">
-                    <a:tint val="75000"/>
-                  </a:schemeClr>
-                </a:solidFill>
-              </a:defRPr>
+              <a:defRPr sz="1600"/>
             </a:lvl8pPr>
             <a:lvl9pPr marL="3657600" indent="0" algn="ctr">
               <a:buNone/>
-              <a:defRPr>
-                <a:solidFill>
-                  <a:schemeClr val="tx1">
-                    <a:tint val="75000"/>
-                  </a:schemeClr>
-                </a:solidFill>
-              </a:defRPr>
+              <a:defRPr sz="1600"/>
             </a:lvl9pPr>
           </a:lstStyle>
           <a:p>
             <a:r>
+              <a:rPr lang="en-GB"/>
+              <a:t>Click to edit Master subtitle style</a:t>
+            </a:r>
+            <a:endParaRPr lang="en-US"/>
+          </a:p>
+        </p:txBody>
+      </p:sp>
+      <p:sp>
+        <p:nvSpPr>
+          <p:cNvPr id="4" name="Date Placeholder 3">
+            <a:extLst>
+              <a:ext uri="{FF2B5EF4-FFF2-40B4-BE49-F238E27FC236}">
+                <a16:creationId xmlns:a16="http://schemas.microsoft.com/office/drawing/2014/main" id="{869922D9-4BC5-4A27-E786-7E119759D703}"/>
+              </a:ext>
+            </a:extLst>
+          </p:cNvPr>
+          <p:cNvSpPr>
+            <a:spLocks noGrp="1"/>
+          </p:cNvSpPr>
+          <p:nvPr>
+            <p:ph type="dt" sz="half" idx="10"/>
+          </p:nvPr>
+        </p:nvSpPr>
+        <p:spPr/>
+        <p:txBody>
+          <a:bodyPr/>
+          <a:lstStyle/>
+          <a:p>
+            <a:fld id="{D70592F7-D0C3-4842-A77B-5ED7EA76761D}" type="datetimeFigureOut">
               <a:rPr lang="en-US" smtClean="0"/>
-              <a:t>Click to edit Master subtitle style</a:t>
-            </a:r>
-            <a:endParaRPr lang="en-US"/>
-          </a:p>
-        </p:txBody>
-      </p:sp>
-      <p:sp>
-        <p:nvSpPr>
-          <p:cNvPr id="4" name="Date Placeholder 3"/>
-          <p:cNvSpPr>
-            <a:spLocks noGrp="1"/>
-          </p:cNvSpPr>
-          <p:nvPr>
-            <p:ph type="dt" sz="half" idx="10"/>
+              <a:t>5/20/22</a:t>
+            </a:fld>
+            <a:endParaRPr lang="en-US"/>
+          </a:p>
+        </p:txBody>
+      </p:sp>
+      <p:sp>
+        <p:nvSpPr>
+          <p:cNvPr id="5" name="Footer Placeholder 4">
+            <a:extLst>
+              <a:ext uri="{FF2B5EF4-FFF2-40B4-BE49-F238E27FC236}">
+                <a16:creationId xmlns:a16="http://schemas.microsoft.com/office/drawing/2014/main" id="{DECE7433-61D6-15C7-55C5-CB2BDF5061B7}"/>
+              </a:ext>
+            </a:extLst>
+          </p:cNvPr>
+          <p:cNvSpPr>
+            <a:spLocks noGrp="1"/>
+          </p:cNvSpPr>
+          <p:nvPr>
+            <p:ph type="ftr" sz="quarter" idx="11"/>
           </p:nvPr>
         </p:nvSpPr>
         <p:spPr/>
@@ -321,22 +319,24 @@
           <a:bodyPr/>
           <a:lstStyle/>
           <a:p>
-            <a:fld id="{241EB5C9-1307-BA42-ABA2-0BC069CD8E7F}" type="datetimeFigureOut">
-              <a:rPr lang="en-US" smtClean="0"/>
-              <a:t>4/5/2019</a:t>
-            </a:fld>
-            <a:endParaRPr lang="en-US"/>
-          </a:p>
-        </p:txBody>
-      </p:sp>
-      <p:sp>
-        <p:nvSpPr>
-          <p:cNvPr id="5" name="Footer Placeholder 4"/>
-          <p:cNvSpPr>
-            <a:spLocks noGrp="1"/>
-          </p:cNvSpPr>
-          <p:nvPr>
-            <p:ph type="ftr" sz="quarter" idx="11"/>
+            <a:endParaRPr lang="en-US"/>
+          </a:p>
+        </p:txBody>
+      </p:sp>
+      <p:sp>
+        <p:nvSpPr>
+          <p:cNvPr id="6" name="Slide Number Placeholder 5">
+            <a:extLst>
+              <a:ext uri="{FF2B5EF4-FFF2-40B4-BE49-F238E27FC236}">
+                <a16:creationId xmlns:a16="http://schemas.microsoft.com/office/drawing/2014/main" id="{44459165-1CB0-B00D-979C-E6C855E799F0}"/>
+              </a:ext>
+            </a:extLst>
+          </p:cNvPr>
+          <p:cNvSpPr>
+            <a:spLocks noGrp="1"/>
+          </p:cNvSpPr>
+          <p:nvPr>
+            <p:ph type="sldNum" sz="quarter" idx="12"/>
           </p:nvPr>
         </p:nvSpPr>
         <p:spPr/>
@@ -344,26 +344,7 @@
           <a:bodyPr/>
           <a:lstStyle/>
           <a:p>
-            <a:endParaRPr lang="en-US"/>
-          </a:p>
-        </p:txBody>
-      </p:sp>
-      <p:sp>
-        <p:nvSpPr>
-          <p:cNvPr id="6" name="Slide Number Placeholder 5"/>
-          <p:cNvSpPr>
-            <a:spLocks noGrp="1"/>
-          </p:cNvSpPr>
-          <p:nvPr>
-            <p:ph type="sldNum" sz="quarter" idx="12"/>
-          </p:nvPr>
-        </p:nvSpPr>
-        <p:spPr/>
-        <p:txBody>
-          <a:bodyPr/>
-          <a:lstStyle/>
-          <a:p>
-            <a:fld id="{C5EF2332-01BF-834F-8236-50238282D533}" type="slidenum">
+            <a:fld id="{D50EFE6C-E8E0-E248-91BB-7B9DACB0A014}" type="slidenum">
               <a:rPr lang="en-US" smtClean="0"/>
               <a:t>‹#›</a:t>
             </a:fld>
@@ -374,7 +355,7 @@
     </p:spTree>
     <p:extLst>
       <p:ext uri="{BB962C8B-B14F-4D97-AF65-F5344CB8AC3E}">
-        <p14:creationId xmlns:p14="http://schemas.microsoft.com/office/powerpoint/2010/main" val="1444357513"/>
+        <p14:creationId xmlns:p14="http://schemas.microsoft.com/office/powerpoint/2010/main" val="1156803615"/>
       </p:ext>
     </p:extLst>
   </p:cSld>
@@ -403,7 +384,13 @@
       </p:grpSpPr>
       <p:sp>
         <p:nvSpPr>
-          <p:cNvPr id="2" name="Title 1"/>
+          <p:cNvPr id="2" name="Title 1">
+            <a:extLst>
+              <a:ext uri="{FF2B5EF4-FFF2-40B4-BE49-F238E27FC236}">
+                <a16:creationId xmlns:a16="http://schemas.microsoft.com/office/drawing/2014/main" id="{CFEA307C-0B5E-39ED-4BD2-144B18E6D74D}"/>
+              </a:ext>
+            </a:extLst>
+          </p:cNvPr>
           <p:cNvSpPr>
             <a:spLocks noGrp="1"/>
           </p:cNvSpPr>
@@ -417,73 +404,139 @@
           <a:lstStyle/>
           <a:p>
             <a:r>
+              <a:rPr lang="en-GB"/>
+              <a:t>Click to edit Master title style</a:t>
+            </a:r>
+            <a:endParaRPr lang="en-US"/>
+          </a:p>
+        </p:txBody>
+      </p:sp>
+      <p:sp>
+        <p:nvSpPr>
+          <p:cNvPr id="3" name="Vertical Text Placeholder 2">
+            <a:extLst>
+              <a:ext uri="{FF2B5EF4-FFF2-40B4-BE49-F238E27FC236}">
+                <a16:creationId xmlns:a16="http://schemas.microsoft.com/office/drawing/2014/main" id="{E849B6CE-973D-882B-ED48-E7E6F4DFE344}"/>
+              </a:ext>
+            </a:extLst>
+          </p:cNvPr>
+          <p:cNvSpPr>
+            <a:spLocks noGrp="1"/>
+          </p:cNvSpPr>
+          <p:nvPr>
+            <p:ph type="body" orient="vert" idx="1"/>
+          </p:nvPr>
+        </p:nvSpPr>
+        <p:spPr/>
+        <p:txBody>
+          <a:bodyPr vert="eaVert"/>
+          <a:lstStyle/>
+          <a:p>
+            <a:pPr lvl="0"/>
+            <a:r>
+              <a:rPr lang="en-GB"/>
+              <a:t>Click to edit Master text styles</a:t>
+            </a:r>
+          </a:p>
+          <a:p>
+            <a:pPr lvl="1"/>
+            <a:r>
+              <a:rPr lang="en-GB"/>
+              <a:t>Second level</a:t>
+            </a:r>
+          </a:p>
+          <a:p>
+            <a:pPr lvl="2"/>
+            <a:r>
+              <a:rPr lang="en-GB"/>
+              <a:t>Third level</a:t>
+            </a:r>
+          </a:p>
+          <a:p>
+            <a:pPr lvl="3"/>
+            <a:r>
+              <a:rPr lang="en-GB"/>
+              <a:t>Fourth level</a:t>
+            </a:r>
+          </a:p>
+          <a:p>
+            <a:pPr lvl="4"/>
+            <a:r>
+              <a:rPr lang="en-GB"/>
+              <a:t>Fifth level</a:t>
+            </a:r>
+            <a:endParaRPr lang="en-US"/>
+          </a:p>
+        </p:txBody>
+      </p:sp>
+      <p:sp>
+        <p:nvSpPr>
+          <p:cNvPr id="4" name="Date Placeholder 3">
+            <a:extLst>
+              <a:ext uri="{FF2B5EF4-FFF2-40B4-BE49-F238E27FC236}">
+                <a16:creationId xmlns:a16="http://schemas.microsoft.com/office/drawing/2014/main" id="{ADC0B1F5-62EE-F8FF-8DFF-6653874A7A38}"/>
+              </a:ext>
+            </a:extLst>
+          </p:cNvPr>
+          <p:cNvSpPr>
+            <a:spLocks noGrp="1"/>
+          </p:cNvSpPr>
+          <p:nvPr>
+            <p:ph type="dt" sz="half" idx="10"/>
+          </p:nvPr>
+        </p:nvSpPr>
+        <p:spPr/>
+        <p:txBody>
+          <a:bodyPr/>
+          <a:lstStyle/>
+          <a:p>
+            <a:fld id="{D70592F7-D0C3-4842-A77B-5ED7EA76761D}" type="datetimeFigureOut">
               <a:rPr lang="en-US" smtClean="0"/>
-              <a:t>Click to edit Master title style</a:t>
-            </a:r>
-            <a:endParaRPr lang="en-US"/>
-          </a:p>
-        </p:txBody>
-      </p:sp>
-      <p:sp>
-        <p:nvSpPr>
-          <p:cNvPr id="3" name="Vertical Text Placeholder 2"/>
-          <p:cNvSpPr>
-            <a:spLocks noGrp="1"/>
-          </p:cNvSpPr>
-          <p:nvPr>
-            <p:ph type="body" orient="vert" idx="1"/>
+              <a:t>5/20/22</a:t>
+            </a:fld>
+            <a:endParaRPr lang="en-US"/>
+          </a:p>
+        </p:txBody>
+      </p:sp>
+      <p:sp>
+        <p:nvSpPr>
+          <p:cNvPr id="5" name="Footer Placeholder 4">
+            <a:extLst>
+              <a:ext uri="{FF2B5EF4-FFF2-40B4-BE49-F238E27FC236}">
+                <a16:creationId xmlns:a16="http://schemas.microsoft.com/office/drawing/2014/main" id="{2E65E1B6-388B-3256-371C-1DE33780E0CB}"/>
+              </a:ext>
+            </a:extLst>
+          </p:cNvPr>
+          <p:cNvSpPr>
+            <a:spLocks noGrp="1"/>
+          </p:cNvSpPr>
+          <p:nvPr>
+            <p:ph type="ftr" sz="quarter" idx="11"/>
           </p:nvPr>
         </p:nvSpPr>
         <p:spPr/>
         <p:txBody>
-          <a:bodyPr vert="eaVert"/>
-          <a:lstStyle/>
-          <a:p>
-            <a:pPr lvl="0"/>
-            <a:r>
-              <a:rPr lang="en-US" smtClean="0"/>
-              <a:t>Click to edit Master text styles</a:t>
-            </a:r>
-          </a:p>
-          <a:p>
-            <a:pPr lvl="1"/>
-            <a:r>
-              <a:rPr lang="en-US" smtClean="0"/>
-              <a:t>Second level</a:t>
-            </a:r>
-          </a:p>
-          <a:p>
-            <a:pPr lvl="2"/>
-            <a:r>
-              <a:rPr lang="en-US" smtClean="0"/>
-              <a:t>Third level</a:t>
-            </a:r>
-          </a:p>
-          <a:p>
-            <a:pPr lvl="3"/>
-            <a:r>
-              <a:rPr lang="en-US" smtClean="0"/>
-              <a:t>Fourth level</a:t>
-            </a:r>
-          </a:p>
-          <a:p>
-            <a:pPr lvl="4"/>
-            <a:r>
-              <a:rPr lang="en-US" smtClean="0"/>
-              <a:t>Fifth level</a:t>
-            </a:r>
-            <a:endParaRPr lang="en-US"/>
-          </a:p>
-        </p:txBody>
-      </p:sp>
-      <p:sp>
-        <p:nvSpPr>
-          <p:cNvPr id="4" name="Date Placeholder 3"/>
-          <p:cNvSpPr>
-            <a:spLocks noGrp="1"/>
-          </p:cNvSpPr>
-          <p:nvPr>
-            <p:ph type="dt" sz="half" idx="10"/>
+          <a:bodyPr/>
+          <a:lstStyle/>
+          <a:p>
+            <a:endParaRPr lang="en-US"/>
+          </a:p>
+        </p:txBody>
+      </p:sp>
+      <p:sp>
+        <p:nvSpPr>
+          <p:cNvPr id="6" name="Slide Number Placeholder 5">
+            <a:extLst>
+              <a:ext uri="{FF2B5EF4-FFF2-40B4-BE49-F238E27FC236}">
+                <a16:creationId xmlns:a16="http://schemas.microsoft.com/office/drawing/2014/main" id="{08AAA7AD-54B5-8443-9911-5A007641B128}"/>
+              </a:ext>
+            </a:extLst>
+          </p:cNvPr>
+          <p:cNvSpPr>
+            <a:spLocks noGrp="1"/>
+          </p:cNvSpPr>
+          <p:nvPr>
+            <p:ph type="sldNum" sz="quarter" idx="12"/>
           </p:nvPr>
         </p:nvSpPr>
         <p:spPr/>
@@ -491,49 +544,7 @@
           <a:bodyPr/>
           <a:lstStyle/>
           <a:p>
-            <a:fld id="{241EB5C9-1307-BA42-ABA2-0BC069CD8E7F}" type="datetimeFigureOut">
-              <a:rPr lang="en-US" smtClean="0"/>
-              <a:t>4/5/2019</a:t>
-            </a:fld>
-            <a:endParaRPr lang="en-US"/>
-          </a:p>
-        </p:txBody>
-      </p:sp>
-      <p:sp>
-        <p:nvSpPr>
-          <p:cNvPr id="5" name="Footer Placeholder 4"/>
-          <p:cNvSpPr>
-            <a:spLocks noGrp="1"/>
-          </p:cNvSpPr>
-          <p:nvPr>
-            <p:ph type="ftr" sz="quarter" idx="11"/>
-          </p:nvPr>
-        </p:nvSpPr>
-        <p:spPr/>
-        <p:txBody>
-          <a:bodyPr/>
-          <a:lstStyle/>
-          <a:p>
-            <a:endParaRPr lang="en-US"/>
-          </a:p>
-        </p:txBody>
-      </p:sp>
-      <p:sp>
-        <p:nvSpPr>
-          <p:cNvPr id="6" name="Slide Number Placeholder 5"/>
-          <p:cNvSpPr>
-            <a:spLocks noGrp="1"/>
-          </p:cNvSpPr>
-          <p:nvPr>
-            <p:ph type="sldNum" sz="quarter" idx="12"/>
-          </p:nvPr>
-        </p:nvSpPr>
-        <p:spPr/>
-        <p:txBody>
-          <a:bodyPr/>
-          <a:lstStyle/>
-          <a:p>
-            <a:fld id="{C5EF2332-01BF-834F-8236-50238282D533}" type="slidenum">
+            <a:fld id="{D50EFE6C-E8E0-E248-91BB-7B9DACB0A014}" type="slidenum">
               <a:rPr lang="en-US" smtClean="0"/>
               <a:t>‹#›</a:t>
             </a:fld>
@@ -544,7 +555,7 @@
     </p:spTree>
     <p:extLst>
       <p:ext uri="{BB962C8B-B14F-4D97-AF65-F5344CB8AC3E}">
-        <p14:creationId xmlns:p14="http://schemas.microsoft.com/office/powerpoint/2010/main" val="313914798"/>
+        <p14:creationId xmlns:p14="http://schemas.microsoft.com/office/powerpoint/2010/main" val="45370468"/>
       </p:ext>
     </p:extLst>
   </p:cSld>
@@ -573,7 +584,13 @@
       </p:grpSpPr>
       <p:sp>
         <p:nvSpPr>
-          <p:cNvPr id="2" name="Vertical Title 1"/>
+          <p:cNvPr id="2" name="Vertical Title 1">
+            <a:extLst>
+              <a:ext uri="{FF2B5EF4-FFF2-40B4-BE49-F238E27FC236}">
+                <a16:creationId xmlns:a16="http://schemas.microsoft.com/office/drawing/2014/main" id="{330A1589-9FDB-D4B9-38F8-F760DA3C00C7}"/>
+              </a:ext>
+            </a:extLst>
+          </p:cNvPr>
           <p:cNvSpPr>
             <a:spLocks noGrp="1"/>
           </p:cNvSpPr>
@@ -583,8 +600,8 @@
         </p:nvSpPr>
         <p:spPr>
           <a:xfrm>
-            <a:off x="6629400" y="274638"/>
-            <a:ext cx="2057400" cy="5851525"/>
+            <a:off x="8724900" y="365125"/>
+            <a:ext cx="2628900" cy="5811838"/>
           </a:xfrm>
         </p:spPr>
         <p:txBody>
@@ -592,7 +609,7 @@
           <a:lstStyle/>
           <a:p>
             <a:r>
-              <a:rPr lang="en-US" smtClean="0"/>
+              <a:rPr lang="en-GB"/>
               <a:t>Click to edit Master title style</a:t>
             </a:r>
             <a:endParaRPr lang="en-US"/>
@@ -601,7 +618,13 @@
       </p:sp>
       <p:sp>
         <p:nvSpPr>
-          <p:cNvPr id="3" name="Vertical Text Placeholder 2"/>
+          <p:cNvPr id="3" name="Vertical Text Placeholder 2">
+            <a:extLst>
+              <a:ext uri="{FF2B5EF4-FFF2-40B4-BE49-F238E27FC236}">
+                <a16:creationId xmlns:a16="http://schemas.microsoft.com/office/drawing/2014/main" id="{C956F63C-A3A4-6D21-FFEF-31FB35A72FEA}"/>
+              </a:ext>
+            </a:extLst>
+          </p:cNvPr>
           <p:cNvSpPr>
             <a:spLocks noGrp="1"/>
           </p:cNvSpPr>
@@ -611,8 +634,8 @@
         </p:nvSpPr>
         <p:spPr>
           <a:xfrm>
-            <a:off x="457200" y="274638"/>
-            <a:ext cx="6019800" cy="5851525"/>
+            <a:off x="838200" y="365125"/>
+            <a:ext cx="7734300" cy="5811838"/>
           </a:xfrm>
         </p:spPr>
         <p:txBody>
@@ -621,49 +644,84 @@
           <a:p>
             <a:pPr lvl="0"/>
             <a:r>
+              <a:rPr lang="en-GB"/>
+              <a:t>Click to edit Master text styles</a:t>
+            </a:r>
+          </a:p>
+          <a:p>
+            <a:pPr lvl="1"/>
+            <a:r>
+              <a:rPr lang="en-GB"/>
+              <a:t>Second level</a:t>
+            </a:r>
+          </a:p>
+          <a:p>
+            <a:pPr lvl="2"/>
+            <a:r>
+              <a:rPr lang="en-GB"/>
+              <a:t>Third level</a:t>
+            </a:r>
+          </a:p>
+          <a:p>
+            <a:pPr lvl="3"/>
+            <a:r>
+              <a:rPr lang="en-GB"/>
+              <a:t>Fourth level</a:t>
+            </a:r>
+          </a:p>
+          <a:p>
+            <a:pPr lvl="4"/>
+            <a:r>
+              <a:rPr lang="en-GB"/>
+              <a:t>Fifth level</a:t>
+            </a:r>
+            <a:endParaRPr lang="en-US"/>
+          </a:p>
+        </p:txBody>
+      </p:sp>
+      <p:sp>
+        <p:nvSpPr>
+          <p:cNvPr id="4" name="Date Placeholder 3">
+            <a:extLst>
+              <a:ext uri="{FF2B5EF4-FFF2-40B4-BE49-F238E27FC236}">
+                <a16:creationId xmlns:a16="http://schemas.microsoft.com/office/drawing/2014/main" id="{489AE809-97E3-751F-BAB3-E812C129610C}"/>
+              </a:ext>
+            </a:extLst>
+          </p:cNvPr>
+          <p:cNvSpPr>
+            <a:spLocks noGrp="1"/>
+          </p:cNvSpPr>
+          <p:nvPr>
+            <p:ph type="dt" sz="half" idx="10"/>
+          </p:nvPr>
+        </p:nvSpPr>
+        <p:spPr/>
+        <p:txBody>
+          <a:bodyPr/>
+          <a:lstStyle/>
+          <a:p>
+            <a:fld id="{D70592F7-D0C3-4842-A77B-5ED7EA76761D}" type="datetimeFigureOut">
               <a:rPr lang="en-US" smtClean="0"/>
-              <a:t>Click to edit Master text styles</a:t>
-            </a:r>
-          </a:p>
-          <a:p>
-            <a:pPr lvl="1"/>
-            <a:r>
-              <a:rPr lang="en-US" smtClean="0"/>
-              <a:t>Second level</a:t>
-            </a:r>
-          </a:p>
-          <a:p>
-            <a:pPr lvl="2"/>
-            <a:r>
-              <a:rPr lang="en-US" smtClean="0"/>
-              <a:t>Third level</a:t>
-            </a:r>
-          </a:p>
-          <a:p>
-            <a:pPr lvl="3"/>
-            <a:r>
-              <a:rPr lang="en-US" smtClean="0"/>
-              <a:t>Fourth level</a:t>
-            </a:r>
-          </a:p>
-          <a:p>
-            <a:pPr lvl="4"/>
-            <a:r>
-              <a:rPr lang="en-US" smtClean="0"/>
-              <a:t>Fifth level</a:t>
-            </a:r>
-            <a:endParaRPr lang="en-US"/>
-          </a:p>
-        </p:txBody>
-      </p:sp>
-      <p:sp>
-        <p:nvSpPr>
-          <p:cNvPr id="4" name="Date Placeholder 3"/>
-          <p:cNvSpPr>
-            <a:spLocks noGrp="1"/>
-          </p:cNvSpPr>
-          <p:nvPr>
-            <p:ph type="dt" sz="half" idx="10"/>
+              <a:t>5/20/22</a:t>
+            </a:fld>
+            <a:endParaRPr lang="en-US"/>
+          </a:p>
+        </p:txBody>
+      </p:sp>
+      <p:sp>
+        <p:nvSpPr>
+          <p:cNvPr id="5" name="Footer Placeholder 4">
+            <a:extLst>
+              <a:ext uri="{FF2B5EF4-FFF2-40B4-BE49-F238E27FC236}">
+                <a16:creationId xmlns:a16="http://schemas.microsoft.com/office/drawing/2014/main" id="{0CB0D23D-2483-54A2-D294-4076B3FC96F9}"/>
+              </a:ext>
+            </a:extLst>
+          </p:cNvPr>
+          <p:cNvSpPr>
+            <a:spLocks noGrp="1"/>
+          </p:cNvSpPr>
+          <p:nvPr>
+            <p:ph type="ftr" sz="quarter" idx="11"/>
           </p:nvPr>
         </p:nvSpPr>
         <p:spPr/>
@@ -671,22 +729,24 @@
           <a:bodyPr/>
           <a:lstStyle/>
           <a:p>
-            <a:fld id="{241EB5C9-1307-BA42-ABA2-0BC069CD8E7F}" type="datetimeFigureOut">
-              <a:rPr lang="en-US" smtClean="0"/>
-              <a:t>4/5/2019</a:t>
-            </a:fld>
-            <a:endParaRPr lang="en-US"/>
-          </a:p>
-        </p:txBody>
-      </p:sp>
-      <p:sp>
-        <p:nvSpPr>
-          <p:cNvPr id="5" name="Footer Placeholder 4"/>
-          <p:cNvSpPr>
-            <a:spLocks noGrp="1"/>
-          </p:cNvSpPr>
-          <p:nvPr>
-            <p:ph type="ftr" sz="quarter" idx="11"/>
+            <a:endParaRPr lang="en-US"/>
+          </a:p>
+        </p:txBody>
+      </p:sp>
+      <p:sp>
+        <p:nvSpPr>
+          <p:cNvPr id="6" name="Slide Number Placeholder 5">
+            <a:extLst>
+              <a:ext uri="{FF2B5EF4-FFF2-40B4-BE49-F238E27FC236}">
+                <a16:creationId xmlns:a16="http://schemas.microsoft.com/office/drawing/2014/main" id="{7B50C2C3-9A86-F69C-911B-9690C16C7CDD}"/>
+              </a:ext>
+            </a:extLst>
+          </p:cNvPr>
+          <p:cNvSpPr>
+            <a:spLocks noGrp="1"/>
+          </p:cNvSpPr>
+          <p:nvPr>
+            <p:ph type="sldNum" sz="quarter" idx="12"/>
           </p:nvPr>
         </p:nvSpPr>
         <p:spPr/>
@@ -694,26 +754,7 @@
           <a:bodyPr/>
           <a:lstStyle/>
           <a:p>
-            <a:endParaRPr lang="en-US"/>
-          </a:p>
-        </p:txBody>
-      </p:sp>
-      <p:sp>
-        <p:nvSpPr>
-          <p:cNvPr id="6" name="Slide Number Placeholder 5"/>
-          <p:cNvSpPr>
-            <a:spLocks noGrp="1"/>
-          </p:cNvSpPr>
-          <p:nvPr>
-            <p:ph type="sldNum" sz="quarter" idx="12"/>
-          </p:nvPr>
-        </p:nvSpPr>
-        <p:spPr/>
-        <p:txBody>
-          <a:bodyPr/>
-          <a:lstStyle/>
-          <a:p>
-            <a:fld id="{C5EF2332-01BF-834F-8236-50238282D533}" type="slidenum">
+            <a:fld id="{D50EFE6C-E8E0-E248-91BB-7B9DACB0A014}" type="slidenum">
               <a:rPr lang="en-US" smtClean="0"/>
               <a:t>‹#›</a:t>
             </a:fld>
@@ -724,7 +765,7 @@
     </p:spTree>
     <p:extLst>
       <p:ext uri="{BB962C8B-B14F-4D97-AF65-F5344CB8AC3E}">
-        <p14:creationId xmlns:p14="http://schemas.microsoft.com/office/powerpoint/2010/main" val="2581529045"/>
+        <p14:creationId xmlns:p14="http://schemas.microsoft.com/office/powerpoint/2010/main" val="3794879062"/>
       </p:ext>
     </p:extLst>
   </p:cSld>
@@ -753,7 +794,13 @@
       </p:grpSpPr>
       <p:sp>
         <p:nvSpPr>
-          <p:cNvPr id="2" name="Title 1"/>
+          <p:cNvPr id="2" name="Title 1">
+            <a:extLst>
+              <a:ext uri="{FF2B5EF4-FFF2-40B4-BE49-F238E27FC236}">
+                <a16:creationId xmlns:a16="http://schemas.microsoft.com/office/drawing/2014/main" id="{9101A751-F99D-BE2F-5C9E-CE81B4BB086F}"/>
+              </a:ext>
+            </a:extLst>
+          </p:cNvPr>
           <p:cNvSpPr>
             <a:spLocks noGrp="1"/>
           </p:cNvSpPr>
@@ -767,21 +814,114 @@
           <a:lstStyle/>
           <a:p>
             <a:r>
+              <a:rPr lang="en-GB"/>
+              <a:t>Click to edit Master title style</a:t>
+            </a:r>
+            <a:endParaRPr lang="en-US"/>
+          </a:p>
+        </p:txBody>
+      </p:sp>
+      <p:sp>
+        <p:nvSpPr>
+          <p:cNvPr id="3" name="Content Placeholder 2">
+            <a:extLst>
+              <a:ext uri="{FF2B5EF4-FFF2-40B4-BE49-F238E27FC236}">
+                <a16:creationId xmlns:a16="http://schemas.microsoft.com/office/drawing/2014/main" id="{CD81FA72-C305-3970-C6BD-4F3572DADE7D}"/>
+              </a:ext>
+            </a:extLst>
+          </p:cNvPr>
+          <p:cNvSpPr>
+            <a:spLocks noGrp="1"/>
+          </p:cNvSpPr>
+          <p:nvPr>
+            <p:ph idx="1"/>
+          </p:nvPr>
+        </p:nvSpPr>
+        <p:spPr/>
+        <p:txBody>
+          <a:bodyPr/>
+          <a:lstStyle/>
+          <a:p>
+            <a:pPr lvl="0"/>
+            <a:r>
+              <a:rPr lang="en-GB"/>
+              <a:t>Click to edit Master text styles</a:t>
+            </a:r>
+          </a:p>
+          <a:p>
+            <a:pPr lvl="1"/>
+            <a:r>
+              <a:rPr lang="en-GB"/>
+              <a:t>Second level</a:t>
+            </a:r>
+          </a:p>
+          <a:p>
+            <a:pPr lvl="2"/>
+            <a:r>
+              <a:rPr lang="en-GB"/>
+              <a:t>Third level</a:t>
+            </a:r>
+          </a:p>
+          <a:p>
+            <a:pPr lvl="3"/>
+            <a:r>
+              <a:rPr lang="en-GB"/>
+              <a:t>Fourth level</a:t>
+            </a:r>
+          </a:p>
+          <a:p>
+            <a:pPr lvl="4"/>
+            <a:r>
+              <a:rPr lang="en-GB"/>
+              <a:t>Fifth level</a:t>
+            </a:r>
+            <a:endParaRPr lang="en-US"/>
+          </a:p>
+        </p:txBody>
+      </p:sp>
+      <p:sp>
+        <p:nvSpPr>
+          <p:cNvPr id="4" name="Date Placeholder 3">
+            <a:extLst>
+              <a:ext uri="{FF2B5EF4-FFF2-40B4-BE49-F238E27FC236}">
+                <a16:creationId xmlns:a16="http://schemas.microsoft.com/office/drawing/2014/main" id="{F4248CD1-112A-4FCC-2A1E-9D9A77549644}"/>
+              </a:ext>
+            </a:extLst>
+          </p:cNvPr>
+          <p:cNvSpPr>
+            <a:spLocks noGrp="1"/>
+          </p:cNvSpPr>
+          <p:nvPr>
+            <p:ph type="dt" sz="half" idx="10"/>
+          </p:nvPr>
+        </p:nvSpPr>
+        <p:spPr/>
+        <p:txBody>
+          <a:bodyPr/>
+          <a:lstStyle/>
+          <a:p>
+            <a:fld id="{D70592F7-D0C3-4842-A77B-5ED7EA76761D}" type="datetimeFigureOut">
               <a:rPr lang="en-US" smtClean="0"/>
-              <a:t>Click to edit Master title style</a:t>
-            </a:r>
-            <a:endParaRPr lang="en-US"/>
-          </a:p>
-        </p:txBody>
-      </p:sp>
-      <p:sp>
-        <p:nvSpPr>
-          <p:cNvPr id="3" name="Content Placeholder 2"/>
-          <p:cNvSpPr>
-            <a:spLocks noGrp="1"/>
-          </p:cNvSpPr>
-          <p:nvPr>
-            <p:ph idx="1"/>
+              <a:t>5/20/22</a:t>
+            </a:fld>
+            <a:endParaRPr lang="en-US"/>
+          </a:p>
+        </p:txBody>
+      </p:sp>
+      <p:sp>
+        <p:nvSpPr>
+          <p:cNvPr id="5" name="Footer Placeholder 4">
+            <a:extLst>
+              <a:ext uri="{FF2B5EF4-FFF2-40B4-BE49-F238E27FC236}">
+                <a16:creationId xmlns:a16="http://schemas.microsoft.com/office/drawing/2014/main" id="{97AB4EC4-E3C4-D556-3DB0-1244A90E39F7}"/>
+              </a:ext>
+            </a:extLst>
+          </p:cNvPr>
+          <p:cNvSpPr>
+            <a:spLocks noGrp="1"/>
+          </p:cNvSpPr>
+          <p:nvPr>
+            <p:ph type="ftr" sz="quarter" idx="11"/>
           </p:nvPr>
         </p:nvSpPr>
         <p:spPr/>
@@ -789,51 +929,24 @@
           <a:bodyPr/>
           <a:lstStyle/>
           <a:p>
-            <a:pPr lvl="0"/>
-            <a:r>
-              <a:rPr lang="en-US" smtClean="0"/>
-              <a:t>Click to edit Master text styles</a:t>
-            </a:r>
-          </a:p>
-          <a:p>
-            <a:pPr lvl="1"/>
-            <a:r>
-              <a:rPr lang="en-US" smtClean="0"/>
-              <a:t>Second level</a:t>
-            </a:r>
-          </a:p>
-          <a:p>
-            <a:pPr lvl="2"/>
-            <a:r>
-              <a:rPr lang="en-US" smtClean="0"/>
-              <a:t>Third level</a:t>
-            </a:r>
-          </a:p>
-          <a:p>
-            <a:pPr lvl="3"/>
-            <a:r>
-              <a:rPr lang="en-US" smtClean="0"/>
-              <a:t>Fourth level</a:t>
-            </a:r>
-          </a:p>
-          <a:p>
-            <a:pPr lvl="4"/>
-            <a:r>
-              <a:rPr lang="en-US" smtClean="0"/>
-              <a:t>Fifth level</a:t>
-            </a:r>
-            <a:endParaRPr lang="en-US"/>
-          </a:p>
-        </p:txBody>
-      </p:sp>
-      <p:sp>
-        <p:nvSpPr>
-          <p:cNvPr id="4" name="Date Placeholder 3"/>
-          <p:cNvSpPr>
-            <a:spLocks noGrp="1"/>
-          </p:cNvSpPr>
-          <p:nvPr>
-            <p:ph type="dt" sz="half" idx="10"/>
+            <a:endParaRPr lang="en-US"/>
+          </a:p>
+        </p:txBody>
+      </p:sp>
+      <p:sp>
+        <p:nvSpPr>
+          <p:cNvPr id="6" name="Slide Number Placeholder 5">
+            <a:extLst>
+              <a:ext uri="{FF2B5EF4-FFF2-40B4-BE49-F238E27FC236}">
+                <a16:creationId xmlns:a16="http://schemas.microsoft.com/office/drawing/2014/main" id="{873B04E2-6FB8-18B8-2483-48D3A70916D2}"/>
+              </a:ext>
+            </a:extLst>
+          </p:cNvPr>
+          <p:cNvSpPr>
+            <a:spLocks noGrp="1"/>
+          </p:cNvSpPr>
+          <p:nvPr>
+            <p:ph type="sldNum" sz="quarter" idx="12"/>
           </p:nvPr>
         </p:nvSpPr>
         <p:spPr/>
@@ -841,49 +954,7 @@
           <a:bodyPr/>
           <a:lstStyle/>
           <a:p>
-            <a:fld id="{241EB5C9-1307-BA42-ABA2-0BC069CD8E7F}" type="datetimeFigureOut">
-              <a:rPr lang="en-US" smtClean="0"/>
-              <a:t>4/5/2019</a:t>
-            </a:fld>
-            <a:endParaRPr lang="en-US"/>
-          </a:p>
-        </p:txBody>
-      </p:sp>
-      <p:sp>
-        <p:nvSpPr>
-          <p:cNvPr id="5" name="Footer Placeholder 4"/>
-          <p:cNvSpPr>
-            <a:spLocks noGrp="1"/>
-          </p:cNvSpPr>
-          <p:nvPr>
-            <p:ph type="ftr" sz="quarter" idx="11"/>
-          </p:nvPr>
-        </p:nvSpPr>
-        <p:spPr/>
-        <p:txBody>
-          <a:bodyPr/>
-          <a:lstStyle/>
-          <a:p>
-            <a:endParaRPr lang="en-US"/>
-          </a:p>
-        </p:txBody>
-      </p:sp>
-      <p:sp>
-        <p:nvSpPr>
-          <p:cNvPr id="6" name="Slide Number Placeholder 5"/>
-          <p:cNvSpPr>
-            <a:spLocks noGrp="1"/>
-          </p:cNvSpPr>
-          <p:nvPr>
-            <p:ph type="sldNum" sz="quarter" idx="12"/>
-          </p:nvPr>
-        </p:nvSpPr>
-        <p:spPr/>
-        <p:txBody>
-          <a:bodyPr/>
-          <a:lstStyle/>
-          <a:p>
-            <a:fld id="{C5EF2332-01BF-834F-8236-50238282D533}" type="slidenum">
+            <a:fld id="{D50EFE6C-E8E0-E248-91BB-7B9DACB0A014}" type="slidenum">
               <a:rPr lang="en-US" smtClean="0"/>
               <a:t>‹#›</a:t>
             </a:fld>
@@ -894,7 +965,7 @@
     </p:spTree>
     <p:extLst>
       <p:ext uri="{BB962C8B-B14F-4D97-AF65-F5344CB8AC3E}">
-        <p14:creationId xmlns:p14="http://schemas.microsoft.com/office/powerpoint/2010/main" val="338346009"/>
+        <p14:creationId xmlns:p14="http://schemas.microsoft.com/office/powerpoint/2010/main" val="3514584724"/>
       </p:ext>
     </p:extLst>
   </p:cSld>
@@ -923,7 +994,13 @@
       </p:grpSpPr>
       <p:sp>
         <p:nvSpPr>
-          <p:cNvPr id="2" name="Title 1"/>
+          <p:cNvPr id="2" name="Title 1">
+            <a:extLst>
+              <a:ext uri="{FF2B5EF4-FFF2-40B4-BE49-F238E27FC236}">
+                <a16:creationId xmlns:a16="http://schemas.microsoft.com/office/drawing/2014/main" id="{A66E58CE-64E2-C2DE-8F4C-B69DF5C6AF07}"/>
+              </a:ext>
+            </a:extLst>
+          </p:cNvPr>
           <p:cNvSpPr>
             <a:spLocks noGrp="1"/>
           </p:cNvSpPr>
@@ -933,20 +1010,20 @@
         </p:nvSpPr>
         <p:spPr>
           <a:xfrm>
-            <a:off x="722313" y="4406900"/>
-            <a:ext cx="7772400" cy="1362075"/>
+            <a:off x="831850" y="1709738"/>
+            <a:ext cx="10515600" cy="2852737"/>
           </a:xfrm>
         </p:spPr>
         <p:txBody>
-          <a:bodyPr anchor="t"/>
+          <a:bodyPr anchor="b"/>
           <a:lstStyle>
-            <a:lvl1pPr algn="l">
-              <a:defRPr sz="4000" b="1" cap="all"/>
+            <a:lvl1pPr>
+              <a:defRPr sz="6000"/>
             </a:lvl1pPr>
           </a:lstStyle>
           <a:p>
             <a:r>
-              <a:rPr lang="en-US" smtClean="0"/>
+              <a:rPr lang="en-GB"/>
               <a:t>Click to edit Master title style</a:t>
             </a:r>
             <a:endParaRPr lang="en-US"/>
@@ -955,7 +1032,13 @@
       </p:sp>
       <p:sp>
         <p:nvSpPr>
-          <p:cNvPr id="3" name="Text Placeholder 2"/>
+          <p:cNvPr id="3" name="Text Placeholder 2">
+            <a:extLst>
+              <a:ext uri="{FF2B5EF4-FFF2-40B4-BE49-F238E27FC236}">
+                <a16:creationId xmlns:a16="http://schemas.microsoft.com/office/drawing/2014/main" id="{C097494B-ADED-0FD8-2030-8B49EE6D90C4}"/>
+              </a:ext>
+            </a:extLst>
+          </p:cNvPr>
           <p:cNvSpPr>
             <a:spLocks noGrp="1"/>
           </p:cNvSpPr>
@@ -965,16 +1048,16 @@
         </p:nvSpPr>
         <p:spPr>
           <a:xfrm>
-            <a:off x="722313" y="2906713"/>
-            <a:ext cx="7772400" cy="1500187"/>
+            <a:off x="831850" y="4589463"/>
+            <a:ext cx="10515600" cy="1500187"/>
           </a:xfrm>
         </p:spPr>
         <p:txBody>
-          <a:bodyPr anchor="b"/>
+          <a:bodyPr/>
           <a:lstStyle>
             <a:lvl1pPr marL="0" indent="0">
               <a:buNone/>
-              <a:defRPr sz="2000">
+              <a:defRPr sz="2400">
                 <a:solidFill>
                   <a:schemeClr val="tx1">
                     <a:tint val="75000"/>
@@ -984,7 +1067,7 @@
             </a:lvl1pPr>
             <a:lvl2pPr marL="457200" indent="0">
               <a:buNone/>
-              <a:defRPr sz="1800">
+              <a:defRPr sz="2000">
                 <a:solidFill>
                   <a:schemeClr val="tx1">
                     <a:tint val="75000"/>
@@ -994,7 +1077,7 @@
             </a:lvl2pPr>
             <a:lvl3pPr marL="914400" indent="0">
               <a:buNone/>
-              <a:defRPr sz="1600">
+              <a:defRPr sz="1800">
                 <a:solidFill>
                   <a:schemeClr val="tx1">
                     <a:tint val="75000"/>
@@ -1004,7 +1087,7 @@
             </a:lvl3pPr>
             <a:lvl4pPr marL="1371600" indent="0">
               <a:buNone/>
-              <a:defRPr sz="1400">
+              <a:defRPr sz="1600">
                 <a:solidFill>
                   <a:schemeClr val="tx1">
                     <a:tint val="75000"/>
@@ -1014,7 +1097,7 @@
             </a:lvl4pPr>
             <a:lvl5pPr marL="1828800" indent="0">
               <a:buNone/>
-              <a:defRPr sz="1400">
+              <a:defRPr sz="1600">
                 <a:solidFill>
                   <a:schemeClr val="tx1">
                     <a:tint val="75000"/>
@@ -1024,7 +1107,7 @@
             </a:lvl5pPr>
             <a:lvl6pPr marL="2286000" indent="0">
               <a:buNone/>
-              <a:defRPr sz="1400">
+              <a:defRPr sz="1600">
                 <a:solidFill>
                   <a:schemeClr val="tx1">
                     <a:tint val="75000"/>
@@ -1034,7 +1117,7 @@
             </a:lvl6pPr>
             <a:lvl7pPr marL="2743200" indent="0">
               <a:buNone/>
-              <a:defRPr sz="1400">
+              <a:defRPr sz="1600">
                 <a:solidFill>
                   <a:schemeClr val="tx1">
                     <a:tint val="75000"/>
@@ -1044,7 +1127,7 @@
             </a:lvl7pPr>
             <a:lvl8pPr marL="3200400" indent="0">
               <a:buNone/>
-              <a:defRPr sz="1400">
+              <a:defRPr sz="1600">
                 <a:solidFill>
                   <a:schemeClr val="tx1">
                     <a:tint val="75000"/>
@@ -1054,7 +1137,7 @@
             </a:lvl8pPr>
             <a:lvl9pPr marL="3657600" indent="0">
               <a:buNone/>
-              <a:defRPr sz="1400">
+              <a:defRPr sz="1600">
                 <a:solidFill>
                   <a:schemeClr val="tx1">
                     <a:tint val="75000"/>
@@ -1066,20 +1149,55 @@
           <a:p>
             <a:pPr lvl="0"/>
             <a:r>
+              <a:rPr lang="en-GB"/>
+              <a:t>Click to edit Master text styles</a:t>
+            </a:r>
+          </a:p>
+        </p:txBody>
+      </p:sp>
+      <p:sp>
+        <p:nvSpPr>
+          <p:cNvPr id="4" name="Date Placeholder 3">
+            <a:extLst>
+              <a:ext uri="{FF2B5EF4-FFF2-40B4-BE49-F238E27FC236}">
+                <a16:creationId xmlns:a16="http://schemas.microsoft.com/office/drawing/2014/main" id="{8CC368ED-AAC1-5A8B-25C7-8E9CCE331BAD}"/>
+              </a:ext>
+            </a:extLst>
+          </p:cNvPr>
+          <p:cNvSpPr>
+            <a:spLocks noGrp="1"/>
+          </p:cNvSpPr>
+          <p:nvPr>
+            <p:ph type="dt" sz="half" idx="10"/>
+          </p:nvPr>
+        </p:nvSpPr>
+        <p:spPr/>
+        <p:txBody>
+          <a:bodyPr/>
+          <a:lstStyle/>
+          <a:p>
+            <a:fld id="{D70592F7-D0C3-4842-A77B-5ED7EA76761D}" type="datetimeFigureOut">
               <a:rPr lang="en-US" smtClean="0"/>
-              <a:t>Click to edit Master text styles</a:t>
-            </a:r>
-          </a:p>
-        </p:txBody>
-      </p:sp>
-      <p:sp>
-        <p:nvSpPr>
-          <p:cNvPr id="4" name="Date Placeholder 3"/>
-          <p:cNvSpPr>
-            <a:spLocks noGrp="1"/>
-          </p:cNvSpPr>
-          <p:nvPr>
-            <p:ph type="dt" sz="half" idx="10"/>
+              <a:t>5/20/22</a:t>
+            </a:fld>
+            <a:endParaRPr lang="en-US"/>
+          </a:p>
+        </p:txBody>
+      </p:sp>
+      <p:sp>
+        <p:nvSpPr>
+          <p:cNvPr id="5" name="Footer Placeholder 4">
+            <a:extLst>
+              <a:ext uri="{FF2B5EF4-FFF2-40B4-BE49-F238E27FC236}">
+                <a16:creationId xmlns:a16="http://schemas.microsoft.com/office/drawing/2014/main" id="{FD57A827-C4DB-30B0-577D-EAAF4C64EF58}"/>
+              </a:ext>
+            </a:extLst>
+          </p:cNvPr>
+          <p:cNvSpPr>
+            <a:spLocks noGrp="1"/>
+          </p:cNvSpPr>
+          <p:nvPr>
+            <p:ph type="ftr" sz="quarter" idx="11"/>
           </p:nvPr>
         </p:nvSpPr>
         <p:spPr/>
@@ -1087,22 +1205,24 @@
           <a:bodyPr/>
           <a:lstStyle/>
           <a:p>
-            <a:fld id="{241EB5C9-1307-BA42-ABA2-0BC069CD8E7F}" type="datetimeFigureOut">
-              <a:rPr lang="en-US" smtClean="0"/>
-              <a:t>4/5/2019</a:t>
-            </a:fld>
-            <a:endParaRPr lang="en-US"/>
-          </a:p>
-        </p:txBody>
-      </p:sp>
-      <p:sp>
-        <p:nvSpPr>
-          <p:cNvPr id="5" name="Footer Placeholder 4"/>
-          <p:cNvSpPr>
-            <a:spLocks noGrp="1"/>
-          </p:cNvSpPr>
-          <p:nvPr>
-            <p:ph type="ftr" sz="quarter" idx="11"/>
+            <a:endParaRPr lang="en-US"/>
+          </a:p>
+        </p:txBody>
+      </p:sp>
+      <p:sp>
+        <p:nvSpPr>
+          <p:cNvPr id="6" name="Slide Number Placeholder 5">
+            <a:extLst>
+              <a:ext uri="{FF2B5EF4-FFF2-40B4-BE49-F238E27FC236}">
+                <a16:creationId xmlns:a16="http://schemas.microsoft.com/office/drawing/2014/main" id="{DD2A893D-9BC8-67D3-E7C7-7627A00D3D5E}"/>
+              </a:ext>
+            </a:extLst>
+          </p:cNvPr>
+          <p:cNvSpPr>
+            <a:spLocks noGrp="1"/>
+          </p:cNvSpPr>
+          <p:nvPr>
+            <p:ph type="sldNum" sz="quarter" idx="12"/>
           </p:nvPr>
         </p:nvSpPr>
         <p:spPr/>
@@ -1110,26 +1230,7 @@
           <a:bodyPr/>
           <a:lstStyle/>
           <a:p>
-            <a:endParaRPr lang="en-US"/>
-          </a:p>
-        </p:txBody>
-      </p:sp>
-      <p:sp>
-        <p:nvSpPr>
-          <p:cNvPr id="6" name="Slide Number Placeholder 5"/>
-          <p:cNvSpPr>
-            <a:spLocks noGrp="1"/>
-          </p:cNvSpPr>
-          <p:nvPr>
-            <p:ph type="sldNum" sz="quarter" idx="12"/>
-          </p:nvPr>
-        </p:nvSpPr>
-        <p:spPr/>
-        <p:txBody>
-          <a:bodyPr/>
-          <a:lstStyle/>
-          <a:p>
-            <a:fld id="{C5EF2332-01BF-834F-8236-50238282D533}" type="slidenum">
+            <a:fld id="{D50EFE6C-E8E0-E248-91BB-7B9DACB0A014}" type="slidenum">
               <a:rPr lang="en-US" smtClean="0"/>
               <a:t>‹#›</a:t>
             </a:fld>
@@ -1140,7 +1241,7 @@
     </p:spTree>
     <p:extLst>
       <p:ext uri="{BB962C8B-B14F-4D97-AF65-F5344CB8AC3E}">
-        <p14:creationId xmlns:p14="http://schemas.microsoft.com/office/powerpoint/2010/main" val="1073069076"/>
+        <p14:creationId xmlns:p14="http://schemas.microsoft.com/office/powerpoint/2010/main" val="2580915747"/>
       </p:ext>
     </p:extLst>
   </p:cSld>
@@ -1169,7 +1270,13 @@
       </p:grpSpPr>
       <p:sp>
         <p:nvSpPr>
-          <p:cNvPr id="2" name="Title 1"/>
+          <p:cNvPr id="2" name="Title 1">
+            <a:extLst>
+              <a:ext uri="{FF2B5EF4-FFF2-40B4-BE49-F238E27FC236}">
+                <a16:creationId xmlns:a16="http://schemas.microsoft.com/office/drawing/2014/main" id="{EFBCCD1E-76F8-80DB-B780-8D16CF3B1812}"/>
+              </a:ext>
+            </a:extLst>
+          </p:cNvPr>
           <p:cNvSpPr>
             <a:spLocks noGrp="1"/>
           </p:cNvSpPr>
@@ -1183,7 +1290,7 @@
           <a:lstStyle/>
           <a:p>
             <a:r>
-              <a:rPr lang="en-US" smtClean="0"/>
+              <a:rPr lang="en-GB"/>
               <a:t>Click to edit Master title style</a:t>
             </a:r>
             <a:endParaRPr lang="en-US"/>
@@ -1192,7 +1299,13 @@
       </p:sp>
       <p:sp>
         <p:nvSpPr>
-          <p:cNvPr id="3" name="Content Placeholder 2"/>
+          <p:cNvPr id="3" name="Content Placeholder 2">
+            <a:extLst>
+              <a:ext uri="{FF2B5EF4-FFF2-40B4-BE49-F238E27FC236}">
+                <a16:creationId xmlns:a16="http://schemas.microsoft.com/office/drawing/2014/main" id="{5DBAF2B8-B9EC-7BBB-0A8B-27B0F6A437C7}"/>
+              </a:ext>
+            </a:extLst>
+          </p:cNvPr>
           <p:cNvSpPr>
             <a:spLocks noGrp="1"/>
           </p:cNvSpPr>
@@ -1202,73 +1315,45 @@
         </p:nvSpPr>
         <p:spPr>
           <a:xfrm>
-            <a:off x="457200" y="1600200"/>
-            <a:ext cx="4038600" cy="4525963"/>
+            <a:off x="838200" y="1825625"/>
+            <a:ext cx="5181600" cy="4351338"/>
           </a:xfrm>
         </p:spPr>
         <p:txBody>
           <a:bodyPr/>
-          <a:lstStyle>
-            <a:lvl1pPr>
-              <a:defRPr sz="2800"/>
-            </a:lvl1pPr>
-            <a:lvl2pPr>
-              <a:defRPr sz="2400"/>
-            </a:lvl2pPr>
-            <a:lvl3pPr>
-              <a:defRPr sz="2000"/>
-            </a:lvl3pPr>
-            <a:lvl4pPr>
-              <a:defRPr sz="1800"/>
-            </a:lvl4pPr>
-            <a:lvl5pPr>
-              <a:defRPr sz="1800"/>
-            </a:lvl5pPr>
-            <a:lvl6pPr>
-              <a:defRPr sz="1800"/>
-            </a:lvl6pPr>
-            <a:lvl7pPr>
-              <a:defRPr sz="1800"/>
-            </a:lvl7pPr>
-            <a:lvl8pPr>
-              <a:defRPr sz="1800"/>
-            </a:lvl8pPr>
-            <a:lvl9pPr>
-              <a:defRPr sz="1800"/>
-            </a:lvl9pPr>
-          </a:lstStyle>
+          <a:lstStyle/>
           <a:p>
             <a:pPr lvl="0"/>
             <a:r>
-              <a:rPr lang="en-US" smtClean="0"/>
+              <a:rPr lang="en-GB"/>
               <a:t>Click to edit Master text styles</a:t>
             </a:r>
           </a:p>
           <a:p>
             <a:pPr lvl="1"/>
             <a:r>
-              <a:rPr lang="en-US" smtClean="0"/>
+              <a:rPr lang="en-GB"/>
               <a:t>Second level</a:t>
             </a:r>
           </a:p>
           <a:p>
             <a:pPr lvl="2"/>
             <a:r>
-              <a:rPr lang="en-US" smtClean="0"/>
+              <a:rPr lang="en-GB"/>
               <a:t>Third level</a:t>
             </a:r>
           </a:p>
           <a:p>
             <a:pPr lvl="3"/>
             <a:r>
-              <a:rPr lang="en-US" smtClean="0"/>
+              <a:rPr lang="en-GB"/>
               <a:t>Fourth level</a:t>
             </a:r>
           </a:p>
           <a:p>
             <a:pPr lvl="4"/>
             <a:r>
-              <a:rPr lang="en-US" smtClean="0"/>
+              <a:rPr lang="en-GB"/>
               <a:t>Fifth level</a:t>
             </a:r>
             <a:endParaRPr lang="en-US"/>
@@ -1277,7 +1362,13 @@
       </p:sp>
       <p:sp>
         <p:nvSpPr>
-          <p:cNvPr id="4" name="Content Placeholder 3"/>
+          <p:cNvPr id="4" name="Content Placeholder 3">
+            <a:extLst>
+              <a:ext uri="{FF2B5EF4-FFF2-40B4-BE49-F238E27FC236}">
+                <a16:creationId xmlns:a16="http://schemas.microsoft.com/office/drawing/2014/main" id="{90516967-CE9E-8D5A-02FF-275E09248A87}"/>
+              </a:ext>
+            </a:extLst>
+          </p:cNvPr>
           <p:cNvSpPr>
             <a:spLocks noGrp="1"/>
           </p:cNvSpPr>
@@ -1287,87 +1378,94 @@
         </p:nvSpPr>
         <p:spPr>
           <a:xfrm>
-            <a:off x="4648200" y="1600200"/>
-            <a:ext cx="4038600" cy="4525963"/>
+            <a:off x="6172200" y="1825625"/>
+            <a:ext cx="5181600" cy="4351338"/>
           </a:xfrm>
         </p:spPr>
         <p:txBody>
           <a:bodyPr/>
-          <a:lstStyle>
-            <a:lvl1pPr>
-              <a:defRPr sz="2800"/>
-            </a:lvl1pPr>
-            <a:lvl2pPr>
-              <a:defRPr sz="2400"/>
-            </a:lvl2pPr>
-            <a:lvl3pPr>
-              <a:defRPr sz="2000"/>
-            </a:lvl3pPr>
-            <a:lvl4pPr>
-              <a:defRPr sz="1800"/>
-            </a:lvl4pPr>
-            <a:lvl5pPr>
-              <a:defRPr sz="1800"/>
-            </a:lvl5pPr>
-            <a:lvl6pPr>
-              <a:defRPr sz="1800"/>
-            </a:lvl6pPr>
-            <a:lvl7pPr>
-              <a:defRPr sz="1800"/>
-            </a:lvl7pPr>
-            <a:lvl8pPr>
-              <a:defRPr sz="1800"/>
-            </a:lvl8pPr>
-            <a:lvl9pPr>
-              <a:defRPr sz="1800"/>
-            </a:lvl9pPr>
-          </a:lstStyle>
+          <a:lstStyle/>
           <a:p>
             <a:pPr lvl="0"/>
             <a:r>
+              <a:rPr lang="en-GB"/>
+              <a:t>Click to edit Master text styles</a:t>
+            </a:r>
+          </a:p>
+          <a:p>
+            <a:pPr lvl="1"/>
+            <a:r>
+              <a:rPr lang="en-GB"/>
+              <a:t>Second level</a:t>
+            </a:r>
+          </a:p>
+          <a:p>
+            <a:pPr lvl="2"/>
+            <a:r>
+              <a:rPr lang="en-GB"/>
+              <a:t>Third level</a:t>
+            </a:r>
+          </a:p>
+          <a:p>
+            <a:pPr lvl="3"/>
+            <a:r>
+              <a:rPr lang="en-GB"/>
+              <a:t>Fourth level</a:t>
+            </a:r>
+          </a:p>
+          <a:p>
+            <a:pPr lvl="4"/>
+            <a:r>
+              <a:rPr lang="en-GB"/>
+              <a:t>Fifth level</a:t>
+            </a:r>
+            <a:endParaRPr lang="en-US"/>
+          </a:p>
+        </p:txBody>
+      </p:sp>
+      <p:sp>
+        <p:nvSpPr>
+          <p:cNvPr id="5" name="Date Placeholder 4">
+            <a:extLst>
+              <a:ext uri="{FF2B5EF4-FFF2-40B4-BE49-F238E27FC236}">
+                <a16:creationId xmlns:a16="http://schemas.microsoft.com/office/drawing/2014/main" id="{AAA25C88-5A1B-45FD-226A-E31CD588F86C}"/>
+              </a:ext>
+            </a:extLst>
+          </p:cNvPr>
+          <p:cNvSpPr>
+            <a:spLocks noGrp="1"/>
+          </p:cNvSpPr>
+          <p:nvPr>
+            <p:ph type="dt" sz="half" idx="10"/>
+          </p:nvPr>
+        </p:nvSpPr>
+        <p:spPr/>
+        <p:txBody>
+          <a:bodyPr/>
+          <a:lstStyle/>
+          <a:p>
+            <a:fld id="{D70592F7-D0C3-4842-A77B-5ED7EA76761D}" type="datetimeFigureOut">
               <a:rPr lang="en-US" smtClean="0"/>
-              <a:t>Click to edit Master text styles</a:t>
-            </a:r>
-          </a:p>
-          <a:p>
-            <a:pPr lvl="1"/>
-            <a:r>
-              <a:rPr lang="en-US" smtClean="0"/>
-              <a:t>Second level</a:t>
-            </a:r>
-          </a:p>
-          <a:p>
-            <a:pPr lvl="2"/>
-            <a:r>
-              <a:rPr lang="en-US" smtClean="0"/>
-              <a:t>Third level</a:t>
-            </a:r>
-          </a:p>
-          <a:p>
-            <a:pPr lvl="3"/>
-            <a:r>
-              <a:rPr lang="en-US" smtClean="0"/>
-              <a:t>Fourth level</a:t>
-            </a:r>
-          </a:p>
-          <a:p>
-            <a:pPr lvl="4"/>
-            <a:r>
-              <a:rPr lang="en-US" smtClean="0"/>
-              <a:t>Fifth level</a:t>
-            </a:r>
-            <a:endParaRPr lang="en-US"/>
-          </a:p>
-        </p:txBody>
-      </p:sp>
-      <p:sp>
-        <p:nvSpPr>
-          <p:cNvPr id="5" name="Date Placeholder 4"/>
-          <p:cNvSpPr>
-            <a:spLocks noGrp="1"/>
-          </p:cNvSpPr>
-          <p:nvPr>
-            <p:ph type="dt" sz="half" idx="10"/>
+              <a:t>5/20/22</a:t>
+            </a:fld>
+            <a:endParaRPr lang="en-US"/>
+          </a:p>
+        </p:txBody>
+      </p:sp>
+      <p:sp>
+        <p:nvSpPr>
+          <p:cNvPr id="6" name="Footer Placeholder 5">
+            <a:extLst>
+              <a:ext uri="{FF2B5EF4-FFF2-40B4-BE49-F238E27FC236}">
+                <a16:creationId xmlns:a16="http://schemas.microsoft.com/office/drawing/2014/main" id="{3CE23175-8E76-153B-C70A-1CCAD7432467}"/>
+              </a:ext>
+            </a:extLst>
+          </p:cNvPr>
+          <p:cNvSpPr>
+            <a:spLocks noGrp="1"/>
+          </p:cNvSpPr>
+          <p:nvPr>
+            <p:ph type="ftr" sz="quarter" idx="11"/>
           </p:nvPr>
         </p:nvSpPr>
         <p:spPr/>
@@ -1375,22 +1473,24 @@
           <a:bodyPr/>
           <a:lstStyle/>
           <a:p>
-            <a:fld id="{241EB5C9-1307-BA42-ABA2-0BC069CD8E7F}" type="datetimeFigureOut">
-              <a:rPr lang="en-US" smtClean="0"/>
-              <a:t>4/5/2019</a:t>
-            </a:fld>
-            <a:endParaRPr lang="en-US"/>
-          </a:p>
-        </p:txBody>
-      </p:sp>
-      <p:sp>
-        <p:nvSpPr>
-          <p:cNvPr id="6" name="Footer Placeholder 5"/>
-          <p:cNvSpPr>
-            <a:spLocks noGrp="1"/>
-          </p:cNvSpPr>
-          <p:nvPr>
-            <p:ph type="ftr" sz="quarter" idx="11"/>
+            <a:endParaRPr lang="en-US"/>
+          </a:p>
+        </p:txBody>
+      </p:sp>
+      <p:sp>
+        <p:nvSpPr>
+          <p:cNvPr id="7" name="Slide Number Placeholder 6">
+            <a:extLst>
+              <a:ext uri="{FF2B5EF4-FFF2-40B4-BE49-F238E27FC236}">
+                <a16:creationId xmlns:a16="http://schemas.microsoft.com/office/drawing/2014/main" id="{999E5F0F-3B0B-E64B-CB59-3C08D2C3321E}"/>
+              </a:ext>
+            </a:extLst>
+          </p:cNvPr>
+          <p:cNvSpPr>
+            <a:spLocks noGrp="1"/>
+          </p:cNvSpPr>
+          <p:nvPr>
+            <p:ph type="sldNum" sz="quarter" idx="12"/>
           </p:nvPr>
         </p:nvSpPr>
         <p:spPr/>
@@ -1398,26 +1498,7 @@
           <a:bodyPr/>
           <a:lstStyle/>
           <a:p>
-            <a:endParaRPr lang="en-US"/>
-          </a:p>
-        </p:txBody>
-      </p:sp>
-      <p:sp>
-        <p:nvSpPr>
-          <p:cNvPr id="7" name="Slide Number Placeholder 6"/>
-          <p:cNvSpPr>
-            <a:spLocks noGrp="1"/>
-          </p:cNvSpPr>
-          <p:nvPr>
-            <p:ph type="sldNum" sz="quarter" idx="12"/>
-          </p:nvPr>
-        </p:nvSpPr>
-        <p:spPr/>
-        <p:txBody>
-          <a:bodyPr/>
-          <a:lstStyle/>
-          <a:p>
-            <a:fld id="{C5EF2332-01BF-834F-8236-50238282D533}" type="slidenum">
+            <a:fld id="{D50EFE6C-E8E0-E248-91BB-7B9DACB0A014}" type="slidenum">
               <a:rPr lang="en-US" smtClean="0"/>
               <a:t>‹#›</a:t>
             </a:fld>
@@ -1428,7 +1509,7 @@
     </p:spTree>
     <p:extLst>
       <p:ext uri="{BB962C8B-B14F-4D97-AF65-F5344CB8AC3E}">
-        <p14:creationId xmlns:p14="http://schemas.microsoft.com/office/powerpoint/2010/main" val="2619886245"/>
+        <p14:creationId xmlns:p14="http://schemas.microsoft.com/office/powerpoint/2010/main" val="2827868696"/>
       </p:ext>
     </p:extLst>
   </p:cSld>
@@ -1457,45 +1538,58 @@
       </p:grpSpPr>
       <p:sp>
         <p:nvSpPr>
-          <p:cNvPr id="2" name="Title 1"/>
+          <p:cNvPr id="2" name="Title 1">
+            <a:extLst>
+              <a:ext uri="{FF2B5EF4-FFF2-40B4-BE49-F238E27FC236}">
+                <a16:creationId xmlns:a16="http://schemas.microsoft.com/office/drawing/2014/main" id="{22E4D9DC-79D1-8A11-5BEA-F3C53062E85D}"/>
+              </a:ext>
+            </a:extLst>
+          </p:cNvPr>
           <p:cNvSpPr>
             <a:spLocks noGrp="1"/>
           </p:cNvSpPr>
           <p:nvPr>
             <p:ph type="title"/>
-          </p:nvPr>
-        </p:nvSpPr>
-        <p:spPr/>
-        <p:txBody>
-          <a:bodyPr/>
-          <a:lstStyle>
-            <a:lvl1pPr>
-              <a:defRPr/>
-            </a:lvl1pPr>
-          </a:lstStyle>
-          <a:p>
-            <a:r>
-              <a:rPr lang="en-US" smtClean="0"/>
-              <a:t>Click to edit Master title style</a:t>
-            </a:r>
-            <a:endParaRPr lang="en-US"/>
-          </a:p>
-        </p:txBody>
-      </p:sp>
-      <p:sp>
-        <p:nvSpPr>
-          <p:cNvPr id="3" name="Text Placeholder 2"/>
-          <p:cNvSpPr>
-            <a:spLocks noGrp="1"/>
-          </p:cNvSpPr>
-          <p:nvPr>
-            <p:ph type="body" idx="1"/>
           </p:nvPr>
         </p:nvSpPr>
         <p:spPr>
           <a:xfrm>
-            <a:off x="457200" y="1535113"/>
-            <a:ext cx="4040188" cy="639762"/>
+            <a:off x="839788" y="365125"/>
+            <a:ext cx="10515600" cy="1325563"/>
+          </a:xfrm>
+        </p:spPr>
+        <p:txBody>
+          <a:bodyPr/>
+          <a:lstStyle/>
+          <a:p>
+            <a:r>
+              <a:rPr lang="en-GB"/>
+              <a:t>Click to edit Master title style</a:t>
+            </a:r>
+            <a:endParaRPr lang="en-US"/>
+          </a:p>
+        </p:txBody>
+      </p:sp>
+      <p:sp>
+        <p:nvSpPr>
+          <p:cNvPr id="3" name="Text Placeholder 2">
+            <a:extLst>
+              <a:ext uri="{FF2B5EF4-FFF2-40B4-BE49-F238E27FC236}">
+                <a16:creationId xmlns:a16="http://schemas.microsoft.com/office/drawing/2014/main" id="{49E85587-77AB-F64C-AFA7-4A8A3560FE90}"/>
+              </a:ext>
+            </a:extLst>
+          </p:cNvPr>
+          <p:cNvSpPr>
+            <a:spLocks noGrp="1"/>
+          </p:cNvSpPr>
+          <p:nvPr>
+            <p:ph type="body" idx="1"/>
+          </p:nvPr>
+        </p:nvSpPr>
+        <p:spPr>
+          <a:xfrm>
+            <a:off x="839788" y="1681163"/>
+            <a:ext cx="5157787" cy="823912"/>
           </a:xfrm>
         </p:spPr>
         <p:txBody>
@@ -1541,7 +1635,7 @@
           <a:p>
             <a:pPr lvl="0"/>
             <a:r>
-              <a:rPr lang="en-US" smtClean="0"/>
+              <a:rPr lang="en-GB"/>
               <a:t>Click to edit Master text styles</a:t>
             </a:r>
           </a:p>
@@ -1549,7 +1643,13 @@
       </p:sp>
       <p:sp>
         <p:nvSpPr>
-          <p:cNvPr id="4" name="Content Placeholder 3"/>
+          <p:cNvPr id="4" name="Content Placeholder 3">
+            <a:extLst>
+              <a:ext uri="{FF2B5EF4-FFF2-40B4-BE49-F238E27FC236}">
+                <a16:creationId xmlns:a16="http://schemas.microsoft.com/office/drawing/2014/main" id="{CEFAF24B-E75E-8842-B1E1-986283FDE4F8}"/>
+              </a:ext>
+            </a:extLst>
+          </p:cNvPr>
           <p:cNvSpPr>
             <a:spLocks noGrp="1"/>
           </p:cNvSpPr>
@@ -1559,73 +1659,45 @@
         </p:nvSpPr>
         <p:spPr>
           <a:xfrm>
-            <a:off x="457200" y="2174875"/>
-            <a:ext cx="4040188" cy="3951288"/>
+            <a:off x="839788" y="2505075"/>
+            <a:ext cx="5157787" cy="3684588"/>
           </a:xfrm>
         </p:spPr>
         <p:txBody>
           <a:bodyPr/>
-          <a:lstStyle>
-            <a:lvl1pPr>
-              <a:defRPr sz="2400"/>
-            </a:lvl1pPr>
-            <a:lvl2pPr>
-              <a:defRPr sz="2000"/>
-            </a:lvl2pPr>
-            <a:lvl3pPr>
-              <a:defRPr sz="1800"/>
-            </a:lvl3pPr>
-            <a:lvl4pPr>
-              <a:defRPr sz="1600"/>
-            </a:lvl4pPr>
-            <a:lvl5pPr>
-              <a:defRPr sz="1600"/>
-            </a:lvl5pPr>
-            <a:lvl6pPr>
-              <a:defRPr sz="1600"/>
-            </a:lvl6pPr>
-            <a:lvl7pPr>
-              <a:defRPr sz="1600"/>
-            </a:lvl7pPr>
-            <a:lvl8pPr>
-              <a:defRPr sz="1600"/>
-            </a:lvl8pPr>
-            <a:lvl9pPr>
-              <a:defRPr sz="1600"/>
-            </a:lvl9pPr>
-          </a:lstStyle>
+          <a:lstStyle/>
           <a:p>
             <a:pPr lvl="0"/>
             <a:r>
-              <a:rPr lang="en-US" smtClean="0"/>
+              <a:rPr lang="en-GB"/>
               <a:t>Click to edit Master text styles</a:t>
             </a:r>
           </a:p>
           <a:p>
             <a:pPr lvl="1"/>
             <a:r>
-              <a:rPr lang="en-US" smtClean="0"/>
+              <a:rPr lang="en-GB"/>
               <a:t>Second level</a:t>
             </a:r>
           </a:p>
           <a:p>
             <a:pPr lvl="2"/>
             <a:r>
-              <a:rPr lang="en-US" smtClean="0"/>
+              <a:rPr lang="en-GB"/>
               <a:t>Third level</a:t>
             </a:r>
           </a:p>
           <a:p>
             <a:pPr lvl="3"/>
             <a:r>
-              <a:rPr lang="en-US" smtClean="0"/>
+              <a:rPr lang="en-GB"/>
               <a:t>Fourth level</a:t>
             </a:r>
           </a:p>
           <a:p>
             <a:pPr lvl="4"/>
             <a:r>
-              <a:rPr lang="en-US" smtClean="0"/>
+              <a:rPr lang="en-GB"/>
               <a:t>Fifth level</a:t>
             </a:r>
             <a:endParaRPr lang="en-US"/>
@@ -1634,7 +1706,13 @@
       </p:sp>
       <p:sp>
         <p:nvSpPr>
-          <p:cNvPr id="5" name="Text Placeholder 4"/>
+          <p:cNvPr id="5" name="Text Placeholder 4">
+            <a:extLst>
+              <a:ext uri="{FF2B5EF4-FFF2-40B4-BE49-F238E27FC236}">
+                <a16:creationId xmlns:a16="http://schemas.microsoft.com/office/drawing/2014/main" id="{5433DEB4-9E8C-6396-A7CA-335F9FE872E6}"/>
+              </a:ext>
+            </a:extLst>
+          </p:cNvPr>
           <p:cNvSpPr>
             <a:spLocks noGrp="1"/>
           </p:cNvSpPr>
@@ -1644,8 +1722,8 @@
         </p:nvSpPr>
         <p:spPr>
           <a:xfrm>
-            <a:off x="4645025" y="1535113"/>
-            <a:ext cx="4041775" cy="639762"/>
+            <a:off x="6172200" y="1681163"/>
+            <a:ext cx="5183188" cy="823912"/>
           </a:xfrm>
         </p:spPr>
         <p:txBody>
@@ -1691,7 +1769,7 @@
           <a:p>
             <a:pPr lvl="0"/>
             <a:r>
-              <a:rPr lang="en-US" smtClean="0"/>
+              <a:rPr lang="en-GB"/>
               <a:t>Click to edit Master text styles</a:t>
             </a:r>
           </a:p>
@@ -1699,7 +1777,13 @@
       </p:sp>
       <p:sp>
         <p:nvSpPr>
-          <p:cNvPr id="6" name="Content Placeholder 5"/>
+          <p:cNvPr id="6" name="Content Placeholder 5">
+            <a:extLst>
+              <a:ext uri="{FF2B5EF4-FFF2-40B4-BE49-F238E27FC236}">
+                <a16:creationId xmlns:a16="http://schemas.microsoft.com/office/drawing/2014/main" id="{664AB3C2-B43B-EAF6-92FC-1C8BC007D74A}"/>
+              </a:ext>
+            </a:extLst>
+          </p:cNvPr>
           <p:cNvSpPr>
             <a:spLocks noGrp="1"/>
           </p:cNvSpPr>
@@ -1709,87 +1793,94 @@
         </p:nvSpPr>
         <p:spPr>
           <a:xfrm>
-            <a:off x="4645025" y="2174875"/>
-            <a:ext cx="4041775" cy="3951288"/>
+            <a:off x="6172200" y="2505075"/>
+            <a:ext cx="5183188" cy="3684588"/>
           </a:xfrm>
         </p:spPr>
         <p:txBody>
           <a:bodyPr/>
-          <a:lstStyle>
-            <a:lvl1pPr>
-              <a:defRPr sz="2400"/>
-            </a:lvl1pPr>
-            <a:lvl2pPr>
-              <a:defRPr sz="2000"/>
-            </a:lvl2pPr>
-            <a:lvl3pPr>
-              <a:defRPr sz="1800"/>
-            </a:lvl3pPr>
-            <a:lvl4pPr>
-              <a:defRPr sz="1600"/>
-            </a:lvl4pPr>
-            <a:lvl5pPr>
-              <a:defRPr sz="1600"/>
-            </a:lvl5pPr>
-            <a:lvl6pPr>
-              <a:defRPr sz="1600"/>
-            </a:lvl6pPr>
-            <a:lvl7pPr>
-              <a:defRPr sz="1600"/>
-            </a:lvl7pPr>
-            <a:lvl8pPr>
-              <a:defRPr sz="1600"/>
-            </a:lvl8pPr>
-            <a:lvl9pPr>
-              <a:defRPr sz="1600"/>
-            </a:lvl9pPr>
-          </a:lstStyle>
+          <a:lstStyle/>
           <a:p>
             <a:pPr lvl="0"/>
             <a:r>
+              <a:rPr lang="en-GB"/>
+              <a:t>Click to edit Master text styles</a:t>
+            </a:r>
+          </a:p>
+          <a:p>
+            <a:pPr lvl="1"/>
+            <a:r>
+              <a:rPr lang="en-GB"/>
+              <a:t>Second level</a:t>
+            </a:r>
+          </a:p>
+          <a:p>
+            <a:pPr lvl="2"/>
+            <a:r>
+              <a:rPr lang="en-GB"/>
+              <a:t>Third level</a:t>
+            </a:r>
+          </a:p>
+          <a:p>
+            <a:pPr lvl="3"/>
+            <a:r>
+              <a:rPr lang="en-GB"/>
+              <a:t>Fourth level</a:t>
+            </a:r>
+          </a:p>
+          <a:p>
+            <a:pPr lvl="4"/>
+            <a:r>
+              <a:rPr lang="en-GB"/>
+              <a:t>Fifth level</a:t>
+            </a:r>
+            <a:endParaRPr lang="en-US"/>
+          </a:p>
+        </p:txBody>
+      </p:sp>
+      <p:sp>
+        <p:nvSpPr>
+          <p:cNvPr id="7" name="Date Placeholder 6">
+            <a:extLst>
+              <a:ext uri="{FF2B5EF4-FFF2-40B4-BE49-F238E27FC236}">
+                <a16:creationId xmlns:a16="http://schemas.microsoft.com/office/drawing/2014/main" id="{2FADDE01-F58C-2403-A779-90EFAA2839D0}"/>
+              </a:ext>
+            </a:extLst>
+          </p:cNvPr>
+          <p:cNvSpPr>
+            <a:spLocks noGrp="1"/>
+          </p:cNvSpPr>
+          <p:nvPr>
+            <p:ph type="dt" sz="half" idx="10"/>
+          </p:nvPr>
+        </p:nvSpPr>
+        <p:spPr/>
+        <p:txBody>
+          <a:bodyPr/>
+          <a:lstStyle/>
+          <a:p>
+            <a:fld id="{D70592F7-D0C3-4842-A77B-5ED7EA76761D}" type="datetimeFigureOut">
               <a:rPr lang="en-US" smtClean="0"/>
-              <a:t>Click to edit Master text styles</a:t>
-            </a:r>
-          </a:p>
-          <a:p>
-            <a:pPr lvl="1"/>
-            <a:r>
-              <a:rPr lang="en-US" smtClean="0"/>
-              <a:t>Second level</a:t>
-            </a:r>
-          </a:p>
-          <a:p>
-            <a:pPr lvl="2"/>
-            <a:r>
-              <a:rPr lang="en-US" smtClean="0"/>
-              <a:t>Third level</a:t>
-            </a:r>
-          </a:p>
-          <a:p>
-            <a:pPr lvl="3"/>
-            <a:r>
-              <a:rPr lang="en-US" smtClean="0"/>
-              <a:t>Fourth level</a:t>
-            </a:r>
-          </a:p>
-          <a:p>
-            <a:pPr lvl="4"/>
-            <a:r>
-              <a:rPr lang="en-US" smtClean="0"/>
-              <a:t>Fifth level</a:t>
-            </a:r>
-            <a:endParaRPr lang="en-US"/>
-          </a:p>
-        </p:txBody>
-      </p:sp>
-      <p:sp>
-        <p:nvSpPr>
-          <p:cNvPr id="7" name="Date Placeholder 6"/>
-          <p:cNvSpPr>
-            <a:spLocks noGrp="1"/>
-          </p:cNvSpPr>
-          <p:nvPr>
-            <p:ph type="dt" sz="half" idx="10"/>
+              <a:t>5/20/22</a:t>
+            </a:fld>
+            <a:endParaRPr lang="en-US"/>
+          </a:p>
+        </p:txBody>
+      </p:sp>
+      <p:sp>
+        <p:nvSpPr>
+          <p:cNvPr id="8" name="Footer Placeholder 7">
+            <a:extLst>
+              <a:ext uri="{FF2B5EF4-FFF2-40B4-BE49-F238E27FC236}">
+                <a16:creationId xmlns:a16="http://schemas.microsoft.com/office/drawing/2014/main" id="{832CE216-D80B-C08A-4FD6-3EEF2DAAB39A}"/>
+              </a:ext>
+            </a:extLst>
+          </p:cNvPr>
+          <p:cNvSpPr>
+            <a:spLocks noGrp="1"/>
+          </p:cNvSpPr>
+          <p:nvPr>
+            <p:ph type="ftr" sz="quarter" idx="11"/>
           </p:nvPr>
         </p:nvSpPr>
         <p:spPr/>
@@ -1797,22 +1888,24 @@
           <a:bodyPr/>
           <a:lstStyle/>
           <a:p>
-            <a:fld id="{241EB5C9-1307-BA42-ABA2-0BC069CD8E7F}" type="datetimeFigureOut">
-              <a:rPr lang="en-US" smtClean="0"/>
-              <a:t>4/5/2019</a:t>
-            </a:fld>
-            <a:endParaRPr lang="en-US"/>
-          </a:p>
-        </p:txBody>
-      </p:sp>
-      <p:sp>
-        <p:nvSpPr>
-          <p:cNvPr id="8" name="Footer Placeholder 7"/>
-          <p:cNvSpPr>
-            <a:spLocks noGrp="1"/>
-          </p:cNvSpPr>
-          <p:nvPr>
-            <p:ph type="ftr" sz="quarter" idx="11"/>
+            <a:endParaRPr lang="en-US"/>
+          </a:p>
+        </p:txBody>
+      </p:sp>
+      <p:sp>
+        <p:nvSpPr>
+          <p:cNvPr id="9" name="Slide Number Placeholder 8">
+            <a:extLst>
+              <a:ext uri="{FF2B5EF4-FFF2-40B4-BE49-F238E27FC236}">
+                <a16:creationId xmlns:a16="http://schemas.microsoft.com/office/drawing/2014/main" id="{8A2C7BAE-1B20-DC7C-ED8A-9D699E0CD11E}"/>
+              </a:ext>
+            </a:extLst>
+          </p:cNvPr>
+          <p:cNvSpPr>
+            <a:spLocks noGrp="1"/>
+          </p:cNvSpPr>
+          <p:nvPr>
+            <p:ph type="sldNum" sz="quarter" idx="12"/>
           </p:nvPr>
         </p:nvSpPr>
         <p:spPr/>
@@ -1820,26 +1913,7 @@
           <a:bodyPr/>
           <a:lstStyle/>
           <a:p>
-            <a:endParaRPr lang="en-US"/>
-          </a:p>
-        </p:txBody>
-      </p:sp>
-      <p:sp>
-        <p:nvSpPr>
-          <p:cNvPr id="9" name="Slide Number Placeholder 8"/>
-          <p:cNvSpPr>
-            <a:spLocks noGrp="1"/>
-          </p:cNvSpPr>
-          <p:nvPr>
-            <p:ph type="sldNum" sz="quarter" idx="12"/>
-          </p:nvPr>
-        </p:nvSpPr>
-        <p:spPr/>
-        <p:txBody>
-          <a:bodyPr/>
-          <a:lstStyle/>
-          <a:p>
-            <a:fld id="{C5EF2332-01BF-834F-8236-50238282D533}" type="slidenum">
+            <a:fld id="{D50EFE6C-E8E0-E248-91BB-7B9DACB0A014}" type="slidenum">
               <a:rPr lang="en-US" smtClean="0"/>
               <a:t>‹#›</a:t>
             </a:fld>
@@ -1850,7 +1924,7 @@
     </p:spTree>
     <p:extLst>
       <p:ext uri="{BB962C8B-B14F-4D97-AF65-F5344CB8AC3E}">
-        <p14:creationId xmlns:p14="http://schemas.microsoft.com/office/powerpoint/2010/main" val="2535793967"/>
+        <p14:creationId xmlns:p14="http://schemas.microsoft.com/office/powerpoint/2010/main" val="415774633"/>
       </p:ext>
     </p:extLst>
   </p:cSld>
@@ -1879,7 +1953,13 @@
       </p:grpSpPr>
       <p:sp>
         <p:nvSpPr>
-          <p:cNvPr id="2" name="Title 1"/>
+          <p:cNvPr id="2" name="Title 1">
+            <a:extLst>
+              <a:ext uri="{FF2B5EF4-FFF2-40B4-BE49-F238E27FC236}">
+                <a16:creationId xmlns:a16="http://schemas.microsoft.com/office/drawing/2014/main" id="{50ED6FFE-8946-893B-3E71-EE67440B7E6B}"/>
+              </a:ext>
+            </a:extLst>
+          </p:cNvPr>
           <p:cNvSpPr>
             <a:spLocks noGrp="1"/>
           </p:cNvSpPr>
@@ -1893,21 +1973,56 @@
           <a:lstStyle/>
           <a:p>
             <a:r>
+              <a:rPr lang="en-GB"/>
+              <a:t>Click to edit Master title style</a:t>
+            </a:r>
+            <a:endParaRPr lang="en-US"/>
+          </a:p>
+        </p:txBody>
+      </p:sp>
+      <p:sp>
+        <p:nvSpPr>
+          <p:cNvPr id="3" name="Date Placeholder 2">
+            <a:extLst>
+              <a:ext uri="{FF2B5EF4-FFF2-40B4-BE49-F238E27FC236}">
+                <a16:creationId xmlns:a16="http://schemas.microsoft.com/office/drawing/2014/main" id="{FE2481F3-9B25-DC49-C579-6E5BB24A9DC5}"/>
+              </a:ext>
+            </a:extLst>
+          </p:cNvPr>
+          <p:cNvSpPr>
+            <a:spLocks noGrp="1"/>
+          </p:cNvSpPr>
+          <p:nvPr>
+            <p:ph type="dt" sz="half" idx="10"/>
+          </p:nvPr>
+        </p:nvSpPr>
+        <p:spPr/>
+        <p:txBody>
+          <a:bodyPr/>
+          <a:lstStyle/>
+          <a:p>
+            <a:fld id="{D70592F7-D0C3-4842-A77B-5ED7EA76761D}" type="datetimeFigureOut">
               <a:rPr lang="en-US" smtClean="0"/>
-              <a:t>Click to edit Master title style</a:t>
-            </a:r>
-            <a:endParaRPr lang="en-US"/>
-          </a:p>
-        </p:txBody>
-      </p:sp>
-      <p:sp>
-        <p:nvSpPr>
-          <p:cNvPr id="3" name="Date Placeholder 2"/>
-          <p:cNvSpPr>
-            <a:spLocks noGrp="1"/>
-          </p:cNvSpPr>
-          <p:nvPr>
-            <p:ph type="dt" sz="half" idx="10"/>
+              <a:t>5/20/22</a:t>
+            </a:fld>
+            <a:endParaRPr lang="en-US"/>
+          </a:p>
+        </p:txBody>
+      </p:sp>
+      <p:sp>
+        <p:nvSpPr>
+          <p:cNvPr id="4" name="Footer Placeholder 3">
+            <a:extLst>
+              <a:ext uri="{FF2B5EF4-FFF2-40B4-BE49-F238E27FC236}">
+                <a16:creationId xmlns:a16="http://schemas.microsoft.com/office/drawing/2014/main" id="{F7A43A46-9976-C8AC-BDF3-772EEB36C1EA}"/>
+              </a:ext>
+            </a:extLst>
+          </p:cNvPr>
+          <p:cNvSpPr>
+            <a:spLocks noGrp="1"/>
+          </p:cNvSpPr>
+          <p:nvPr>
+            <p:ph type="ftr" sz="quarter" idx="11"/>
           </p:nvPr>
         </p:nvSpPr>
         <p:spPr/>
@@ -1915,22 +2030,24 @@
           <a:bodyPr/>
           <a:lstStyle/>
           <a:p>
-            <a:fld id="{241EB5C9-1307-BA42-ABA2-0BC069CD8E7F}" type="datetimeFigureOut">
-              <a:rPr lang="en-US" smtClean="0"/>
-              <a:t>4/5/2019</a:t>
-            </a:fld>
-            <a:endParaRPr lang="en-US"/>
-          </a:p>
-        </p:txBody>
-      </p:sp>
-      <p:sp>
-        <p:nvSpPr>
-          <p:cNvPr id="4" name="Footer Placeholder 3"/>
-          <p:cNvSpPr>
-            <a:spLocks noGrp="1"/>
-          </p:cNvSpPr>
-          <p:nvPr>
-            <p:ph type="ftr" sz="quarter" idx="11"/>
+            <a:endParaRPr lang="en-US"/>
+          </a:p>
+        </p:txBody>
+      </p:sp>
+      <p:sp>
+        <p:nvSpPr>
+          <p:cNvPr id="5" name="Slide Number Placeholder 4">
+            <a:extLst>
+              <a:ext uri="{FF2B5EF4-FFF2-40B4-BE49-F238E27FC236}">
+                <a16:creationId xmlns:a16="http://schemas.microsoft.com/office/drawing/2014/main" id="{9035EF65-A95B-918D-49F1-E733FB613458}"/>
+              </a:ext>
+            </a:extLst>
+          </p:cNvPr>
+          <p:cNvSpPr>
+            <a:spLocks noGrp="1"/>
+          </p:cNvSpPr>
+          <p:nvPr>
+            <p:ph type="sldNum" sz="quarter" idx="12"/>
           </p:nvPr>
         </p:nvSpPr>
         <p:spPr/>
@@ -1938,26 +2055,7 @@
           <a:bodyPr/>
           <a:lstStyle/>
           <a:p>
-            <a:endParaRPr lang="en-US"/>
-          </a:p>
-        </p:txBody>
-      </p:sp>
-      <p:sp>
-        <p:nvSpPr>
-          <p:cNvPr id="5" name="Slide Number Placeholder 4"/>
-          <p:cNvSpPr>
-            <a:spLocks noGrp="1"/>
-          </p:cNvSpPr>
-          <p:nvPr>
-            <p:ph type="sldNum" sz="quarter" idx="12"/>
-          </p:nvPr>
-        </p:nvSpPr>
-        <p:spPr/>
-        <p:txBody>
-          <a:bodyPr/>
-          <a:lstStyle/>
-          <a:p>
-            <a:fld id="{C5EF2332-01BF-834F-8236-50238282D533}" type="slidenum">
+            <a:fld id="{D50EFE6C-E8E0-E248-91BB-7B9DACB0A014}" type="slidenum">
               <a:rPr lang="en-US" smtClean="0"/>
               <a:t>‹#›</a:t>
             </a:fld>
@@ -1968,7 +2066,7 @@
     </p:spTree>
     <p:extLst>
       <p:ext uri="{BB962C8B-B14F-4D97-AF65-F5344CB8AC3E}">
-        <p14:creationId xmlns:p14="http://schemas.microsoft.com/office/powerpoint/2010/main" val="3472721253"/>
+        <p14:creationId xmlns:p14="http://schemas.microsoft.com/office/powerpoint/2010/main" val="1548457611"/>
       </p:ext>
     </p:extLst>
   </p:cSld>
@@ -1997,7 +2095,13 @@
       </p:grpSpPr>
       <p:sp>
         <p:nvSpPr>
-          <p:cNvPr id="2" name="Date Placeholder 1"/>
+          <p:cNvPr id="2" name="Date Placeholder 1">
+            <a:extLst>
+              <a:ext uri="{FF2B5EF4-FFF2-40B4-BE49-F238E27FC236}">
+                <a16:creationId xmlns:a16="http://schemas.microsoft.com/office/drawing/2014/main" id="{B99C8696-F954-3D44-8468-01578AA399E6}"/>
+              </a:ext>
+            </a:extLst>
+          </p:cNvPr>
           <p:cNvSpPr>
             <a:spLocks noGrp="1"/>
           </p:cNvSpPr>
@@ -2010,9 +2114,9 @@
           <a:bodyPr/>
           <a:lstStyle/>
           <a:p>
-            <a:fld id="{241EB5C9-1307-BA42-ABA2-0BC069CD8E7F}" type="datetimeFigureOut">
+            <a:fld id="{D70592F7-D0C3-4842-A77B-5ED7EA76761D}" type="datetimeFigureOut">
               <a:rPr lang="en-US" smtClean="0"/>
-              <a:t>4/5/2019</a:t>
+              <a:t>5/20/22</a:t>
             </a:fld>
             <a:endParaRPr lang="en-US"/>
           </a:p>
@@ -2020,7 +2124,13 @@
       </p:sp>
       <p:sp>
         <p:nvSpPr>
-          <p:cNvPr id="3" name="Footer Placeholder 2"/>
+          <p:cNvPr id="3" name="Footer Placeholder 2">
+            <a:extLst>
+              <a:ext uri="{FF2B5EF4-FFF2-40B4-BE49-F238E27FC236}">
+                <a16:creationId xmlns:a16="http://schemas.microsoft.com/office/drawing/2014/main" id="{AF592F46-9D54-F544-E3BC-CEA92D39C5B2}"/>
+              </a:ext>
+            </a:extLst>
+          </p:cNvPr>
           <p:cNvSpPr>
             <a:spLocks noGrp="1"/>
           </p:cNvSpPr>
@@ -2039,7 +2149,13 @@
       </p:sp>
       <p:sp>
         <p:nvSpPr>
-          <p:cNvPr id="4" name="Slide Number Placeholder 3"/>
+          <p:cNvPr id="4" name="Slide Number Placeholder 3">
+            <a:extLst>
+              <a:ext uri="{FF2B5EF4-FFF2-40B4-BE49-F238E27FC236}">
+                <a16:creationId xmlns:a16="http://schemas.microsoft.com/office/drawing/2014/main" id="{02260862-892C-DA7C-351B-99EAF4CCF60D}"/>
+              </a:ext>
+            </a:extLst>
+          </p:cNvPr>
           <p:cNvSpPr>
             <a:spLocks noGrp="1"/>
           </p:cNvSpPr>
@@ -2052,7 +2168,7 @@
           <a:bodyPr/>
           <a:lstStyle/>
           <a:p>
-            <a:fld id="{C5EF2332-01BF-834F-8236-50238282D533}" type="slidenum">
+            <a:fld id="{D50EFE6C-E8E0-E248-91BB-7B9DACB0A014}" type="slidenum">
               <a:rPr lang="en-US" smtClean="0"/>
               <a:t>‹#›</a:t>
             </a:fld>
@@ -2063,7 +2179,7 @@
     </p:spTree>
     <p:extLst>
       <p:ext uri="{BB962C8B-B14F-4D97-AF65-F5344CB8AC3E}">
-        <p14:creationId xmlns:p14="http://schemas.microsoft.com/office/powerpoint/2010/main" val="2130901097"/>
+        <p14:creationId xmlns:p14="http://schemas.microsoft.com/office/powerpoint/2010/main" val="2253367802"/>
       </p:ext>
     </p:extLst>
   </p:cSld>
@@ -2092,7 +2208,13 @@
       </p:grpSpPr>
       <p:sp>
         <p:nvSpPr>
-          <p:cNvPr id="2" name="Title 1"/>
+          <p:cNvPr id="2" name="Title 1">
+            <a:extLst>
+              <a:ext uri="{FF2B5EF4-FFF2-40B4-BE49-F238E27FC236}">
+                <a16:creationId xmlns:a16="http://schemas.microsoft.com/office/drawing/2014/main" id="{9AA6B138-8647-D156-1415-982AD2035F87}"/>
+              </a:ext>
+            </a:extLst>
+          </p:cNvPr>
           <p:cNvSpPr>
             <a:spLocks noGrp="1"/>
           </p:cNvSpPr>
@@ -2102,20 +2224,20 @@
         </p:nvSpPr>
         <p:spPr>
           <a:xfrm>
-            <a:off x="457200" y="273050"/>
-            <a:ext cx="3008313" cy="1162050"/>
+            <a:off x="839788" y="457200"/>
+            <a:ext cx="3932237" cy="1600200"/>
           </a:xfrm>
         </p:spPr>
         <p:txBody>
           <a:bodyPr anchor="b"/>
           <a:lstStyle>
-            <a:lvl1pPr algn="l">
-              <a:defRPr sz="2000" b="1"/>
+            <a:lvl1pPr>
+              <a:defRPr sz="3200"/>
             </a:lvl1pPr>
           </a:lstStyle>
           <a:p>
             <a:r>
-              <a:rPr lang="en-US" smtClean="0"/>
+              <a:rPr lang="en-GB"/>
               <a:t>Click to edit Master title style</a:t>
             </a:r>
             <a:endParaRPr lang="en-US"/>
@@ -2124,7 +2246,13 @@
       </p:sp>
       <p:sp>
         <p:nvSpPr>
-          <p:cNvPr id="3" name="Content Placeholder 2"/>
+          <p:cNvPr id="3" name="Content Placeholder 2">
+            <a:extLst>
+              <a:ext uri="{FF2B5EF4-FFF2-40B4-BE49-F238E27FC236}">
+                <a16:creationId xmlns:a16="http://schemas.microsoft.com/office/drawing/2014/main" id="{BD764EB3-1F2F-C9F1-5CB5-77044C5C4D3F}"/>
+              </a:ext>
+            </a:extLst>
+          </p:cNvPr>
           <p:cNvSpPr>
             <a:spLocks noGrp="1"/>
           </p:cNvSpPr>
@@ -2134,8 +2262,8 @@
         </p:nvSpPr>
         <p:spPr>
           <a:xfrm>
-            <a:off x="3575050" y="273050"/>
-            <a:ext cx="5111750" cy="5853113"/>
+            <a:off x="5183188" y="987425"/>
+            <a:ext cx="6172200" cy="4873625"/>
           </a:xfrm>
         </p:spPr>
         <p:txBody>
@@ -2172,35 +2300,35 @@
           <a:p>
             <a:pPr lvl="0"/>
             <a:r>
-              <a:rPr lang="en-US" smtClean="0"/>
+              <a:rPr lang="en-GB"/>
               <a:t>Click to edit Master text styles</a:t>
             </a:r>
           </a:p>
           <a:p>
             <a:pPr lvl="1"/>
             <a:r>
-              <a:rPr lang="en-US" smtClean="0"/>
+              <a:rPr lang="en-GB"/>
               <a:t>Second level</a:t>
             </a:r>
           </a:p>
           <a:p>
             <a:pPr lvl="2"/>
             <a:r>
-              <a:rPr lang="en-US" smtClean="0"/>
+              <a:rPr lang="en-GB"/>
               <a:t>Third level</a:t>
             </a:r>
           </a:p>
           <a:p>
             <a:pPr lvl="3"/>
             <a:r>
-              <a:rPr lang="en-US" smtClean="0"/>
+              <a:rPr lang="en-GB"/>
               <a:t>Fourth level</a:t>
             </a:r>
           </a:p>
           <a:p>
             <a:pPr lvl="4"/>
             <a:r>
-              <a:rPr lang="en-US" smtClean="0"/>
+              <a:rPr lang="en-GB"/>
               <a:t>Fifth level</a:t>
             </a:r>
             <a:endParaRPr lang="en-US"/>
@@ -2209,7 +2337,13 @@
       </p:sp>
       <p:sp>
         <p:nvSpPr>
-          <p:cNvPr id="4" name="Text Placeholder 3"/>
+          <p:cNvPr id="4" name="Text Placeholder 3">
+            <a:extLst>
+              <a:ext uri="{FF2B5EF4-FFF2-40B4-BE49-F238E27FC236}">
+                <a16:creationId xmlns:a16="http://schemas.microsoft.com/office/drawing/2014/main" id="{F25A87BE-FC0B-5852-6624-B42BC915B570}"/>
+              </a:ext>
+            </a:extLst>
+          </p:cNvPr>
           <p:cNvSpPr>
             <a:spLocks noGrp="1"/>
           </p:cNvSpPr>
@@ -2219,8 +2353,8 @@
         </p:nvSpPr>
         <p:spPr>
           <a:xfrm>
-            <a:off x="457200" y="1435100"/>
-            <a:ext cx="3008313" cy="4691063"/>
+            <a:off x="839788" y="2057400"/>
+            <a:ext cx="3932237" cy="3811588"/>
           </a:xfrm>
         </p:spPr>
         <p:txBody>
@@ -2228,58 +2362,93 @@
           <a:lstStyle>
             <a:lvl1pPr marL="0" indent="0">
               <a:buNone/>
-              <a:defRPr sz="1400"/>
+              <a:defRPr sz="1600"/>
             </a:lvl1pPr>
             <a:lvl2pPr marL="457200" indent="0">
               <a:buNone/>
-              <a:defRPr sz="1200"/>
+              <a:defRPr sz="1400"/>
             </a:lvl2pPr>
             <a:lvl3pPr marL="914400" indent="0">
               <a:buNone/>
-              <a:defRPr sz="1000"/>
+              <a:defRPr sz="1200"/>
             </a:lvl3pPr>
             <a:lvl4pPr marL="1371600" indent="0">
               <a:buNone/>
-              <a:defRPr sz="900"/>
+              <a:defRPr sz="1000"/>
             </a:lvl4pPr>
             <a:lvl5pPr marL="1828800" indent="0">
               <a:buNone/>
-              <a:defRPr sz="900"/>
+              <a:defRPr sz="1000"/>
             </a:lvl5pPr>
             <a:lvl6pPr marL="2286000" indent="0">
               <a:buNone/>
-              <a:defRPr sz="900"/>
+              <a:defRPr sz="1000"/>
             </a:lvl6pPr>
             <a:lvl7pPr marL="2743200" indent="0">
               <a:buNone/>
-              <a:defRPr sz="900"/>
+              <a:defRPr sz="1000"/>
             </a:lvl7pPr>
             <a:lvl8pPr marL="3200400" indent="0">
               <a:buNone/>
-              <a:defRPr sz="900"/>
+              <a:defRPr sz="1000"/>
             </a:lvl8pPr>
             <a:lvl9pPr marL="3657600" indent="0">
               <a:buNone/>
-              <a:defRPr sz="900"/>
+              <a:defRPr sz="1000"/>
             </a:lvl9pPr>
           </a:lstStyle>
           <a:p>
             <a:pPr lvl="0"/>
             <a:r>
+              <a:rPr lang="en-GB"/>
+              <a:t>Click to edit Master text styles</a:t>
+            </a:r>
+          </a:p>
+        </p:txBody>
+      </p:sp>
+      <p:sp>
+        <p:nvSpPr>
+          <p:cNvPr id="5" name="Date Placeholder 4">
+            <a:extLst>
+              <a:ext uri="{FF2B5EF4-FFF2-40B4-BE49-F238E27FC236}">
+                <a16:creationId xmlns:a16="http://schemas.microsoft.com/office/drawing/2014/main" id="{083F2D2C-0B09-4383-4DD3-EE9DDA7031E2}"/>
+              </a:ext>
+            </a:extLst>
+          </p:cNvPr>
+          <p:cNvSpPr>
+            <a:spLocks noGrp="1"/>
+          </p:cNvSpPr>
+          <p:nvPr>
+            <p:ph type="dt" sz="half" idx="10"/>
+          </p:nvPr>
+        </p:nvSpPr>
+        <p:spPr/>
+        <p:txBody>
+          <a:bodyPr/>
+          <a:lstStyle/>
+          <a:p>
+            <a:fld id="{D70592F7-D0C3-4842-A77B-5ED7EA76761D}" type="datetimeFigureOut">
               <a:rPr lang="en-US" smtClean="0"/>
-              <a:t>Click to edit Master text styles</a:t>
-            </a:r>
-          </a:p>
-        </p:txBody>
-      </p:sp>
-      <p:sp>
-        <p:nvSpPr>
-          <p:cNvPr id="5" name="Date Placeholder 4"/>
-          <p:cNvSpPr>
-            <a:spLocks noGrp="1"/>
-          </p:cNvSpPr>
-          <p:nvPr>
-            <p:ph type="dt" sz="half" idx="10"/>
+              <a:t>5/20/22</a:t>
+            </a:fld>
+            <a:endParaRPr lang="en-US"/>
+          </a:p>
+        </p:txBody>
+      </p:sp>
+      <p:sp>
+        <p:nvSpPr>
+          <p:cNvPr id="6" name="Footer Placeholder 5">
+            <a:extLst>
+              <a:ext uri="{FF2B5EF4-FFF2-40B4-BE49-F238E27FC236}">
+                <a16:creationId xmlns:a16="http://schemas.microsoft.com/office/drawing/2014/main" id="{1123097E-68FE-FE74-4B26-053CDD6784EB}"/>
+              </a:ext>
+            </a:extLst>
+          </p:cNvPr>
+          <p:cNvSpPr>
+            <a:spLocks noGrp="1"/>
+          </p:cNvSpPr>
+          <p:nvPr>
+            <p:ph type="ftr" sz="quarter" idx="11"/>
           </p:nvPr>
         </p:nvSpPr>
         <p:spPr/>
@@ -2287,22 +2456,24 @@
           <a:bodyPr/>
           <a:lstStyle/>
           <a:p>
-            <a:fld id="{241EB5C9-1307-BA42-ABA2-0BC069CD8E7F}" type="datetimeFigureOut">
-              <a:rPr lang="en-US" smtClean="0"/>
-              <a:t>4/5/2019</a:t>
-            </a:fld>
-            <a:endParaRPr lang="en-US"/>
-          </a:p>
-        </p:txBody>
-      </p:sp>
-      <p:sp>
-        <p:nvSpPr>
-          <p:cNvPr id="6" name="Footer Placeholder 5"/>
-          <p:cNvSpPr>
-            <a:spLocks noGrp="1"/>
-          </p:cNvSpPr>
-          <p:nvPr>
-            <p:ph type="ftr" sz="quarter" idx="11"/>
+            <a:endParaRPr lang="en-US"/>
+          </a:p>
+        </p:txBody>
+      </p:sp>
+      <p:sp>
+        <p:nvSpPr>
+          <p:cNvPr id="7" name="Slide Number Placeholder 6">
+            <a:extLst>
+              <a:ext uri="{FF2B5EF4-FFF2-40B4-BE49-F238E27FC236}">
+                <a16:creationId xmlns:a16="http://schemas.microsoft.com/office/drawing/2014/main" id="{50379D5E-C385-6A7E-1B77-4598E38B90D1}"/>
+              </a:ext>
+            </a:extLst>
+          </p:cNvPr>
+          <p:cNvSpPr>
+            <a:spLocks noGrp="1"/>
+          </p:cNvSpPr>
+          <p:nvPr>
+            <p:ph type="sldNum" sz="quarter" idx="12"/>
           </p:nvPr>
         </p:nvSpPr>
         <p:spPr/>
@@ -2310,26 +2481,7 @@
           <a:bodyPr/>
           <a:lstStyle/>
           <a:p>
-            <a:endParaRPr lang="en-US"/>
-          </a:p>
-        </p:txBody>
-      </p:sp>
-      <p:sp>
-        <p:nvSpPr>
-          <p:cNvPr id="7" name="Slide Number Placeholder 6"/>
-          <p:cNvSpPr>
-            <a:spLocks noGrp="1"/>
-          </p:cNvSpPr>
-          <p:nvPr>
-            <p:ph type="sldNum" sz="quarter" idx="12"/>
-          </p:nvPr>
-        </p:nvSpPr>
-        <p:spPr/>
-        <p:txBody>
-          <a:bodyPr/>
-          <a:lstStyle/>
-          <a:p>
-            <a:fld id="{C5EF2332-01BF-834F-8236-50238282D533}" type="slidenum">
+            <a:fld id="{D50EFE6C-E8E0-E248-91BB-7B9DACB0A014}" type="slidenum">
               <a:rPr lang="en-US" smtClean="0"/>
               <a:t>‹#›</a:t>
             </a:fld>
@@ -2340,7 +2492,7 @@
     </p:spTree>
     <p:extLst>
       <p:ext uri="{BB962C8B-B14F-4D97-AF65-F5344CB8AC3E}">
-        <p14:creationId xmlns:p14="http://schemas.microsoft.com/office/powerpoint/2010/main" val="3540895647"/>
+        <p14:creationId xmlns:p14="http://schemas.microsoft.com/office/powerpoint/2010/main" val="1624576144"/>
       </p:ext>
     </p:extLst>
   </p:cSld>
@@ -2369,7 +2521,13 @@
       </p:grpSpPr>
       <p:sp>
         <p:nvSpPr>
-          <p:cNvPr id="2" name="Title 1"/>
+          <p:cNvPr id="2" name="Title 1">
+            <a:extLst>
+              <a:ext uri="{FF2B5EF4-FFF2-40B4-BE49-F238E27FC236}">
+                <a16:creationId xmlns:a16="http://schemas.microsoft.com/office/drawing/2014/main" id="{27B97E68-58F6-93D7-2104-B4327AE1231A}"/>
+              </a:ext>
+            </a:extLst>
+          </p:cNvPr>
           <p:cNvSpPr>
             <a:spLocks noGrp="1"/>
           </p:cNvSpPr>
@@ -2379,20 +2537,20 @@
         </p:nvSpPr>
         <p:spPr>
           <a:xfrm>
-            <a:off x="1792288" y="4800600"/>
-            <a:ext cx="5486400" cy="566738"/>
+            <a:off x="839788" y="457200"/>
+            <a:ext cx="3932237" cy="1600200"/>
           </a:xfrm>
         </p:spPr>
         <p:txBody>
           <a:bodyPr anchor="b"/>
           <a:lstStyle>
-            <a:lvl1pPr algn="l">
-              <a:defRPr sz="2000" b="1"/>
+            <a:lvl1pPr>
+              <a:defRPr sz="3200"/>
             </a:lvl1pPr>
           </a:lstStyle>
           <a:p>
             <a:r>
-              <a:rPr lang="en-US" smtClean="0"/>
+              <a:rPr lang="en-GB"/>
               <a:t>Click to edit Master title style</a:t>
             </a:r>
             <a:endParaRPr lang="en-US"/>
@@ -2401,7 +2559,13 @@
       </p:sp>
       <p:sp>
         <p:nvSpPr>
-          <p:cNvPr id="3" name="Picture Placeholder 2"/>
+          <p:cNvPr id="3" name="Picture Placeholder 2">
+            <a:extLst>
+              <a:ext uri="{FF2B5EF4-FFF2-40B4-BE49-F238E27FC236}">
+                <a16:creationId xmlns:a16="http://schemas.microsoft.com/office/drawing/2014/main" id="{2944107E-2330-3BDF-DB20-B68CC97E9CCF}"/>
+              </a:ext>
+            </a:extLst>
+          </p:cNvPr>
           <p:cNvSpPr>
             <a:spLocks noGrp="1"/>
           </p:cNvSpPr>
@@ -2411,8 +2575,8 @@
         </p:nvSpPr>
         <p:spPr>
           <a:xfrm>
-            <a:off x="1792288" y="612775"/>
-            <a:ext cx="5486400" cy="4114800"/>
+            <a:off x="5183188" y="987425"/>
+            <a:ext cx="6172200" cy="4873625"/>
           </a:xfrm>
         </p:spPr>
         <p:txBody>
@@ -2462,7 +2626,13 @@
       </p:sp>
       <p:sp>
         <p:nvSpPr>
-          <p:cNvPr id="4" name="Text Placeholder 3"/>
+          <p:cNvPr id="4" name="Text Placeholder 3">
+            <a:extLst>
+              <a:ext uri="{FF2B5EF4-FFF2-40B4-BE49-F238E27FC236}">
+                <a16:creationId xmlns:a16="http://schemas.microsoft.com/office/drawing/2014/main" id="{68938C21-F956-84D3-62BD-7C3027730A62}"/>
+              </a:ext>
+            </a:extLst>
+          </p:cNvPr>
           <p:cNvSpPr>
             <a:spLocks noGrp="1"/>
           </p:cNvSpPr>
@@ -2472,8 +2642,8 @@
         </p:nvSpPr>
         <p:spPr>
           <a:xfrm>
-            <a:off x="1792288" y="5367338"/>
-            <a:ext cx="5486400" cy="804862"/>
+            <a:off x="839788" y="2057400"/>
+            <a:ext cx="3932237" cy="3811588"/>
           </a:xfrm>
         </p:spPr>
         <p:txBody>
@@ -2481,58 +2651,93 @@
           <a:lstStyle>
             <a:lvl1pPr marL="0" indent="0">
               <a:buNone/>
-              <a:defRPr sz="1400"/>
+              <a:defRPr sz="1600"/>
             </a:lvl1pPr>
             <a:lvl2pPr marL="457200" indent="0">
               <a:buNone/>
-              <a:defRPr sz="1200"/>
+              <a:defRPr sz="1400"/>
             </a:lvl2pPr>
             <a:lvl3pPr marL="914400" indent="0">
               <a:buNone/>
-              <a:defRPr sz="1000"/>
+              <a:defRPr sz="1200"/>
             </a:lvl3pPr>
             <a:lvl4pPr marL="1371600" indent="0">
               <a:buNone/>
-              <a:defRPr sz="900"/>
+              <a:defRPr sz="1000"/>
             </a:lvl4pPr>
             <a:lvl5pPr marL="1828800" indent="0">
               <a:buNone/>
-              <a:defRPr sz="900"/>
+              <a:defRPr sz="1000"/>
             </a:lvl5pPr>
             <a:lvl6pPr marL="2286000" indent="0">
               <a:buNone/>
-              <a:defRPr sz="900"/>
+              <a:defRPr sz="1000"/>
             </a:lvl6pPr>
             <a:lvl7pPr marL="2743200" indent="0">
               <a:buNone/>
-              <a:defRPr sz="900"/>
+              <a:defRPr sz="1000"/>
             </a:lvl7pPr>
             <a:lvl8pPr marL="3200400" indent="0">
               <a:buNone/>
-              <a:defRPr sz="900"/>
+              <a:defRPr sz="1000"/>
             </a:lvl8pPr>
             <a:lvl9pPr marL="3657600" indent="0">
               <a:buNone/>
-              <a:defRPr sz="900"/>
+              <a:defRPr sz="1000"/>
             </a:lvl9pPr>
           </a:lstStyle>
           <a:p>
             <a:pPr lvl="0"/>
             <a:r>
+              <a:rPr lang="en-GB"/>
+              <a:t>Click to edit Master text styles</a:t>
+            </a:r>
+          </a:p>
+        </p:txBody>
+      </p:sp>
+      <p:sp>
+        <p:nvSpPr>
+          <p:cNvPr id="5" name="Date Placeholder 4">
+            <a:extLst>
+              <a:ext uri="{FF2B5EF4-FFF2-40B4-BE49-F238E27FC236}">
+                <a16:creationId xmlns:a16="http://schemas.microsoft.com/office/drawing/2014/main" id="{A1DB3FA0-5982-F3AD-5DC5-05D08112EEC0}"/>
+              </a:ext>
+            </a:extLst>
+          </p:cNvPr>
+          <p:cNvSpPr>
+            <a:spLocks noGrp="1"/>
+          </p:cNvSpPr>
+          <p:nvPr>
+            <p:ph type="dt" sz="half" idx="10"/>
+          </p:nvPr>
+        </p:nvSpPr>
+        <p:spPr/>
+        <p:txBody>
+          <a:bodyPr/>
+          <a:lstStyle/>
+          <a:p>
+            <a:fld id="{D70592F7-D0C3-4842-A77B-5ED7EA76761D}" type="datetimeFigureOut">
               <a:rPr lang="en-US" smtClean="0"/>
-              <a:t>Click to edit Master text styles</a:t>
-            </a:r>
-          </a:p>
-        </p:txBody>
-      </p:sp>
-      <p:sp>
-        <p:nvSpPr>
-          <p:cNvPr id="5" name="Date Placeholder 4"/>
-          <p:cNvSpPr>
-            <a:spLocks noGrp="1"/>
-          </p:cNvSpPr>
-          <p:nvPr>
-            <p:ph type="dt" sz="half" idx="10"/>
+              <a:t>5/20/22</a:t>
+            </a:fld>
+            <a:endParaRPr lang="en-US"/>
+          </a:p>
+        </p:txBody>
+      </p:sp>
+      <p:sp>
+        <p:nvSpPr>
+          <p:cNvPr id="6" name="Footer Placeholder 5">
+            <a:extLst>
+              <a:ext uri="{FF2B5EF4-FFF2-40B4-BE49-F238E27FC236}">
+                <a16:creationId xmlns:a16="http://schemas.microsoft.com/office/drawing/2014/main" id="{FD1F4226-8236-58D3-2D51-341E22728995}"/>
+              </a:ext>
+            </a:extLst>
+          </p:cNvPr>
+          <p:cNvSpPr>
+            <a:spLocks noGrp="1"/>
+          </p:cNvSpPr>
+          <p:nvPr>
+            <p:ph type="ftr" sz="quarter" idx="11"/>
           </p:nvPr>
         </p:nvSpPr>
         <p:spPr/>
@@ -2540,22 +2745,24 @@
           <a:bodyPr/>
           <a:lstStyle/>
           <a:p>
-            <a:fld id="{241EB5C9-1307-BA42-ABA2-0BC069CD8E7F}" type="datetimeFigureOut">
-              <a:rPr lang="en-US" smtClean="0"/>
-              <a:t>4/5/2019</a:t>
-            </a:fld>
-            <a:endParaRPr lang="en-US"/>
-          </a:p>
-        </p:txBody>
-      </p:sp>
-      <p:sp>
-        <p:nvSpPr>
-          <p:cNvPr id="6" name="Footer Placeholder 5"/>
-          <p:cNvSpPr>
-            <a:spLocks noGrp="1"/>
-          </p:cNvSpPr>
-          <p:nvPr>
-            <p:ph type="ftr" sz="quarter" idx="11"/>
+            <a:endParaRPr lang="en-US"/>
+          </a:p>
+        </p:txBody>
+      </p:sp>
+      <p:sp>
+        <p:nvSpPr>
+          <p:cNvPr id="7" name="Slide Number Placeholder 6">
+            <a:extLst>
+              <a:ext uri="{FF2B5EF4-FFF2-40B4-BE49-F238E27FC236}">
+                <a16:creationId xmlns:a16="http://schemas.microsoft.com/office/drawing/2014/main" id="{CEB98D6E-FBD7-18AF-7131-D3752EA06B87}"/>
+              </a:ext>
+            </a:extLst>
+          </p:cNvPr>
+          <p:cNvSpPr>
+            <a:spLocks noGrp="1"/>
+          </p:cNvSpPr>
+          <p:nvPr>
+            <p:ph type="sldNum" sz="quarter" idx="12"/>
           </p:nvPr>
         </p:nvSpPr>
         <p:spPr/>
@@ -2563,26 +2770,7 @@
           <a:bodyPr/>
           <a:lstStyle/>
           <a:p>
-            <a:endParaRPr lang="en-US"/>
-          </a:p>
-        </p:txBody>
-      </p:sp>
-      <p:sp>
-        <p:nvSpPr>
-          <p:cNvPr id="7" name="Slide Number Placeholder 6"/>
-          <p:cNvSpPr>
-            <a:spLocks noGrp="1"/>
-          </p:cNvSpPr>
-          <p:nvPr>
-            <p:ph type="sldNum" sz="quarter" idx="12"/>
-          </p:nvPr>
-        </p:nvSpPr>
-        <p:spPr/>
-        <p:txBody>
-          <a:bodyPr/>
-          <a:lstStyle/>
-          <a:p>
-            <a:fld id="{C5EF2332-01BF-834F-8236-50238282D533}" type="slidenum">
+            <a:fld id="{D50EFE6C-E8E0-E248-91BB-7B9DACB0A014}" type="slidenum">
               <a:rPr lang="en-US" smtClean="0"/>
               <a:t>‹#›</a:t>
             </a:fld>
@@ -2593,7 +2781,7 @@
     </p:spTree>
     <p:extLst>
       <p:ext uri="{BB962C8B-B14F-4D97-AF65-F5344CB8AC3E}">
-        <p14:creationId xmlns:p14="http://schemas.microsoft.com/office/powerpoint/2010/main" val="3566899855"/>
+        <p14:creationId xmlns:p14="http://schemas.microsoft.com/office/powerpoint/2010/main" val="242700899"/>
       </p:ext>
     </p:extLst>
   </p:cSld>
@@ -2627,7 +2815,13 @@
       </p:grpSpPr>
       <p:sp>
         <p:nvSpPr>
-          <p:cNvPr id="2" name="Title Placeholder 1"/>
+          <p:cNvPr id="2" name="Title Placeholder 1">
+            <a:extLst>
+              <a:ext uri="{FF2B5EF4-FFF2-40B4-BE49-F238E27FC236}">
+                <a16:creationId xmlns:a16="http://schemas.microsoft.com/office/drawing/2014/main" id="{4EDC1348-2171-6EE5-CEDC-169023D9A323}"/>
+              </a:ext>
+            </a:extLst>
+          </p:cNvPr>
           <p:cNvSpPr>
             <a:spLocks noGrp="1"/>
           </p:cNvSpPr>
@@ -2637,8 +2831,8 @@
         </p:nvSpPr>
         <p:spPr>
           <a:xfrm>
-            <a:off x="457200" y="274638"/>
-            <a:ext cx="8229600" cy="1143000"/>
+            <a:off x="838200" y="365125"/>
+            <a:ext cx="10515600" cy="1325563"/>
           </a:xfrm>
           <a:prstGeom prst="rect">
             <a:avLst/>
@@ -2651,7 +2845,7 @@
           <a:lstStyle/>
           <a:p>
             <a:r>
-              <a:rPr lang="en-US" smtClean="0"/>
+              <a:rPr lang="en-GB"/>
               <a:t>Click to edit Master title style</a:t>
             </a:r>
             <a:endParaRPr lang="en-US"/>
@@ -2660,7 +2854,13 @@
       </p:sp>
       <p:sp>
         <p:nvSpPr>
-          <p:cNvPr id="3" name="Text Placeholder 2"/>
+          <p:cNvPr id="3" name="Text Placeholder 2">
+            <a:extLst>
+              <a:ext uri="{FF2B5EF4-FFF2-40B4-BE49-F238E27FC236}">
+                <a16:creationId xmlns:a16="http://schemas.microsoft.com/office/drawing/2014/main" id="{F27F0ABF-6136-9926-6F43-FC7D1B62996A}"/>
+              </a:ext>
+            </a:extLst>
+          </p:cNvPr>
           <p:cNvSpPr>
             <a:spLocks noGrp="1"/>
           </p:cNvSpPr>
@@ -2670,8 +2870,8 @@
         </p:nvSpPr>
         <p:spPr>
           <a:xfrm>
-            <a:off x="457200" y="1600200"/>
-            <a:ext cx="8229600" cy="4525963"/>
+            <a:off x="838200" y="1825625"/>
+            <a:ext cx="10515600" cy="4351338"/>
           </a:xfrm>
           <a:prstGeom prst="rect">
             <a:avLst/>
@@ -2685,35 +2885,35 @@
           <a:p>
             <a:pPr lvl="0"/>
             <a:r>
-              <a:rPr lang="en-US" smtClean="0"/>
+              <a:rPr lang="en-GB"/>
               <a:t>Click to edit Master text styles</a:t>
             </a:r>
           </a:p>
           <a:p>
             <a:pPr lvl="1"/>
             <a:r>
-              <a:rPr lang="en-US" smtClean="0"/>
+              <a:rPr lang="en-GB"/>
               <a:t>Second level</a:t>
             </a:r>
           </a:p>
           <a:p>
             <a:pPr lvl="2"/>
             <a:r>
-              <a:rPr lang="en-US" smtClean="0"/>
+              <a:rPr lang="en-GB"/>
               <a:t>Third level</a:t>
             </a:r>
           </a:p>
           <a:p>
             <a:pPr lvl="3"/>
             <a:r>
-              <a:rPr lang="en-US" smtClean="0"/>
+              <a:rPr lang="en-GB"/>
               <a:t>Fourth level</a:t>
             </a:r>
           </a:p>
           <a:p>
             <a:pPr lvl="4"/>
             <a:r>
-              <a:rPr lang="en-US" smtClean="0"/>
+              <a:rPr lang="en-GB"/>
               <a:t>Fifth level</a:t>
             </a:r>
             <a:endParaRPr lang="en-US"/>
@@ -2722,7 +2922,13 @@
       </p:sp>
       <p:sp>
         <p:nvSpPr>
-          <p:cNvPr id="4" name="Date Placeholder 3"/>
+          <p:cNvPr id="4" name="Date Placeholder 3">
+            <a:extLst>
+              <a:ext uri="{FF2B5EF4-FFF2-40B4-BE49-F238E27FC236}">
+                <a16:creationId xmlns:a16="http://schemas.microsoft.com/office/drawing/2014/main" id="{003C12A5-567A-C5B3-3DC5-3D4DAF2E03D8}"/>
+              </a:ext>
+            </a:extLst>
+          </p:cNvPr>
           <p:cNvSpPr>
             <a:spLocks noGrp="1"/>
           </p:cNvSpPr>
@@ -2732,8 +2938,8 @@
         </p:nvSpPr>
         <p:spPr>
           <a:xfrm>
-            <a:off x="457200" y="6356350"/>
-            <a:ext cx="2133600" cy="365125"/>
+            <a:off x="838200" y="6356350"/>
+            <a:ext cx="2743200" cy="365125"/>
           </a:xfrm>
           <a:prstGeom prst="rect">
             <a:avLst/>
@@ -2753,9 +2959,9 @@
             </a:lvl1pPr>
           </a:lstStyle>
           <a:p>
-            <a:fld id="{241EB5C9-1307-BA42-ABA2-0BC069CD8E7F}" type="datetimeFigureOut">
+            <a:fld id="{D70592F7-D0C3-4842-A77B-5ED7EA76761D}" type="datetimeFigureOut">
               <a:rPr lang="en-US" smtClean="0"/>
-              <a:t>4/5/2019</a:t>
+              <a:t>5/20/22</a:t>
             </a:fld>
             <a:endParaRPr lang="en-US"/>
           </a:p>
@@ -2763,7 +2969,13 @@
       </p:sp>
       <p:sp>
         <p:nvSpPr>
-          <p:cNvPr id="5" name="Footer Placeholder 4"/>
+          <p:cNvPr id="5" name="Footer Placeholder 4">
+            <a:extLst>
+              <a:ext uri="{FF2B5EF4-FFF2-40B4-BE49-F238E27FC236}">
+                <a16:creationId xmlns:a16="http://schemas.microsoft.com/office/drawing/2014/main" id="{0C3DA2F2-778A-9AFF-BC45-3F095E25C0FD}"/>
+              </a:ext>
+            </a:extLst>
+          </p:cNvPr>
           <p:cNvSpPr>
             <a:spLocks noGrp="1"/>
           </p:cNvSpPr>
@@ -2773,8 +2985,8 @@
         </p:nvSpPr>
         <p:spPr>
           <a:xfrm>
-            <a:off x="3124200" y="6356350"/>
-            <a:ext cx="2895600" cy="365125"/>
+            <a:off x="4038600" y="6356350"/>
+            <a:ext cx="4114800" cy="365125"/>
           </a:xfrm>
           <a:prstGeom prst="rect">
             <a:avLst/>
@@ -2800,7 +3012,13 @@
       </p:sp>
       <p:sp>
         <p:nvSpPr>
-          <p:cNvPr id="6" name="Slide Number Placeholder 5"/>
+          <p:cNvPr id="6" name="Slide Number Placeholder 5">
+            <a:extLst>
+              <a:ext uri="{FF2B5EF4-FFF2-40B4-BE49-F238E27FC236}">
+                <a16:creationId xmlns:a16="http://schemas.microsoft.com/office/drawing/2014/main" id="{132902F3-6B3F-BF54-2224-58A7A0761555}"/>
+              </a:ext>
+            </a:extLst>
+          </p:cNvPr>
           <p:cNvSpPr>
             <a:spLocks noGrp="1"/>
           </p:cNvSpPr>
@@ -2810,8 +3028,8 @@
         </p:nvSpPr>
         <p:spPr>
           <a:xfrm>
-            <a:off x="6553200" y="6356350"/>
-            <a:ext cx="2133600" cy="365125"/>
+            <a:off x="8610600" y="6356350"/>
+            <a:ext cx="2743200" cy="365125"/>
           </a:xfrm>
           <a:prstGeom prst="rect">
             <a:avLst/>
@@ -2831,7 +3049,7 @@
             </a:lvl1pPr>
           </a:lstStyle>
           <a:p>
-            <a:fld id="{C5EF2332-01BF-834F-8236-50238282D533}" type="slidenum">
+            <a:fld id="{D50EFE6C-E8E0-E248-91BB-7B9DACB0A014}" type="slidenum">
               <a:rPr lang="en-US" smtClean="0"/>
               <a:t>‹#›</a:t>
             </a:fld>
@@ -2842,7 +3060,7 @@
     </p:spTree>
     <p:extLst>
       <p:ext uri="{BB962C8B-B14F-4D97-AF65-F5344CB8AC3E}">
-        <p14:creationId xmlns:p14="http://schemas.microsoft.com/office/powerpoint/2010/main" val="3676200875"/>
+        <p14:creationId xmlns:p14="http://schemas.microsoft.com/office/powerpoint/2010/main" val="3370329056"/>
       </p:ext>
     </p:extLst>
   </p:cSld>
@@ -2862,7 +3080,10 @@
   </p:sldLayoutIdLst>
   <p:txStyles>
     <p:titleStyle>
-      <a:lvl1pPr algn="ctr" defTabSz="457200" rtl="0" eaLnBrk="1" latinLnBrk="0" hangingPunct="1">
+      <a:lvl1pPr algn="l" defTabSz="914400" rtl="0" eaLnBrk="1" latinLnBrk="0" hangingPunct="1">
+        <a:lnSpc>
+          <a:spcPct val="90000"/>
+        </a:lnSpc>
         <a:spcBef>
           <a:spcPct val="0"/>
         </a:spcBef>
@@ -2878,13 +3099,16 @@
       </a:lvl1pPr>
     </p:titleStyle>
     <p:bodyStyle>
-      <a:lvl1pPr marL="342900" indent="-342900" algn="l" defTabSz="457200" rtl="0" eaLnBrk="1" latinLnBrk="0" hangingPunct="1">
+      <a:lvl1pPr marL="228600" indent="-228600" algn="l" defTabSz="914400" rtl="0" eaLnBrk="1" latinLnBrk="0" hangingPunct="1">
+        <a:lnSpc>
+          <a:spcPct val="90000"/>
+        </a:lnSpc>
         <a:spcBef>
-          <a:spcPct val="20000"/>
+          <a:spcPts val="1000"/>
         </a:spcBef>
-        <a:buFont typeface="Arial"/>
+        <a:buFont typeface="Arial" panose="020B0604020202020204" pitchFamily="34" charset="0"/>
         <a:buChar char="•"/>
-        <a:defRPr sz="3200" kern="1200">
+        <a:defRPr sz="2800" kern="1200">
           <a:solidFill>
             <a:schemeClr val="tx1"/>
           </a:solidFill>
@@ -2893,26 +3117,14 @@
           <a:cs typeface="+mn-cs"/>
         </a:defRPr>
       </a:lvl1pPr>
-      <a:lvl2pPr marL="742950" indent="-285750" algn="l" defTabSz="457200" rtl="0" eaLnBrk="1" latinLnBrk="0" hangingPunct="1">
+      <a:lvl2pPr marL="685800" indent="-228600" algn="l" defTabSz="914400" rtl="0" eaLnBrk="1" latinLnBrk="0" hangingPunct="1">
+        <a:lnSpc>
+          <a:spcPct val="90000"/>
+        </a:lnSpc>
         <a:spcBef>
-          <a:spcPct val="20000"/>
+          <a:spcPts val="500"/>
         </a:spcBef>
-        <a:buFont typeface="Arial"/>
-        <a:buChar char="–"/>
-        <a:defRPr sz="2800" kern="1200">
-          <a:solidFill>
-            <a:schemeClr val="tx1"/>
-          </a:solidFill>
-          <a:latin typeface="+mn-lt"/>
-          <a:ea typeface="+mn-ea"/>
-          <a:cs typeface="+mn-cs"/>
-        </a:defRPr>
-      </a:lvl2pPr>
-      <a:lvl3pPr marL="1143000" indent="-228600" algn="l" defTabSz="457200" rtl="0" eaLnBrk="1" latinLnBrk="0" hangingPunct="1">
-        <a:spcBef>
-          <a:spcPct val="20000"/>
-        </a:spcBef>
-        <a:buFont typeface="Arial"/>
+        <a:buFont typeface="Arial" panose="020B0604020202020204" pitchFamily="34" charset="0"/>
         <a:buChar char="•"/>
         <a:defRPr sz="2400" kern="1200">
           <a:solidFill>
@@ -2922,42 +3134,15 @@
           <a:ea typeface="+mn-ea"/>
           <a:cs typeface="+mn-cs"/>
         </a:defRPr>
-      </a:lvl3pPr>
-      <a:lvl4pPr marL="1600200" indent="-228600" algn="l" defTabSz="457200" rtl="0" eaLnBrk="1" latinLnBrk="0" hangingPunct="1">
+      </a:lvl2pPr>
+      <a:lvl3pPr marL="1143000" indent="-228600" algn="l" defTabSz="914400" rtl="0" eaLnBrk="1" latinLnBrk="0" hangingPunct="1">
+        <a:lnSpc>
+          <a:spcPct val="90000"/>
+        </a:lnSpc>
         <a:spcBef>
-          <a:spcPct val="20000"/>
+          <a:spcPts val="500"/>
         </a:spcBef>
-        <a:buFont typeface="Arial"/>
-        <a:buChar char="–"/>
-        <a:defRPr sz="2000" kern="1200">
-          <a:solidFill>
-            <a:schemeClr val="tx1"/>
-          </a:solidFill>
-          <a:latin typeface="+mn-lt"/>
-          <a:ea typeface="+mn-ea"/>
-          <a:cs typeface="+mn-cs"/>
-        </a:defRPr>
-      </a:lvl4pPr>
-      <a:lvl5pPr marL="2057400" indent="-228600" algn="l" defTabSz="457200" rtl="0" eaLnBrk="1" latinLnBrk="0" hangingPunct="1">
-        <a:spcBef>
-          <a:spcPct val="20000"/>
-        </a:spcBef>
-        <a:buFont typeface="Arial"/>
-        <a:buChar char="»"/>
-        <a:defRPr sz="2000" kern="1200">
-          <a:solidFill>
-            <a:schemeClr val="tx1"/>
-          </a:solidFill>
-          <a:latin typeface="+mn-lt"/>
-          <a:ea typeface="+mn-ea"/>
-          <a:cs typeface="+mn-cs"/>
-        </a:defRPr>
-      </a:lvl5pPr>
-      <a:lvl6pPr marL="2514600" indent="-228600" algn="l" defTabSz="457200" rtl="0" eaLnBrk="1" latinLnBrk="0" hangingPunct="1">
-        <a:spcBef>
-          <a:spcPct val="20000"/>
-        </a:spcBef>
-        <a:buFont typeface="Arial"/>
+        <a:buFont typeface="Arial" panose="020B0604020202020204" pitchFamily="34" charset="0"/>
         <a:buChar char="•"/>
         <a:defRPr sz="2000" kern="1200">
           <a:solidFill>
@@ -2967,14 +3152,71 @@
           <a:ea typeface="+mn-ea"/>
           <a:cs typeface="+mn-cs"/>
         </a:defRPr>
+      </a:lvl3pPr>
+      <a:lvl4pPr marL="1600200" indent="-228600" algn="l" defTabSz="914400" rtl="0" eaLnBrk="1" latinLnBrk="0" hangingPunct="1">
+        <a:lnSpc>
+          <a:spcPct val="90000"/>
+        </a:lnSpc>
+        <a:spcBef>
+          <a:spcPts val="500"/>
+        </a:spcBef>
+        <a:buFont typeface="Arial" panose="020B0604020202020204" pitchFamily="34" charset="0"/>
+        <a:buChar char="•"/>
+        <a:defRPr sz="1800" kern="1200">
+          <a:solidFill>
+            <a:schemeClr val="tx1"/>
+          </a:solidFill>
+          <a:latin typeface="+mn-lt"/>
+          <a:ea typeface="+mn-ea"/>
+          <a:cs typeface="+mn-cs"/>
+        </a:defRPr>
+      </a:lvl4pPr>
+      <a:lvl5pPr marL="2057400" indent="-228600" algn="l" defTabSz="914400" rtl="0" eaLnBrk="1" latinLnBrk="0" hangingPunct="1">
+        <a:lnSpc>
+          <a:spcPct val="90000"/>
+        </a:lnSpc>
+        <a:spcBef>
+          <a:spcPts val="500"/>
+        </a:spcBef>
+        <a:buFont typeface="Arial" panose="020B0604020202020204" pitchFamily="34" charset="0"/>
+        <a:buChar char="•"/>
+        <a:defRPr sz="1800" kern="1200">
+          <a:solidFill>
+            <a:schemeClr val="tx1"/>
+          </a:solidFill>
+          <a:latin typeface="+mn-lt"/>
+          <a:ea typeface="+mn-ea"/>
+          <a:cs typeface="+mn-cs"/>
+        </a:defRPr>
+      </a:lvl5pPr>
+      <a:lvl6pPr marL="2514600" indent="-228600" algn="l" defTabSz="914400" rtl="0" eaLnBrk="1" latinLnBrk="0" hangingPunct="1">
+        <a:lnSpc>
+          <a:spcPct val="90000"/>
+        </a:lnSpc>
+        <a:spcBef>
+          <a:spcPts val="500"/>
+        </a:spcBef>
+        <a:buFont typeface="Arial" panose="020B0604020202020204" pitchFamily="34" charset="0"/>
+        <a:buChar char="•"/>
+        <a:defRPr sz="1800" kern="1200">
+          <a:solidFill>
+            <a:schemeClr val="tx1"/>
+          </a:solidFill>
+          <a:latin typeface="+mn-lt"/>
+          <a:ea typeface="+mn-ea"/>
+          <a:cs typeface="+mn-cs"/>
+        </a:defRPr>
       </a:lvl6pPr>
-      <a:lvl7pPr marL="2971800" indent="-228600" algn="l" defTabSz="457200" rtl="0" eaLnBrk="1" latinLnBrk="0" hangingPunct="1">
+      <a:lvl7pPr marL="2971800" indent="-228600" algn="l" defTabSz="914400" rtl="0" eaLnBrk="1" latinLnBrk="0" hangingPunct="1">
+        <a:lnSpc>
+          <a:spcPct val="90000"/>
+        </a:lnSpc>
         <a:spcBef>
-          <a:spcPct val="20000"/>
+          <a:spcPts val="500"/>
         </a:spcBef>
-        <a:buFont typeface="Arial"/>
+        <a:buFont typeface="Arial" panose="020B0604020202020204" pitchFamily="34" charset="0"/>
         <a:buChar char="•"/>
-        <a:defRPr sz="2000" kern="1200">
+        <a:defRPr sz="1800" kern="1200">
           <a:solidFill>
             <a:schemeClr val="tx1"/>
           </a:solidFill>
@@ -2983,13 +3225,16 @@
           <a:cs typeface="+mn-cs"/>
         </a:defRPr>
       </a:lvl7pPr>
-      <a:lvl8pPr marL="3429000" indent="-228600" algn="l" defTabSz="457200" rtl="0" eaLnBrk="1" latinLnBrk="0" hangingPunct="1">
+      <a:lvl8pPr marL="3429000" indent="-228600" algn="l" defTabSz="914400" rtl="0" eaLnBrk="1" latinLnBrk="0" hangingPunct="1">
+        <a:lnSpc>
+          <a:spcPct val="90000"/>
+        </a:lnSpc>
         <a:spcBef>
-          <a:spcPct val="20000"/>
+          <a:spcPts val="500"/>
         </a:spcBef>
-        <a:buFont typeface="Arial"/>
+        <a:buFont typeface="Arial" panose="020B0604020202020204" pitchFamily="34" charset="0"/>
         <a:buChar char="•"/>
-        <a:defRPr sz="2000" kern="1200">
+        <a:defRPr sz="1800" kern="1200">
           <a:solidFill>
             <a:schemeClr val="tx1"/>
           </a:solidFill>
@@ -2998,13 +3243,16 @@
           <a:cs typeface="+mn-cs"/>
         </a:defRPr>
       </a:lvl8pPr>
-      <a:lvl9pPr marL="3886200" indent="-228600" algn="l" defTabSz="457200" rtl="0" eaLnBrk="1" latinLnBrk="0" hangingPunct="1">
+      <a:lvl9pPr marL="3886200" indent="-228600" algn="l" defTabSz="914400" rtl="0" eaLnBrk="1" latinLnBrk="0" hangingPunct="1">
+        <a:lnSpc>
+          <a:spcPct val="90000"/>
+        </a:lnSpc>
         <a:spcBef>
-          <a:spcPct val="20000"/>
+          <a:spcPts val="500"/>
         </a:spcBef>
-        <a:buFont typeface="Arial"/>
+        <a:buFont typeface="Arial" panose="020B0604020202020204" pitchFamily="34" charset="0"/>
         <a:buChar char="•"/>
-        <a:defRPr sz="2000" kern="1200">
+        <a:defRPr sz="1800" kern="1200">
           <a:solidFill>
             <a:schemeClr val="tx1"/>
           </a:solidFill>
@@ -3018,7 +3266,7 @@
       <a:defPPr>
         <a:defRPr lang="en-US"/>
       </a:defPPr>
-      <a:lvl1pPr marL="0" algn="l" defTabSz="457200" rtl="0" eaLnBrk="1" latinLnBrk="0" hangingPunct="1">
+      <a:lvl1pPr marL="0" algn="l" defTabSz="914400" rtl="0" eaLnBrk="1" latinLnBrk="0" hangingPunct="1">
         <a:defRPr sz="1800" kern="1200">
           <a:solidFill>
             <a:schemeClr val="tx1"/>
@@ -3028,7 +3276,7 @@
           <a:cs typeface="+mn-cs"/>
         </a:defRPr>
       </a:lvl1pPr>
-      <a:lvl2pPr marL="457200" algn="l" defTabSz="457200" rtl="0" eaLnBrk="1" latinLnBrk="0" hangingPunct="1">
+      <a:lvl2pPr marL="457200" algn="l" defTabSz="914400" rtl="0" eaLnBrk="1" latinLnBrk="0" hangingPunct="1">
         <a:defRPr sz="1800" kern="1200">
           <a:solidFill>
             <a:schemeClr val="tx1"/>
@@ -3038,7 +3286,7 @@
           <a:cs typeface="+mn-cs"/>
         </a:defRPr>
       </a:lvl2pPr>
-      <a:lvl3pPr marL="914400" algn="l" defTabSz="457200" rtl="0" eaLnBrk="1" latinLnBrk="0" hangingPunct="1">
+      <a:lvl3pPr marL="914400" algn="l" defTabSz="914400" rtl="0" eaLnBrk="1" latinLnBrk="0" hangingPunct="1">
         <a:defRPr sz="1800" kern="1200">
           <a:solidFill>
             <a:schemeClr val="tx1"/>
@@ -3048,7 +3296,7 @@
           <a:cs typeface="+mn-cs"/>
         </a:defRPr>
       </a:lvl3pPr>
-      <a:lvl4pPr marL="1371600" algn="l" defTabSz="457200" rtl="0" eaLnBrk="1" latinLnBrk="0" hangingPunct="1">
+      <a:lvl4pPr marL="1371600" algn="l" defTabSz="914400" rtl="0" eaLnBrk="1" latinLnBrk="0" hangingPunct="1">
         <a:defRPr sz="1800" kern="1200">
           <a:solidFill>
             <a:schemeClr val="tx1"/>
@@ -3058,7 +3306,7 @@
           <a:cs typeface="+mn-cs"/>
         </a:defRPr>
       </a:lvl4pPr>
-      <a:lvl5pPr marL="1828800" algn="l" defTabSz="457200" rtl="0" eaLnBrk="1" latinLnBrk="0" hangingPunct="1">
+      <a:lvl5pPr marL="1828800" algn="l" defTabSz="914400" rtl="0" eaLnBrk="1" latinLnBrk="0" hangingPunct="1">
         <a:defRPr sz="1800" kern="1200">
           <a:solidFill>
             <a:schemeClr val="tx1"/>
@@ -3068,7 +3316,7 @@
           <a:cs typeface="+mn-cs"/>
         </a:defRPr>
       </a:lvl5pPr>
-      <a:lvl6pPr marL="2286000" algn="l" defTabSz="457200" rtl="0" eaLnBrk="1" latinLnBrk="0" hangingPunct="1">
+      <a:lvl6pPr marL="2286000" algn="l" defTabSz="914400" rtl="0" eaLnBrk="1" latinLnBrk="0" hangingPunct="1">
         <a:defRPr sz="1800" kern="1200">
           <a:solidFill>
             <a:schemeClr val="tx1"/>
@@ -3078,7 +3326,7 @@
           <a:cs typeface="+mn-cs"/>
         </a:defRPr>
       </a:lvl6pPr>
-      <a:lvl7pPr marL="2743200" algn="l" defTabSz="457200" rtl="0" eaLnBrk="1" latinLnBrk="0" hangingPunct="1">
+      <a:lvl7pPr marL="2743200" algn="l" defTabSz="914400" rtl="0" eaLnBrk="1" latinLnBrk="0" hangingPunct="1">
         <a:defRPr sz="1800" kern="1200">
           <a:solidFill>
             <a:schemeClr val="tx1"/>
@@ -3088,7 +3336,7 @@
           <a:cs typeface="+mn-cs"/>
         </a:defRPr>
       </a:lvl7pPr>
-      <a:lvl8pPr marL="3200400" algn="l" defTabSz="457200" rtl="0" eaLnBrk="1" latinLnBrk="0" hangingPunct="1">
+      <a:lvl8pPr marL="3200400" algn="l" defTabSz="914400" rtl="0" eaLnBrk="1" latinLnBrk="0" hangingPunct="1">
         <a:defRPr sz="1800" kern="1200">
           <a:solidFill>
             <a:schemeClr val="tx1"/>
@@ -3098,7 +3346,7 @@
           <a:cs typeface="+mn-cs"/>
         </a:defRPr>
       </a:lvl8pPr>
-      <a:lvl9pPr marL="3657600" algn="l" defTabSz="457200" rtl="0" eaLnBrk="1" latinLnBrk="0" hangingPunct="1">
+      <a:lvl9pPr marL="3657600" algn="l" defTabSz="914400" rtl="0" eaLnBrk="1" latinLnBrk="0" hangingPunct="1">
         <a:defRPr sz="1800" kern="1200">
           <a:solidFill>
             <a:schemeClr val="tx1"/>
@@ -3132,7 +3380,13 @@
       </p:grpSpPr>
       <p:sp>
         <p:nvSpPr>
-          <p:cNvPr id="2" name="Title 1"/>
+          <p:cNvPr id="2" name="Title 1">
+            <a:extLst>
+              <a:ext uri="{FF2B5EF4-FFF2-40B4-BE49-F238E27FC236}">
+                <a16:creationId xmlns:a16="http://schemas.microsoft.com/office/drawing/2014/main" id="{1A94C12F-916E-D53E-4B8C-D5B46F16BA49}"/>
+              </a:ext>
+            </a:extLst>
+          </p:cNvPr>
           <p:cNvSpPr>
             <a:spLocks noGrp="1"/>
           </p:cNvSpPr>
@@ -3142,8 +3396,8 @@
         </p:nvSpPr>
         <p:spPr>
           <a:xfrm>
-            <a:off x="685800" y="2130425"/>
-            <a:ext cx="7772400" cy="1470025"/>
+            <a:off x="1524000" y="1122363"/>
+            <a:ext cx="9144000" cy="2387600"/>
           </a:xfrm>
         </p:spPr>
         <p:txBody>
@@ -3178,7 +3432,13 @@
       </p:sp>
       <p:sp>
         <p:nvSpPr>
-          <p:cNvPr id="3" name="Subtitle 2"/>
+          <p:cNvPr id="3" name="Subtitle 2">
+            <a:extLst>
+              <a:ext uri="{FF2B5EF4-FFF2-40B4-BE49-F238E27FC236}">
+                <a16:creationId xmlns:a16="http://schemas.microsoft.com/office/drawing/2014/main" id="{B9B0AF44-9A9D-7317-0585-F9798E8F4E2D}"/>
+              </a:ext>
+            </a:extLst>
+          </p:cNvPr>
           <p:cNvSpPr>
             <a:spLocks noGrp="1"/>
           </p:cNvSpPr>
@@ -3188,8 +3448,8 @@
         </p:nvSpPr>
         <p:spPr>
           <a:xfrm>
-            <a:off x="1371600" y="3886200"/>
-            <a:ext cx="6400800" cy="1752600"/>
+            <a:off x="1524000" y="3602038"/>
+            <a:ext cx="9144000" cy="1655762"/>
           </a:xfrm>
         </p:spPr>
         <p:txBody>
@@ -3218,7 +3478,13 @@
       </p:sp>
       <p:sp>
         <p:nvSpPr>
-          <p:cNvPr id="4" name="Date Placeholder 3"/>
+          <p:cNvPr id="4" name="Date Placeholder 3">
+            <a:extLst>
+              <a:ext uri="{FF2B5EF4-FFF2-40B4-BE49-F238E27FC236}">
+                <a16:creationId xmlns:a16="http://schemas.microsoft.com/office/drawing/2014/main" id="{869922D9-4BC5-4A27-E786-7E119759D703}"/>
+              </a:ext>
+            </a:extLst>
+          </p:cNvPr>
           <p:cNvSpPr>
             <a:spLocks noGrp="1"/>
           </p:cNvSpPr>
@@ -3263,60 +3529,36 @@
           <a:chExt cx="0" cy="0"/>
         </a:xfrm>
       </p:grpSpPr>
-      <p:sp>
-        <p:nvSpPr>
-          <p:cNvPr id="2" name="Title 1"/>
-          <p:cNvSpPr>
-            <a:spLocks noGrp="1"/>
-          </p:cNvSpPr>
-          <p:nvPr>
-            <p:ph type="title"/>
-          </p:nvPr>
-        </p:nvSpPr>
-        <p:spPr>
+      <p:pic>
+        <p:nvPicPr>
+          <p:cNvPr descr="images/tidyverse_hex.png" id="0" name="Picture 1"/>
+          <p:cNvPicPr>
+            <a:picLocks noGrp="1" noChangeAspect="1"/>
+          </p:cNvPicPr>
+          <p:nvPr/>
+        </p:nvPicPr>
+        <p:blipFill>
+          <a:blip r:embed="rId2"/>
+          <a:stretch>
+            <a:fillRect/>
+          </a:stretch>
+        </p:blipFill>
+        <p:spPr bwMode="auto">
           <a:xfrm>
-            <a:off x="722313" y="4406900"/>
-            <a:ext cx="7772400" cy="1362075"/>
+            <a:off x="4216400" y="1816100"/>
+            <a:ext cx="3771900" cy="4343400"/>
           </a:xfrm>
+          <a:prstGeom prst="rect">
+            <a:avLst/>
+          </a:prstGeom>
+          <a:noFill/>
+          <a:ln w="9525">
+            <a:noFill/>
+            <a:headEnd/>
+            <a:tailEnd/>
+          </a:ln>
         </p:spPr>
-        <p:txBody>
-          <a:bodyPr/>
-          <a:lstStyle/>
-          <a:p>
-            <a:pPr lvl="0" marL="0" indent="0">
-              <a:buNone/>
-            </a:pPr>
-            <a:r>
-              <a:rPr/>
-              <a:t>What</a:t>
-            </a:r>
-            <a:r>
-              <a:rPr/>
-              <a:t> </a:t>
-            </a:r>
-            <a:r>
-              <a:rPr/>
-              <a:t>is</a:t>
-            </a:r>
-            <a:r>
-              <a:rPr/>
-              <a:t> </a:t>
-            </a:r>
-            <a:r>
-              <a:rPr/>
-              <a:t>the</a:t>
-            </a:r>
-            <a:r>
-              <a:rPr/>
-              <a:t> </a:t>
-            </a:r>
-            <a:r>
-              <a:rPr/>
-              <a:t>tidyverse?</a:t>
-            </a:r>
-          </a:p>
-        </p:txBody>
-      </p:sp>
+      </p:pic>
     </p:spTree>
   </p:cSld>
 </p:sld>
@@ -3341,7 +3583,13 @@
       </p:grpSpPr>
       <p:sp>
         <p:nvSpPr>
-          <p:cNvPr id="2" name="Title 1"/>
+          <p:cNvPr id="2" name="Title 1">
+            <a:extLst>
+              <a:ext uri="{FF2B5EF4-FFF2-40B4-BE49-F238E27FC236}">
+                <a16:creationId xmlns:a16="http://schemas.microsoft.com/office/drawing/2014/main" id="{A66E58CE-64E2-C2DE-8F4C-B69DF5C6AF07}"/>
+              </a:ext>
+            </a:extLst>
+          </p:cNvPr>
           <p:cNvSpPr>
             <a:spLocks noGrp="1"/>
           </p:cNvSpPr>
@@ -3351,8 +3599,8 @@
         </p:nvSpPr>
         <p:spPr>
           <a:xfrm>
-            <a:off x="722313" y="4406900"/>
-            <a:ext cx="7772400" cy="1362075"/>
+            <a:off x="831850" y="1709738"/>
+            <a:ext cx="10515600" cy="2852737"/>
           </a:xfrm>
         </p:spPr>
         <p:txBody>
@@ -3364,7 +3612,31 @@
             </a:pPr>
             <a:r>
               <a:rPr/>
-              <a:t>dplyr</a:t>
+              <a:t>What</a:t>
+            </a:r>
+            <a:r>
+              <a:rPr/>
+              <a:t> </a:t>
+            </a:r>
+            <a:r>
+              <a:rPr/>
+              <a:t>is</a:t>
+            </a:r>
+            <a:r>
+              <a:rPr/>
+              <a:t> </a:t>
+            </a:r>
+            <a:r>
+              <a:rPr/>
+              <a:t>the</a:t>
+            </a:r>
+            <a:r>
+              <a:rPr/>
+              <a:t> </a:t>
+            </a:r>
+            <a:r>
+              <a:rPr/>
+              <a:t>tidyverse?</a:t>
             </a:r>
           </a:p>
         </p:txBody>
@@ -3393,7 +3665,13 @@
       </p:grpSpPr>
       <p:sp>
         <p:nvSpPr>
-          <p:cNvPr id="2" name="Title 1"/>
+          <p:cNvPr id="2" name="Title 1">
+            <a:extLst>
+              <a:ext uri="{FF2B5EF4-FFF2-40B4-BE49-F238E27FC236}">
+                <a16:creationId xmlns:a16="http://schemas.microsoft.com/office/drawing/2014/main" id="{A66E58CE-64E2-C2DE-8F4C-B69DF5C6AF07}"/>
+              </a:ext>
+            </a:extLst>
+          </p:cNvPr>
           <p:cNvSpPr>
             <a:spLocks noGrp="1"/>
           </p:cNvSpPr>
@@ -3403,8 +3681,8 @@
         </p:nvSpPr>
         <p:spPr>
           <a:xfrm>
-            <a:off x="722313" y="4406900"/>
-            <a:ext cx="7772400" cy="1362075"/>
+            <a:off x="831850" y="1709738"/>
+            <a:ext cx="10515600" cy="2852737"/>
           </a:xfrm>
         </p:spPr>
         <p:txBody>
@@ -3416,7 +3694,7 @@
             </a:pPr>
             <a:r>
               <a:rPr/>
-              <a:t>ggplot2</a:t>
+              <a:t>dplyr</a:t>
             </a:r>
           </a:p>
         </p:txBody>
@@ -3445,7 +3723,13 @@
       </p:grpSpPr>
       <p:sp>
         <p:nvSpPr>
-          <p:cNvPr id="2" name="Title 1"/>
+          <p:cNvPr id="2" name="Title 1">
+            <a:extLst>
+              <a:ext uri="{FF2B5EF4-FFF2-40B4-BE49-F238E27FC236}">
+                <a16:creationId xmlns:a16="http://schemas.microsoft.com/office/drawing/2014/main" id="{A66E58CE-64E2-C2DE-8F4C-B69DF5C6AF07}"/>
+              </a:ext>
+            </a:extLst>
+          </p:cNvPr>
           <p:cNvSpPr>
             <a:spLocks noGrp="1"/>
           </p:cNvSpPr>
@@ -3455,8 +3739,8 @@
         </p:nvSpPr>
         <p:spPr>
           <a:xfrm>
-            <a:off x="722313" y="4406900"/>
-            <a:ext cx="7772400" cy="1362075"/>
+            <a:off x="831850" y="1709738"/>
+            <a:ext cx="10515600" cy="2852737"/>
           </a:xfrm>
         </p:spPr>
         <p:txBody>
@@ -3468,39 +3752,7 @@
             </a:pPr>
             <a:r>
               <a:rPr/>
-              <a:t>3.</a:t>
-            </a:r>
-            <a:r>
-              <a:rPr/>
-              <a:t> </a:t>
-            </a:r>
-            <a:r>
-              <a:rPr/>
-              <a:t>Version</a:t>
-            </a:r>
-            <a:r>
-              <a:rPr/>
-              <a:t> </a:t>
-            </a:r>
-            <a:r>
-              <a:rPr/>
-              <a:t>Control</a:t>
-            </a:r>
-            <a:r>
-              <a:rPr/>
-              <a:t> </a:t>
-            </a:r>
-            <a:r>
-              <a:rPr/>
-              <a:t>&amp;</a:t>
-            </a:r>
-            <a:r>
-              <a:rPr/>
-              <a:t> </a:t>
-            </a:r>
-            <a:r>
-              <a:rPr/>
-              <a:t>Collaborating</a:t>
+              <a:t>ggplot2</a:t>
             </a:r>
           </a:p>
         </p:txBody>
@@ -3511,6 +3763,96 @@
 </file>
 
 <file path=ppt/slides/slide14.xml><?xml version="1.0" encoding="utf-8"?>
+<p:sld xmlns:a="http://schemas.openxmlformats.org/drawingml/2006/main" xmlns:r="http://schemas.openxmlformats.org/officeDocument/2006/relationships" xmlns:p="http://schemas.openxmlformats.org/presentationml/2006/main">
+  <p:cSld>
+    <p:spTree>
+      <p:nvGrpSpPr>
+        <p:cNvPr id="1" name=""/>
+        <p:cNvGrpSpPr/>
+        <p:nvPr/>
+      </p:nvGrpSpPr>
+      <p:grpSpPr>
+        <a:xfrm>
+          <a:off x="0" y="0"/>
+          <a:ext cx="0" cy="0"/>
+          <a:chOff x="0" y="0"/>
+          <a:chExt cx="0" cy="0"/>
+        </a:xfrm>
+      </p:grpSpPr>
+      <p:sp>
+        <p:nvSpPr>
+          <p:cNvPr id="2" name="Title 1">
+            <a:extLst>
+              <a:ext uri="{FF2B5EF4-FFF2-40B4-BE49-F238E27FC236}">
+                <a16:creationId xmlns:a16="http://schemas.microsoft.com/office/drawing/2014/main" id="{A66E58CE-64E2-C2DE-8F4C-B69DF5C6AF07}"/>
+              </a:ext>
+            </a:extLst>
+          </p:cNvPr>
+          <p:cNvSpPr>
+            <a:spLocks noGrp="1"/>
+          </p:cNvSpPr>
+          <p:nvPr>
+            <p:ph type="title"/>
+          </p:nvPr>
+        </p:nvSpPr>
+        <p:spPr>
+          <a:xfrm>
+            <a:off x="831850" y="1709738"/>
+            <a:ext cx="10515600" cy="2852737"/>
+          </a:xfrm>
+        </p:spPr>
+        <p:txBody>
+          <a:bodyPr/>
+          <a:lstStyle/>
+          <a:p>
+            <a:pPr lvl="0" marL="0" indent="0">
+              <a:buNone/>
+            </a:pPr>
+            <a:r>
+              <a:rPr/>
+              <a:t>3.</a:t>
+            </a:r>
+            <a:r>
+              <a:rPr/>
+              <a:t> </a:t>
+            </a:r>
+            <a:r>
+              <a:rPr/>
+              <a:t>Version</a:t>
+            </a:r>
+            <a:r>
+              <a:rPr/>
+              <a:t> </a:t>
+            </a:r>
+            <a:r>
+              <a:rPr/>
+              <a:t>Control</a:t>
+            </a:r>
+            <a:r>
+              <a:rPr/>
+              <a:t> </a:t>
+            </a:r>
+            <a:r>
+              <a:rPr/>
+              <a:t>&amp;</a:t>
+            </a:r>
+            <a:r>
+              <a:rPr/>
+              <a:t> </a:t>
+            </a:r>
+            <a:r>
+              <a:rPr/>
+              <a:t>Collaborating</a:t>
+            </a:r>
+          </a:p>
+        </p:txBody>
+      </p:sp>
+    </p:spTree>
+  </p:cSld>
+</p:sld>
+</file>
+
+<file path=ppt/slides/slide15.xml><?xml version="1.0" encoding="utf-8"?>
 <p:sld xmlns:a="http://schemas.openxmlformats.org/drawingml/2006/main" xmlns:r="http://schemas.openxmlformats.org/officeDocument/2006/relationships" xmlns:p="http://schemas.openxmlformats.org/presentationml/2006/main">
   <p:cSld>
     <p:spTree>
@@ -3543,8 +3885,8 @@
         </p:blipFill>
         <p:spPr bwMode="auto">
           <a:xfrm>
-            <a:off x="2311400" y="1600200"/>
-            <a:ext cx="4521200" cy="4521200"/>
+            <a:off x="3924300" y="1816100"/>
+            <a:ext cx="4343400" cy="4343400"/>
           </a:xfrm>
           <a:prstGeom prst="rect">
             <a:avLst/>
@@ -3557,74 +3899,6 @@
           </a:ln>
         </p:spPr>
       </p:pic>
-    </p:spTree>
-  </p:cSld>
-</p:sld>
-</file>
-
-<file path=ppt/slides/slide15.xml><?xml version="1.0" encoding="utf-8"?>
-<p:sld xmlns:a="http://schemas.openxmlformats.org/drawingml/2006/main" xmlns:r="http://schemas.openxmlformats.org/officeDocument/2006/relationships" xmlns:p="http://schemas.openxmlformats.org/presentationml/2006/main">
-  <p:cSld>
-    <p:spTree>
-      <p:nvGrpSpPr>
-        <p:cNvPr id="1" name=""/>
-        <p:cNvGrpSpPr/>
-        <p:nvPr/>
-      </p:nvGrpSpPr>
-      <p:grpSpPr>
-        <a:xfrm>
-          <a:off x="0" y="0"/>
-          <a:ext cx="0" cy="0"/>
-          <a:chOff x="0" y="0"/>
-          <a:chExt cx="0" cy="0"/>
-        </a:xfrm>
-      </p:grpSpPr>
-      <p:sp>
-        <p:nvSpPr>
-          <p:cNvPr id="2" name="Title 1"/>
-          <p:cNvSpPr>
-            <a:spLocks noGrp="1"/>
-          </p:cNvSpPr>
-          <p:nvPr>
-            <p:ph type="title"/>
-          </p:nvPr>
-        </p:nvSpPr>
-        <p:spPr>
-          <a:xfrm>
-            <a:off x="722313" y="4406900"/>
-            <a:ext cx="7772400" cy="1362075"/>
-          </a:xfrm>
-        </p:spPr>
-        <p:txBody>
-          <a:bodyPr/>
-          <a:lstStyle/>
-          <a:p>
-            <a:pPr lvl="0" marL="0" indent="0">
-              <a:buNone/>
-            </a:pPr>
-            <a:r>
-              <a:rPr/>
-              <a:t>What</a:t>
-            </a:r>
-            <a:r>
-              <a:rPr/>
-              <a:t> </a:t>
-            </a:r>
-            <a:r>
-              <a:rPr/>
-              <a:t>is</a:t>
-            </a:r>
-            <a:r>
-              <a:rPr/>
-              <a:t> </a:t>
-            </a:r>
-            <a:r>
-              <a:rPr/>
-              <a:t>Github?</a:t>
-            </a:r>
-          </a:p>
-        </p:txBody>
-      </p:sp>
     </p:spTree>
   </p:cSld>
 </p:sld>
@@ -3649,7 +3923,13 @@
       </p:grpSpPr>
       <p:sp>
         <p:nvSpPr>
-          <p:cNvPr id="2" name="Title 1"/>
+          <p:cNvPr id="2" name="Title 1">
+            <a:extLst>
+              <a:ext uri="{FF2B5EF4-FFF2-40B4-BE49-F238E27FC236}">
+                <a16:creationId xmlns:a16="http://schemas.microsoft.com/office/drawing/2014/main" id="{A66E58CE-64E2-C2DE-8F4C-B69DF5C6AF07}"/>
+              </a:ext>
+            </a:extLst>
+          </p:cNvPr>
           <p:cNvSpPr>
             <a:spLocks noGrp="1"/>
           </p:cNvSpPr>
@@ -3659,8 +3939,8 @@
         </p:nvSpPr>
         <p:spPr>
           <a:xfrm>
-            <a:off x="722313" y="4406900"/>
-            <a:ext cx="7772400" cy="1362075"/>
+            <a:off x="831850" y="1709738"/>
+            <a:ext cx="10515600" cy="2852737"/>
           </a:xfrm>
         </p:spPr>
         <p:txBody>
@@ -3672,7 +3952,7 @@
             </a:pPr>
             <a:r>
               <a:rPr/>
-              <a:t>Why</a:t>
+              <a:t>What</a:t>
             </a:r>
             <a:r>
               <a:rPr/>
@@ -3680,23 +3960,7 @@
             </a:r>
             <a:r>
               <a:rPr/>
-              <a:t>should</a:t>
-            </a:r>
-            <a:r>
-              <a:rPr/>
-              <a:t> </a:t>
-            </a:r>
-            <a:r>
-              <a:rPr/>
-              <a:t>you</a:t>
-            </a:r>
-            <a:r>
-              <a:rPr/>
-              <a:t> </a:t>
-            </a:r>
-            <a:r>
-              <a:rPr/>
-              <a:t>use</a:t>
+              <a:t>is</a:t>
             </a:r>
             <a:r>
               <a:rPr/>
@@ -3733,7 +3997,13 @@
       </p:grpSpPr>
       <p:sp>
         <p:nvSpPr>
-          <p:cNvPr id="2" name="Title 1"/>
+          <p:cNvPr id="2" name="Title 1">
+            <a:extLst>
+              <a:ext uri="{FF2B5EF4-FFF2-40B4-BE49-F238E27FC236}">
+                <a16:creationId xmlns:a16="http://schemas.microsoft.com/office/drawing/2014/main" id="{A66E58CE-64E2-C2DE-8F4C-B69DF5C6AF07}"/>
+              </a:ext>
+            </a:extLst>
+          </p:cNvPr>
           <p:cNvSpPr>
             <a:spLocks noGrp="1"/>
           </p:cNvSpPr>
@@ -3743,8 +4013,8 @@
         </p:nvSpPr>
         <p:spPr>
           <a:xfrm>
-            <a:off x="722313" y="4406900"/>
-            <a:ext cx="7772400" cy="1362075"/>
+            <a:off x="831850" y="1709738"/>
+            <a:ext cx="10515600" cy="2852737"/>
           </a:xfrm>
         </p:spPr>
         <p:txBody>
@@ -3756,7 +4026,7 @@
             </a:pPr>
             <a:r>
               <a:rPr/>
-              <a:t>4.</a:t>
+              <a:t>Why</a:t>
             </a:r>
             <a:r>
               <a:rPr/>
@@ -3764,7 +4034,7 @@
             </a:r>
             <a:r>
               <a:rPr/>
-              <a:t>Reporting</a:t>
+              <a:t>should</a:t>
             </a:r>
             <a:r>
               <a:rPr/>
@@ -3772,7 +4042,7 @@
             </a:r>
             <a:r>
               <a:rPr/>
-              <a:t>R</a:t>
+              <a:t>you</a:t>
             </a:r>
             <a:r>
               <a:rPr/>
@@ -3780,7 +4050,15 @@
             </a:r>
             <a:r>
               <a:rPr/>
-              <a:t>outputs</a:t>
+              <a:t>use</a:t>
+            </a:r>
+            <a:r>
+              <a:rPr/>
+              <a:t> </a:t>
+            </a:r>
+            <a:r>
+              <a:rPr/>
+              <a:t>Github?</a:t>
             </a:r>
           </a:p>
         </p:txBody>
@@ -3791,6 +4069,88 @@
 </file>
 
 <file path=ppt/slides/slide18.xml><?xml version="1.0" encoding="utf-8"?>
+<p:sld xmlns:a="http://schemas.openxmlformats.org/drawingml/2006/main" xmlns:r="http://schemas.openxmlformats.org/officeDocument/2006/relationships" xmlns:p="http://schemas.openxmlformats.org/presentationml/2006/main">
+  <p:cSld>
+    <p:spTree>
+      <p:nvGrpSpPr>
+        <p:cNvPr id="1" name=""/>
+        <p:cNvGrpSpPr/>
+        <p:nvPr/>
+      </p:nvGrpSpPr>
+      <p:grpSpPr>
+        <a:xfrm>
+          <a:off x="0" y="0"/>
+          <a:ext cx="0" cy="0"/>
+          <a:chOff x="0" y="0"/>
+          <a:chExt cx="0" cy="0"/>
+        </a:xfrm>
+      </p:grpSpPr>
+      <p:sp>
+        <p:nvSpPr>
+          <p:cNvPr id="2" name="Title 1">
+            <a:extLst>
+              <a:ext uri="{FF2B5EF4-FFF2-40B4-BE49-F238E27FC236}">
+                <a16:creationId xmlns:a16="http://schemas.microsoft.com/office/drawing/2014/main" id="{A66E58CE-64E2-C2DE-8F4C-B69DF5C6AF07}"/>
+              </a:ext>
+            </a:extLst>
+          </p:cNvPr>
+          <p:cNvSpPr>
+            <a:spLocks noGrp="1"/>
+          </p:cNvSpPr>
+          <p:nvPr>
+            <p:ph type="title"/>
+          </p:nvPr>
+        </p:nvSpPr>
+        <p:spPr>
+          <a:xfrm>
+            <a:off x="831850" y="1709738"/>
+            <a:ext cx="10515600" cy="2852737"/>
+          </a:xfrm>
+        </p:spPr>
+        <p:txBody>
+          <a:bodyPr/>
+          <a:lstStyle/>
+          <a:p>
+            <a:pPr lvl="0" marL="0" indent="0">
+              <a:buNone/>
+            </a:pPr>
+            <a:r>
+              <a:rPr/>
+              <a:t>4.</a:t>
+            </a:r>
+            <a:r>
+              <a:rPr/>
+              <a:t> </a:t>
+            </a:r>
+            <a:r>
+              <a:rPr/>
+              <a:t>Reporting</a:t>
+            </a:r>
+            <a:r>
+              <a:rPr/>
+              <a:t> </a:t>
+            </a:r>
+            <a:r>
+              <a:rPr/>
+              <a:t>R</a:t>
+            </a:r>
+            <a:r>
+              <a:rPr/>
+              <a:t> </a:t>
+            </a:r>
+            <a:r>
+              <a:rPr/>
+              <a:t>outputs</a:t>
+            </a:r>
+          </a:p>
+        </p:txBody>
+      </p:sp>
+    </p:spTree>
+  </p:cSld>
+</p:sld>
+</file>
+
+<file path=ppt/slides/slide19.xml><?xml version="1.0" encoding="utf-8"?>
 <p:sld xmlns:a="http://schemas.openxmlformats.org/drawingml/2006/main" xmlns:r="http://schemas.openxmlformats.org/officeDocument/2006/relationships" xmlns:p="http://schemas.openxmlformats.org/presentationml/2006/main">
   <p:cSld>
     <p:spTree>
@@ -3823,8 +4183,8 @@
         </p:blipFill>
         <p:spPr bwMode="auto">
           <a:xfrm>
-            <a:off x="2565400" y="1600200"/>
-            <a:ext cx="4013200" cy="4521200"/>
+            <a:off x="4165600" y="1816100"/>
+            <a:ext cx="3848100" cy="4343400"/>
           </a:xfrm>
           <a:prstGeom prst="rect">
             <a:avLst/>
@@ -3837,74 +4197,6 @@
           </a:ln>
         </p:spPr>
       </p:pic>
-    </p:spTree>
-  </p:cSld>
-</p:sld>
-</file>
-
-<file path=ppt/slides/slide19.xml><?xml version="1.0" encoding="utf-8"?>
-<p:sld xmlns:a="http://schemas.openxmlformats.org/drawingml/2006/main" xmlns:r="http://schemas.openxmlformats.org/officeDocument/2006/relationships" xmlns:p="http://schemas.openxmlformats.org/presentationml/2006/main">
-  <p:cSld>
-    <p:spTree>
-      <p:nvGrpSpPr>
-        <p:cNvPr id="1" name=""/>
-        <p:cNvGrpSpPr/>
-        <p:nvPr/>
-      </p:nvGrpSpPr>
-      <p:grpSpPr>
-        <a:xfrm>
-          <a:off x="0" y="0"/>
-          <a:ext cx="0" cy="0"/>
-          <a:chOff x="0" y="0"/>
-          <a:chExt cx="0" cy="0"/>
-        </a:xfrm>
-      </p:grpSpPr>
-      <p:sp>
-        <p:nvSpPr>
-          <p:cNvPr id="2" name="Title 1"/>
-          <p:cNvSpPr>
-            <a:spLocks noGrp="1"/>
-          </p:cNvSpPr>
-          <p:nvPr>
-            <p:ph type="title"/>
-          </p:nvPr>
-        </p:nvSpPr>
-        <p:spPr>
-          <a:xfrm>
-            <a:off x="722313" y="4406900"/>
-            <a:ext cx="7772400" cy="1362075"/>
-          </a:xfrm>
-        </p:spPr>
-        <p:txBody>
-          <a:bodyPr/>
-          <a:lstStyle/>
-          <a:p>
-            <a:pPr lvl="0" marL="0" indent="0">
-              <a:buNone/>
-            </a:pPr>
-            <a:r>
-              <a:rPr/>
-              <a:t>What</a:t>
-            </a:r>
-            <a:r>
-              <a:rPr/>
-              <a:t> </a:t>
-            </a:r>
-            <a:r>
-              <a:rPr/>
-              <a:t>is</a:t>
-            </a:r>
-            <a:r>
-              <a:rPr/>
-              <a:t> </a:t>
-            </a:r>
-            <a:r>
-              <a:rPr/>
-              <a:t>RMarkdown?</a:t>
-            </a:r>
-          </a:p>
-        </p:txBody>
-      </p:sp>
     </p:spTree>
   </p:cSld>
 </p:sld>
@@ -3929,7 +4221,13 @@
       </p:grpSpPr>
       <p:sp>
         <p:nvSpPr>
-          <p:cNvPr id="2" name="Title 1"/>
+          <p:cNvPr id="2" name="Title 1">
+            <a:extLst>
+              <a:ext uri="{FF2B5EF4-FFF2-40B4-BE49-F238E27FC236}">
+                <a16:creationId xmlns:a16="http://schemas.microsoft.com/office/drawing/2014/main" id="{9101A751-F99D-BE2F-5C9E-CE81B4BB086F}"/>
+              </a:ext>
+            </a:extLst>
+          </p:cNvPr>
           <p:cNvSpPr>
             <a:spLocks noGrp="1"/>
           </p:cNvSpPr>
@@ -3937,12 +4235,7 @@
             <p:ph type="title"/>
           </p:nvPr>
         </p:nvSpPr>
-        <p:spPr>
-          <a:xfrm>
-            <a:off x="722313" y="4406900"/>
-            <a:ext cx="7772400" cy="1362075"/>
-          </a:xfrm>
-        </p:spPr>
+        <p:spPr/>
         <p:txBody>
           <a:bodyPr/>
           <a:lstStyle/>
@@ -3952,7 +4245,74 @@
             </a:pPr>
             <a:r>
               <a:rPr/>
+              <a:t>Table of Contents</a:t>
+            </a:r>
+          </a:p>
+        </p:txBody>
+      </p:sp>
+      <p:sp>
+        <p:nvSpPr>
+          <p:cNvPr id="3" name="Content Placeholder 2">
+            <a:extLst>
+              <a:ext uri="{FF2B5EF4-FFF2-40B4-BE49-F238E27FC236}">
+                <a16:creationId xmlns:a16="http://schemas.microsoft.com/office/drawing/2014/main" id="{CD81FA72-C305-3970-C6BD-4F3572DADE7D}"/>
+              </a:ext>
+            </a:extLst>
+          </p:cNvPr>
+          <p:cNvSpPr>
+            <a:spLocks noGrp="1"/>
+          </p:cNvSpPr>
+          <p:nvPr>
+            <p:ph idx="1"/>
+          </p:nvPr>
+        </p:nvSpPr>
+        <p:spPr/>
+        <p:txBody>
+          <a:bodyPr/>
+          <a:lstStyle/>
+          <a:p>
+            <a:pPr lvl="1"/>
+            <a:r>
+              <a:rPr>
+                <a:hlinkClick r:id="rId2" action="ppaction://hlinksldjump"/>
+              </a:rPr>
               <a:t>Background</a:t>
+            </a:r>
+          </a:p>
+          <a:p>
+            <a:pPr lvl="1"/>
+            <a:r>
+              <a:rPr>
+                <a:hlinkClick r:id="rId3" action="ppaction://hlinksldjump"/>
+              </a:rPr>
+              <a:t>1. Installing R/RStudio and setting up your workspace</a:t>
+            </a:r>
+          </a:p>
+          <a:p>
+            <a:pPr lvl="1"/>
+            <a:r>
+              <a:rPr>
+                <a:hlinkClick r:id="rId4" action="ppaction://hlinksldjump"/>
+              </a:rPr>
+              <a:t>2. Basics of data cleaning, manipulation &amp; plotting</a:t>
+            </a:r>
+          </a:p>
+          <a:p>
+            <a:pPr lvl="1"/>
+            <a:r>
+              <a:rPr>
+                <a:hlinkClick r:id="rId5" action="ppaction://hlinksldjump"/>
+              </a:rPr>
+              <a:t>3. Version Control &amp; Collaborating</a:t>
+            </a:r>
+          </a:p>
+          <a:p>
+            <a:pPr lvl="1"/>
+            <a:r>
+              <a:rPr>
+                <a:hlinkClick r:id="rId6" action="ppaction://hlinksldjump"/>
+              </a:rPr>
+              <a:t>4. Reporting R outputs</a:t>
             </a:r>
           </a:p>
         </p:txBody>
@@ -3981,7 +4341,13 @@
       </p:grpSpPr>
       <p:sp>
         <p:nvSpPr>
-          <p:cNvPr id="2" name="Title 1"/>
+          <p:cNvPr id="2" name="Title 1">
+            <a:extLst>
+              <a:ext uri="{FF2B5EF4-FFF2-40B4-BE49-F238E27FC236}">
+                <a16:creationId xmlns:a16="http://schemas.microsoft.com/office/drawing/2014/main" id="{A66E58CE-64E2-C2DE-8F4C-B69DF5C6AF07}"/>
+              </a:ext>
+            </a:extLst>
+          </p:cNvPr>
           <p:cNvSpPr>
             <a:spLocks noGrp="1"/>
           </p:cNvSpPr>
@@ -3991,8 +4357,82 @@
         </p:nvSpPr>
         <p:spPr>
           <a:xfrm>
-            <a:off x="722313" y="4406900"/>
-            <a:ext cx="7772400" cy="1362075"/>
+            <a:off x="831850" y="1709738"/>
+            <a:ext cx="10515600" cy="2852737"/>
+          </a:xfrm>
+        </p:spPr>
+        <p:txBody>
+          <a:bodyPr/>
+          <a:lstStyle/>
+          <a:p>
+            <a:pPr lvl="0" marL="0" indent="0">
+              <a:buNone/>
+            </a:pPr>
+            <a:r>
+              <a:rPr/>
+              <a:t>What</a:t>
+            </a:r>
+            <a:r>
+              <a:rPr/>
+              <a:t> </a:t>
+            </a:r>
+            <a:r>
+              <a:rPr/>
+              <a:t>is</a:t>
+            </a:r>
+            <a:r>
+              <a:rPr/>
+              <a:t> </a:t>
+            </a:r>
+            <a:r>
+              <a:rPr/>
+              <a:t>RMarkdown?</a:t>
+            </a:r>
+          </a:p>
+        </p:txBody>
+      </p:sp>
+    </p:spTree>
+  </p:cSld>
+</p:sld>
+</file>
+
+<file path=ppt/slides/slide21.xml><?xml version="1.0" encoding="utf-8"?>
+<p:sld xmlns:a="http://schemas.openxmlformats.org/drawingml/2006/main" xmlns:r="http://schemas.openxmlformats.org/officeDocument/2006/relationships" xmlns:p="http://schemas.openxmlformats.org/presentationml/2006/main">
+  <p:cSld>
+    <p:spTree>
+      <p:nvGrpSpPr>
+        <p:cNvPr id="1" name=""/>
+        <p:cNvGrpSpPr/>
+        <p:nvPr/>
+      </p:nvGrpSpPr>
+      <p:grpSpPr>
+        <a:xfrm>
+          <a:off x="0" y="0"/>
+          <a:ext cx="0" cy="0"/>
+          <a:chOff x="0" y="0"/>
+          <a:chExt cx="0" cy="0"/>
+        </a:xfrm>
+      </p:grpSpPr>
+      <p:sp>
+        <p:nvSpPr>
+          <p:cNvPr id="2" name="Title 1">
+            <a:extLst>
+              <a:ext uri="{FF2B5EF4-FFF2-40B4-BE49-F238E27FC236}">
+                <a16:creationId xmlns:a16="http://schemas.microsoft.com/office/drawing/2014/main" id="{A66E58CE-64E2-C2DE-8F4C-B69DF5C6AF07}"/>
+              </a:ext>
+            </a:extLst>
+          </p:cNvPr>
+          <p:cNvSpPr>
+            <a:spLocks noGrp="1"/>
+          </p:cNvSpPr>
+          <p:nvPr>
+            <p:ph type="title"/>
+          </p:nvPr>
+        </p:nvSpPr>
+        <p:spPr>
+          <a:xfrm>
+            <a:off x="831850" y="1709738"/>
+            <a:ext cx="10515600" cy="2852737"/>
           </a:xfrm>
         </p:spPr>
         <p:txBody>
@@ -4065,15 +4505,26 @@
       </p:grpSpPr>
       <p:sp>
         <p:nvSpPr>
-          <p:cNvPr id="3" name="Content Placeholder 2"/>
-          <p:cNvSpPr>
-            <a:spLocks noGrp="1"/>
-          </p:cNvSpPr>
-          <p:nvPr>
-            <p:ph idx="1"/>
-          </p:nvPr>
-        </p:nvSpPr>
-        <p:spPr/>
+          <p:cNvPr id="2" name="Title 1">
+            <a:extLst>
+              <a:ext uri="{FF2B5EF4-FFF2-40B4-BE49-F238E27FC236}">
+                <a16:creationId xmlns:a16="http://schemas.microsoft.com/office/drawing/2014/main" id="{A66E58CE-64E2-C2DE-8F4C-B69DF5C6AF07}"/>
+              </a:ext>
+            </a:extLst>
+          </p:cNvPr>
+          <p:cNvSpPr>
+            <a:spLocks noGrp="1"/>
+          </p:cNvSpPr>
+          <p:nvPr>
+            <p:ph type="title"/>
+          </p:nvPr>
+        </p:nvSpPr>
+        <p:spPr>
+          <a:xfrm>
+            <a:off x="831850" y="1709738"/>
+            <a:ext cx="10515600" cy="2852737"/>
+          </a:xfrm>
+        </p:spPr>
         <p:txBody>
           <a:bodyPr/>
           <a:lstStyle/>
@@ -4083,61 +4534,7 @@
             </a:pPr>
             <a:r>
               <a:rPr/>
-              <a:t>In this workshop, we will cover four primary topics to get you started with R/RStudio.</a:t>
-            </a:r>
-          </a:p>
-          <a:p>
-            <a:pPr lvl="0" marL="0" indent="0">
-              <a:buNone/>
-            </a:pPr>
-            <a:r>
-              <a:rPr/>
-              <a:t>On day 1, we will cover:</a:t>
-            </a:r>
-          </a:p>
-          <a:p>
-            <a:pPr lvl="1">
-              <a:buAutoNum type="arabicPeriod"/>
-            </a:pPr>
-            <a:r>
-              <a:rPr/>
-              <a:t>Installing R/RStudio and setting up your workspace</a:t>
-            </a:r>
-          </a:p>
-          <a:p>
-            <a:pPr lvl="1">
-              <a:buAutoNum type="arabicPeriod"/>
-            </a:pPr>
-            <a:r>
-              <a:rPr/>
-              <a:t>Basics of data cleaning, manipulation &amp; plotting</a:t>
-            </a:r>
-          </a:p>
-          <a:p>
-            <a:pPr lvl="0" marL="0" indent="0">
-              <a:buNone/>
-            </a:pPr>
-            <a:r>
-              <a:rPr/>
-              <a:t>On day 2, we will cover:</a:t>
-            </a:r>
-          </a:p>
-          <a:p>
-            <a:pPr lvl="1">
-              <a:buAutoNum startAt="3" type="arabicPeriod"/>
-            </a:pPr>
-            <a:r>
-              <a:rPr/>
-              <a:t>Version control &amp; collaborating</a:t>
-            </a:r>
-          </a:p>
-          <a:p>
-            <a:pPr lvl="1">
-              <a:buAutoNum startAt="3" type="arabicPeriod"/>
-            </a:pPr>
-            <a:r>
-              <a:rPr/>
-              <a:t>Reporting R outputs</a:t>
+              <a:t>Background</a:t>
             </a:r>
           </a:p>
         </p:txBody>
@@ -4166,20 +4563,21 @@
       </p:grpSpPr>
       <p:sp>
         <p:nvSpPr>
-          <p:cNvPr id="2" name="Title 1"/>
-          <p:cNvSpPr>
-            <a:spLocks noGrp="1"/>
-          </p:cNvSpPr>
-          <p:nvPr>
-            <p:ph type="title"/>
-          </p:nvPr>
-        </p:nvSpPr>
-        <p:spPr>
-          <a:xfrm>
-            <a:off x="722313" y="4406900"/>
-            <a:ext cx="7772400" cy="1362075"/>
-          </a:xfrm>
-        </p:spPr>
+          <p:cNvPr id="3" name="Content Placeholder 2">
+            <a:extLst>
+              <a:ext uri="{FF2B5EF4-FFF2-40B4-BE49-F238E27FC236}">
+                <a16:creationId xmlns:a16="http://schemas.microsoft.com/office/drawing/2014/main" id="{CD81FA72-C305-3970-C6BD-4F3572DADE7D}"/>
+              </a:ext>
+            </a:extLst>
+          </p:cNvPr>
+          <p:cNvSpPr>
+            <a:spLocks noGrp="1"/>
+          </p:cNvSpPr>
+          <p:nvPr>
+            <p:ph idx="1"/>
+          </p:nvPr>
+        </p:nvSpPr>
+        <p:spPr/>
         <p:txBody>
           <a:bodyPr/>
           <a:lstStyle/>
@@ -4189,63 +4587,61 @@
             </a:pPr>
             <a:r>
               <a:rPr/>
-              <a:t>1.</a:t>
-            </a:r>
-            <a:r>
-              <a:rPr/>
-              <a:t> </a:t>
-            </a:r>
-            <a:r>
-              <a:rPr/>
-              <a:t>Installing</a:t>
-            </a:r>
-            <a:r>
-              <a:rPr/>
-              <a:t> </a:t>
-            </a:r>
-            <a:r>
-              <a:rPr/>
-              <a:t>R/RStudio</a:t>
-            </a:r>
-            <a:r>
-              <a:rPr/>
-              <a:t> </a:t>
-            </a:r>
-            <a:r>
-              <a:rPr/>
-              <a:t>and</a:t>
-            </a:r>
-            <a:r>
-              <a:rPr/>
-              <a:t> </a:t>
-            </a:r>
-            <a:r>
-              <a:rPr/>
-              <a:t>setting</a:t>
-            </a:r>
-            <a:r>
-              <a:rPr/>
-              <a:t> </a:t>
-            </a:r>
-            <a:r>
-              <a:rPr/>
-              <a:t>up</a:t>
-            </a:r>
-            <a:r>
-              <a:rPr/>
-              <a:t> </a:t>
-            </a:r>
-            <a:r>
-              <a:rPr/>
-              <a:t>your</a:t>
-            </a:r>
-            <a:r>
-              <a:rPr/>
-              <a:t> </a:t>
-            </a:r>
-            <a:r>
-              <a:rPr/>
-              <a:t>workspace</a:t>
+              <a:t>In this workshop, we will cover four primary topics to get you started with R/RStudio.</a:t>
+            </a:r>
+          </a:p>
+          <a:p>
+            <a:pPr lvl="0" marL="0" indent="0">
+              <a:buNone/>
+            </a:pPr>
+            <a:r>
+              <a:rPr/>
+              <a:t>On day 1, we will cover:</a:t>
+            </a:r>
+          </a:p>
+          <a:p>
+            <a:pPr lvl="1">
+              <a:buAutoNum type="arabicPeriod"/>
+            </a:pPr>
+            <a:r>
+              <a:rPr/>
+              <a:t>Installing R/RStudio and setting up your workspace</a:t>
+            </a:r>
+          </a:p>
+          <a:p>
+            <a:pPr lvl="1">
+              <a:buAutoNum type="arabicPeriod"/>
+            </a:pPr>
+            <a:r>
+              <a:rPr/>
+              <a:t>Basics of data cleaning, manipulation &amp; plotting</a:t>
+            </a:r>
+          </a:p>
+          <a:p>
+            <a:pPr lvl="0" marL="0" indent="0">
+              <a:buNone/>
+            </a:pPr>
+            <a:r>
+              <a:rPr/>
+              <a:t>On day 2, we will cover:</a:t>
+            </a:r>
+          </a:p>
+          <a:p>
+            <a:pPr lvl="1">
+              <a:buAutoNum startAt="3" type="arabicPeriod"/>
+            </a:pPr>
+            <a:r>
+              <a:rPr/>
+              <a:t>Version control &amp; collaborating</a:t>
+            </a:r>
+          </a:p>
+          <a:p>
+            <a:pPr lvl="1">
+              <a:buAutoNum startAt="3" type="arabicPeriod"/>
+            </a:pPr>
+            <a:r>
+              <a:rPr/>
+              <a:t>Reporting R outputs</a:t>
             </a:r>
           </a:p>
         </p:txBody>
@@ -4256,6 +4652,120 @@
 </file>
 
 <file path=ppt/slides/slide5.xml><?xml version="1.0" encoding="utf-8"?>
+<p:sld xmlns:a="http://schemas.openxmlformats.org/drawingml/2006/main" xmlns:r="http://schemas.openxmlformats.org/officeDocument/2006/relationships" xmlns:p="http://schemas.openxmlformats.org/presentationml/2006/main">
+  <p:cSld>
+    <p:spTree>
+      <p:nvGrpSpPr>
+        <p:cNvPr id="1" name=""/>
+        <p:cNvGrpSpPr/>
+        <p:nvPr/>
+      </p:nvGrpSpPr>
+      <p:grpSpPr>
+        <a:xfrm>
+          <a:off x="0" y="0"/>
+          <a:ext cx="0" cy="0"/>
+          <a:chOff x="0" y="0"/>
+          <a:chExt cx="0" cy="0"/>
+        </a:xfrm>
+      </p:grpSpPr>
+      <p:sp>
+        <p:nvSpPr>
+          <p:cNvPr id="2" name="Title 1">
+            <a:extLst>
+              <a:ext uri="{FF2B5EF4-FFF2-40B4-BE49-F238E27FC236}">
+                <a16:creationId xmlns:a16="http://schemas.microsoft.com/office/drawing/2014/main" id="{A66E58CE-64E2-C2DE-8F4C-B69DF5C6AF07}"/>
+              </a:ext>
+            </a:extLst>
+          </p:cNvPr>
+          <p:cNvSpPr>
+            <a:spLocks noGrp="1"/>
+          </p:cNvSpPr>
+          <p:nvPr>
+            <p:ph type="title"/>
+          </p:nvPr>
+        </p:nvSpPr>
+        <p:spPr>
+          <a:xfrm>
+            <a:off x="831850" y="1709738"/>
+            <a:ext cx="10515600" cy="2852737"/>
+          </a:xfrm>
+        </p:spPr>
+        <p:txBody>
+          <a:bodyPr/>
+          <a:lstStyle/>
+          <a:p>
+            <a:pPr lvl="0" marL="0" indent="0">
+              <a:buNone/>
+            </a:pPr>
+            <a:r>
+              <a:rPr/>
+              <a:t>1.</a:t>
+            </a:r>
+            <a:r>
+              <a:rPr/>
+              <a:t> </a:t>
+            </a:r>
+            <a:r>
+              <a:rPr/>
+              <a:t>Installing</a:t>
+            </a:r>
+            <a:r>
+              <a:rPr/>
+              <a:t> </a:t>
+            </a:r>
+            <a:r>
+              <a:rPr/>
+              <a:t>R/RStudio</a:t>
+            </a:r>
+            <a:r>
+              <a:rPr/>
+              <a:t> </a:t>
+            </a:r>
+            <a:r>
+              <a:rPr/>
+              <a:t>and</a:t>
+            </a:r>
+            <a:r>
+              <a:rPr/>
+              <a:t> </a:t>
+            </a:r>
+            <a:r>
+              <a:rPr/>
+              <a:t>setting</a:t>
+            </a:r>
+            <a:r>
+              <a:rPr/>
+              <a:t> </a:t>
+            </a:r>
+            <a:r>
+              <a:rPr/>
+              <a:t>up</a:t>
+            </a:r>
+            <a:r>
+              <a:rPr/>
+              <a:t> </a:t>
+            </a:r>
+            <a:r>
+              <a:rPr/>
+              <a:t>your</a:t>
+            </a:r>
+            <a:r>
+              <a:rPr/>
+              <a:t> </a:t>
+            </a:r>
+            <a:r>
+              <a:rPr/>
+              <a:t>workspace</a:t>
+            </a:r>
+          </a:p>
+        </p:txBody>
+      </p:sp>
+    </p:spTree>
+  </p:cSld>
+</p:sld>
+</file>
+
+<file path=ppt/slides/slide6.xml><?xml version="1.0" encoding="utf-8"?>
 <p:sld xmlns:a="http://schemas.openxmlformats.org/drawingml/2006/main" xmlns:r="http://schemas.openxmlformats.org/officeDocument/2006/relationships" xmlns:p="http://schemas.openxmlformats.org/presentationml/2006/main">
   <p:cSld>
     <p:spTree>
@@ -4288,8 +4798,8 @@
         </p:blipFill>
         <p:spPr bwMode="auto">
           <a:xfrm>
-            <a:off x="2298700" y="1600200"/>
-            <a:ext cx="4546600" cy="4521200"/>
+            <a:off x="3911600" y="1816100"/>
+            <a:ext cx="4368800" cy="4343400"/>
           </a:xfrm>
           <a:prstGeom prst="rect">
             <a:avLst/>
@@ -4302,66 +4812,6 @@
           </a:ln>
         </p:spPr>
       </p:pic>
-    </p:spTree>
-  </p:cSld>
-</p:sld>
-</file>
-
-<file path=ppt/slides/slide6.xml><?xml version="1.0" encoding="utf-8"?>
-<p:sld xmlns:a="http://schemas.openxmlformats.org/drawingml/2006/main" xmlns:r="http://schemas.openxmlformats.org/officeDocument/2006/relationships" xmlns:p="http://schemas.openxmlformats.org/presentationml/2006/main">
-  <p:cSld>
-    <p:spTree>
-      <p:nvGrpSpPr>
-        <p:cNvPr id="1" name=""/>
-        <p:cNvGrpSpPr/>
-        <p:nvPr/>
-      </p:nvGrpSpPr>
-      <p:grpSpPr>
-        <a:xfrm>
-          <a:off x="0" y="0"/>
-          <a:ext cx="0" cy="0"/>
-          <a:chOff x="0" y="0"/>
-          <a:chExt cx="0" cy="0"/>
-        </a:xfrm>
-      </p:grpSpPr>
-      <p:sp>
-        <p:nvSpPr>
-          <p:cNvPr id="2" name="Title 1"/>
-          <p:cNvSpPr>
-            <a:spLocks noGrp="1"/>
-          </p:cNvSpPr>
-          <p:nvPr>
-            <p:ph type="title"/>
-          </p:nvPr>
-        </p:nvSpPr>
-        <p:spPr>
-          <a:xfrm>
-            <a:off x="722313" y="4406900"/>
-            <a:ext cx="7772400" cy="1362075"/>
-          </a:xfrm>
-        </p:spPr>
-        <p:txBody>
-          <a:bodyPr/>
-          <a:lstStyle/>
-          <a:p>
-            <a:pPr lvl="0" marL="0" indent="0">
-              <a:buNone/>
-            </a:pPr>
-            <a:r>
-              <a:rPr/>
-              <a:t>Installing</a:t>
-            </a:r>
-            <a:r>
-              <a:rPr/>
-              <a:t> </a:t>
-            </a:r>
-            <a:r>
-              <a:rPr/>
-              <a:t>R/Studio</a:t>
-            </a:r>
-          </a:p>
-        </p:txBody>
-      </p:sp>
     </p:spTree>
   </p:cSld>
 </p:sld>
@@ -4386,7 +4836,13 @@
       </p:grpSpPr>
       <p:sp>
         <p:nvSpPr>
-          <p:cNvPr id="2" name="Title 1"/>
+          <p:cNvPr id="2" name="Title 1">
+            <a:extLst>
+              <a:ext uri="{FF2B5EF4-FFF2-40B4-BE49-F238E27FC236}">
+                <a16:creationId xmlns:a16="http://schemas.microsoft.com/office/drawing/2014/main" id="{A66E58CE-64E2-C2DE-8F4C-B69DF5C6AF07}"/>
+              </a:ext>
+            </a:extLst>
+          </p:cNvPr>
           <p:cNvSpPr>
             <a:spLocks noGrp="1"/>
           </p:cNvSpPr>
@@ -4396,8 +4852,8 @@
         </p:nvSpPr>
         <p:spPr>
           <a:xfrm>
-            <a:off x="722313" y="4406900"/>
-            <a:ext cx="7772400" cy="1362075"/>
+            <a:off x="831850" y="1709738"/>
+            <a:ext cx="10515600" cy="2852737"/>
           </a:xfrm>
         </p:spPr>
         <p:txBody>
@@ -4409,7 +4865,7 @@
             </a:pPr>
             <a:r>
               <a:rPr/>
-              <a:t>Setting</a:t>
+              <a:t>Installing</a:t>
             </a:r>
             <a:r>
               <a:rPr/>
@@ -4417,23 +4873,7 @@
             </a:r>
             <a:r>
               <a:rPr/>
-              <a:t>up</a:t>
-            </a:r>
-            <a:r>
-              <a:rPr/>
-              <a:t> </a:t>
-            </a:r>
-            <a:r>
-              <a:rPr/>
-              <a:t>your</a:t>
-            </a:r>
-            <a:r>
-              <a:rPr/>
-              <a:t> </a:t>
-            </a:r>
-            <a:r>
-              <a:rPr/>
-              <a:t>workspace</a:t>
+              <a:t>R/Studio</a:t>
             </a:r>
           </a:p>
         </p:txBody>
@@ -4462,7 +4902,13 @@
       </p:grpSpPr>
       <p:sp>
         <p:nvSpPr>
-          <p:cNvPr id="2" name="Title 1"/>
+          <p:cNvPr id="2" name="Title 1">
+            <a:extLst>
+              <a:ext uri="{FF2B5EF4-FFF2-40B4-BE49-F238E27FC236}">
+                <a16:creationId xmlns:a16="http://schemas.microsoft.com/office/drawing/2014/main" id="{A66E58CE-64E2-C2DE-8F4C-B69DF5C6AF07}"/>
+              </a:ext>
+            </a:extLst>
+          </p:cNvPr>
           <p:cNvSpPr>
             <a:spLocks noGrp="1"/>
           </p:cNvSpPr>
@@ -4472,8 +4918,8 @@
         </p:nvSpPr>
         <p:spPr>
           <a:xfrm>
-            <a:off x="722313" y="4406900"/>
-            <a:ext cx="7772400" cy="1362075"/>
+            <a:off x="831850" y="1709738"/>
+            <a:ext cx="10515600" cy="2852737"/>
           </a:xfrm>
         </p:spPr>
         <p:txBody>
@@ -4485,7 +4931,7 @@
             </a:pPr>
             <a:r>
               <a:rPr/>
-              <a:t>2.</a:t>
+              <a:t>Setting</a:t>
             </a:r>
             <a:r>
               <a:rPr/>
@@ -4493,7 +4939,7 @@
             </a:r>
             <a:r>
               <a:rPr/>
-              <a:t>Basics</a:t>
+              <a:t>up</a:t>
             </a:r>
             <a:r>
               <a:rPr/>
@@ -4501,7 +4947,7 @@
             </a:r>
             <a:r>
               <a:rPr/>
-              <a:t>of</a:t>
+              <a:t>your</a:t>
             </a:r>
             <a:r>
               <a:rPr/>
@@ -4509,39 +4955,7 @@
             </a:r>
             <a:r>
               <a:rPr/>
-              <a:t>data</a:t>
-            </a:r>
-            <a:r>
-              <a:rPr/>
-              <a:t> </a:t>
-            </a:r>
-            <a:r>
-              <a:rPr/>
-              <a:t>cleaning,</a:t>
-            </a:r>
-            <a:r>
-              <a:rPr/>
-              <a:t> </a:t>
-            </a:r>
-            <a:r>
-              <a:rPr/>
-              <a:t>manipulation</a:t>
-            </a:r>
-            <a:r>
-              <a:rPr/>
-              <a:t> </a:t>
-            </a:r>
-            <a:r>
-              <a:rPr/>
-              <a:t>&amp;</a:t>
-            </a:r>
-            <a:r>
-              <a:rPr/>
-              <a:t> </a:t>
-            </a:r>
-            <a:r>
-              <a:rPr/>
-              <a:t>plotting</a:t>
+              <a:t>workspace</a:t>
             </a:r>
           </a:p>
         </p:txBody>
@@ -4568,36 +4982,98 @@
           <a:chExt cx="0" cy="0"/>
         </a:xfrm>
       </p:grpSpPr>
-      <p:pic>
-        <p:nvPicPr>
-          <p:cNvPr descr="images/tidyverse_hex.png" id="0" name="Picture 1"/>
-          <p:cNvPicPr>
-            <a:picLocks noGrp="1" noChangeAspect="1"/>
-          </p:cNvPicPr>
-          <p:nvPr/>
-        </p:nvPicPr>
-        <p:blipFill>
-          <a:blip r:embed="rId2"/>
-          <a:stretch>
-            <a:fillRect/>
-          </a:stretch>
-        </p:blipFill>
-        <p:spPr bwMode="auto">
+      <p:sp>
+        <p:nvSpPr>
+          <p:cNvPr id="2" name="Title 1">
+            <a:extLst>
+              <a:ext uri="{FF2B5EF4-FFF2-40B4-BE49-F238E27FC236}">
+                <a16:creationId xmlns:a16="http://schemas.microsoft.com/office/drawing/2014/main" id="{A66E58CE-64E2-C2DE-8F4C-B69DF5C6AF07}"/>
+              </a:ext>
+            </a:extLst>
+          </p:cNvPr>
+          <p:cNvSpPr>
+            <a:spLocks noGrp="1"/>
+          </p:cNvSpPr>
+          <p:nvPr>
+            <p:ph type="title"/>
+          </p:nvPr>
+        </p:nvSpPr>
+        <p:spPr>
           <a:xfrm>
-            <a:off x="2616200" y="1600200"/>
-            <a:ext cx="3924300" cy="4521200"/>
+            <a:off x="831850" y="1709738"/>
+            <a:ext cx="10515600" cy="2852737"/>
           </a:xfrm>
-          <a:prstGeom prst="rect">
-            <a:avLst/>
-          </a:prstGeom>
-          <a:noFill/>
-          <a:ln w="9525">
-            <a:noFill/>
-            <a:headEnd/>
-            <a:tailEnd/>
-          </a:ln>
         </p:spPr>
-      </p:pic>
+        <p:txBody>
+          <a:bodyPr/>
+          <a:lstStyle/>
+          <a:p>
+            <a:pPr lvl="0" marL="0" indent="0">
+              <a:buNone/>
+            </a:pPr>
+            <a:r>
+              <a:rPr/>
+              <a:t>2.</a:t>
+            </a:r>
+            <a:r>
+              <a:rPr/>
+              <a:t> </a:t>
+            </a:r>
+            <a:r>
+              <a:rPr/>
+              <a:t>Basics</a:t>
+            </a:r>
+            <a:r>
+              <a:rPr/>
+              <a:t> </a:t>
+            </a:r>
+            <a:r>
+              <a:rPr/>
+              <a:t>of</a:t>
+            </a:r>
+            <a:r>
+              <a:rPr/>
+              <a:t> </a:t>
+            </a:r>
+            <a:r>
+              <a:rPr/>
+              <a:t>data</a:t>
+            </a:r>
+            <a:r>
+              <a:rPr/>
+              <a:t> </a:t>
+            </a:r>
+            <a:r>
+              <a:rPr/>
+              <a:t>cleaning,</a:t>
+            </a:r>
+            <a:r>
+              <a:rPr/>
+              <a:t> </a:t>
+            </a:r>
+            <a:r>
+              <a:rPr/>
+              <a:t>manipulation</a:t>
+            </a:r>
+            <a:r>
+              <a:rPr/>
+              <a:t> </a:t>
+            </a:r>
+            <a:r>
+              <a:rPr/>
+              <a:t>&amp;</a:t>
+            </a:r>
+            <a:r>
+              <a:rPr/>
+              <a:t> </a:t>
+            </a:r>
+            <a:r>
+              <a:rPr/>
+              <a:t>plotting</a:t>
+            </a:r>
+          </a:p>
+        </p:txBody>
+      </p:sp>
     </p:spTree>
   </p:cSld>
 </p:sld>
@@ -4614,83 +5090,48 @@
         <a:sysClr val="window" lastClr="FFFFFF"/>
       </a:lt1>
       <a:dk2>
-        <a:srgbClr val="1F497D"/>
+        <a:srgbClr val="44546A"/>
       </a:dk2>
       <a:lt2>
-        <a:srgbClr val="EEECE1"/>
+        <a:srgbClr val="E7E6E6"/>
       </a:lt2>
       <a:accent1>
-        <a:srgbClr val="4F81BD"/>
+        <a:srgbClr val="4472C4"/>
       </a:accent1>
       <a:accent2>
-        <a:srgbClr val="C0504D"/>
+        <a:srgbClr val="ED7D31"/>
       </a:accent2>
       <a:accent3>
-        <a:srgbClr val="9BBB59"/>
+        <a:srgbClr val="A5A5A5"/>
       </a:accent3>
       <a:accent4>
-        <a:srgbClr val="8064A2"/>
+        <a:srgbClr val="FFC000"/>
       </a:accent4>
       <a:accent5>
-        <a:srgbClr val="4BACC6"/>
+        <a:srgbClr val="5B9BD5"/>
       </a:accent5>
       <a:accent6>
-        <a:srgbClr val="F79646"/>
+        <a:srgbClr val="70AD47"/>
       </a:accent6>
       <a:hlink>
-        <a:srgbClr val="0000FF"/>
+        <a:srgbClr val="0563C1"/>
       </a:hlink>
       <a:folHlink>
-        <a:srgbClr val="800080"/>
+        <a:srgbClr val="954F72"/>
       </a:folHlink>
     </a:clrScheme>
-    <a:fontScheme name="Office">
+    <a:fontScheme name="Consolas-Verdana">
       <a:majorFont>
-        <a:latin typeface="Calibri"/>
+        <a:latin typeface="Consolas" panose="020B0609020204030204"/>
         <a:ea typeface=""/>
         <a:cs typeface=""/>
-        <a:font script="Jpan" typeface="ＭＳ Ｐゴシック"/>
-        <a:font script="Hang" typeface="맑은 고딕"/>
-        <a:font script="Hans" typeface="宋体"/>
+        <a:font script="Jpan" typeface="HG丸ｺﾞｼｯｸM-PRO"/>
+        <a:font script="Hang" typeface="HY중고딕"/>
+        <a:font script="Hans" typeface="华文楷体"/>
         <a:font script="Hant" typeface="新細明體"/>
-        <a:font script="Arab" typeface="Times New Roman"/>
-        <a:font script="Hebr" typeface="Times New Roman"/>
-        <a:font script="Thai" typeface="Angsana New"/>
-        <a:font script="Ethi" typeface="Nyala"/>
-        <a:font script="Beng" typeface="Vrinda"/>
-        <a:font script="Gujr" typeface="Shruti"/>
-        <a:font script="Khmr" typeface="MoolBoran"/>
-        <a:font script="Knda" typeface="Tunga"/>
-        <a:font script="Guru" typeface="Raavi"/>
-        <a:font script="Cans" typeface="Euphemia"/>
-        <a:font script="Cher" typeface="Plantagenet Cherokee"/>
-        <a:font script="Yiii" typeface="Microsoft Yi Baiti"/>
-        <a:font script="Tibt" typeface="Microsoft Himalaya"/>
-        <a:font script="Thaa" typeface="MV Boli"/>
-        <a:font script="Deva" typeface="Mangal"/>
-        <a:font script="Telu" typeface="Gautami"/>
-        <a:font script="Taml" typeface="Latha"/>
-        <a:font script="Syrc" typeface="Estrangelo Edessa"/>
-        <a:font script="Orya" typeface="Kalinga"/>
-        <a:font script="Mlym" typeface="Kartika"/>
-        <a:font script="Laoo" typeface="DokChampa"/>
-        <a:font script="Sinh" typeface="Iskoola Pota"/>
-        <a:font script="Mong" typeface="Mongolian Baiti"/>
-        <a:font script="Viet" typeface="Times New Roman"/>
-        <a:font script="Uigh" typeface="Microsoft Uighur"/>
-        <a:font script="Geor" typeface="Sylfaen"/>
-      </a:majorFont>
-      <a:minorFont>
-        <a:latin typeface="Calibri"/>
-        <a:ea typeface=""/>
-        <a:cs typeface=""/>
-        <a:font script="Jpan" typeface="ＭＳ Ｐゴシック"/>
-        <a:font script="Hang" typeface="맑은 고딕"/>
-        <a:font script="Hans" typeface="宋体"/>
-        <a:font script="Hant" typeface="新細明體"/>
-        <a:font script="Arab" typeface="Arial"/>
-        <a:font script="Hebr" typeface="Arial"/>
-        <a:font script="Thai" typeface="Cordia New"/>
+        <a:font script="Arab" typeface="Tahoma"/>
+        <a:font script="Hebr" typeface="Levenim MT"/>
+        <a:font script="Thai" typeface="DilleniaUPC"/>
         <a:font script="Ethi" typeface="Nyala"/>
         <a:font script="Beng" typeface="Vrinda"/>
         <a:font script="Gujr" typeface="Shruti"/>
@@ -4711,7 +5152,42 @@
         <a:font script="Laoo" typeface="DokChampa"/>
         <a:font script="Sinh" typeface="Iskoola Pota"/>
         <a:font script="Mong" typeface="Mongolian Baiti"/>
-        <a:font script="Viet" typeface="Arial"/>
+        <a:font script="Viet" typeface="Tahoma"/>
+        <a:font script="Uigh" typeface="Microsoft Uighur"/>
+        <a:font script="Geor" typeface="Sylfaen"/>
+      </a:majorFont>
+      <a:minorFont>
+        <a:latin typeface="Verdana" panose="020B0604030504040204"/>
+        <a:ea typeface=""/>
+        <a:cs typeface=""/>
+        <a:font script="Jpan" typeface="ＭＳ ゴシック"/>
+        <a:font script="Hang" typeface="굴림"/>
+        <a:font script="Hans" typeface="微软雅黑"/>
+        <a:font script="Hant" typeface="微軟正黑體"/>
+        <a:font script="Arab" typeface="Tahoma"/>
+        <a:font script="Hebr" typeface="Tahoma"/>
+        <a:font script="Thai" typeface="FreesiaUPC"/>
+        <a:font script="Ethi" typeface="Nyala"/>
+        <a:font script="Beng" typeface="Vrinda"/>
+        <a:font script="Gujr" typeface="Shruti"/>
+        <a:font script="Khmr" typeface="DaunPenh"/>
+        <a:font script="Knda" typeface="Tunga"/>
+        <a:font script="Guru" typeface="Raavi"/>
+        <a:font script="Cans" typeface="Euphemia"/>
+        <a:font script="Cher" typeface="Plantagenet Cherokee"/>
+        <a:font script="Yiii" typeface="Microsoft Yi Baiti"/>
+        <a:font script="Tibt" typeface="Microsoft Himalaya"/>
+        <a:font script="Thaa" typeface="MV Boli"/>
+        <a:font script="Deva" typeface="Mangal"/>
+        <a:font script="Telu" typeface="Gautami"/>
+        <a:font script="Taml" typeface="Latha"/>
+        <a:font script="Syrc" typeface="Estrangelo Edessa"/>
+        <a:font script="Orya" typeface="Kalinga"/>
+        <a:font script="Mlym" typeface="Kartika"/>
+        <a:font script="Laoo" typeface="DokChampa"/>
+        <a:font script="Sinh" typeface="Iskoola Pota"/>
+        <a:font script="Mong" typeface="Mongolian Baiti"/>
+        <a:font script="Viet" typeface="Verdana"/>
         <a:font script="Uigh" typeface="Microsoft Uighur"/>
         <a:font script="Geor" typeface="Sylfaen"/>
       </a:minorFont>
@@ -4725,200 +5201,141 @@
           <a:gsLst>
             <a:gs pos="0">
               <a:schemeClr val="phClr">
-                <a:tint val="50000"/>
-                <a:satMod val="300000"/>
+                <a:lumMod val="110000"/>
+                <a:satMod val="105000"/>
+                <a:tint val="67000"/>
               </a:schemeClr>
             </a:gs>
-            <a:gs pos="35000">
+            <a:gs pos="50000">
               <a:schemeClr val="phClr">
-                <a:tint val="37000"/>
-                <a:satMod val="300000"/>
+                <a:lumMod val="105000"/>
+                <a:satMod val="103000"/>
+                <a:tint val="73000"/>
               </a:schemeClr>
             </a:gs>
             <a:gs pos="100000">
               <a:schemeClr val="phClr">
-                <a:tint val="15000"/>
-                <a:satMod val="350000"/>
+                <a:lumMod val="105000"/>
+                <a:satMod val="109000"/>
+                <a:tint val="81000"/>
               </a:schemeClr>
             </a:gs>
           </a:gsLst>
-          <a:lin ang="16200000" scaled="1"/>
+          <a:lin ang="5400000" scaled="0"/>
         </a:gradFill>
         <a:gradFill rotWithShape="1">
           <a:gsLst>
             <a:gs pos="0">
               <a:schemeClr val="phClr">
-                <a:tint val="100000"/>
+                <a:satMod val="103000"/>
+                <a:lumMod val="102000"/>
+                <a:tint val="94000"/>
+              </a:schemeClr>
+            </a:gs>
+            <a:gs pos="50000">
+              <a:schemeClr val="phClr">
+                <a:satMod val="110000"/>
+                <a:lumMod val="100000"/>
                 <a:shade val="100000"/>
-                <a:satMod val="130000"/>
               </a:schemeClr>
             </a:gs>
             <a:gs pos="100000">
               <a:schemeClr val="phClr">
-                <a:tint val="50000"/>
-                <a:shade val="100000"/>
-                <a:satMod val="350000"/>
+                <a:lumMod val="99000"/>
+                <a:satMod val="120000"/>
+                <a:shade val="78000"/>
               </a:schemeClr>
             </a:gs>
           </a:gsLst>
-          <a:lin ang="16200000" scaled="0"/>
+          <a:lin ang="5400000" scaled="0"/>
         </a:gradFill>
       </a:fillStyleLst>
       <a:lnStyleLst>
-        <a:ln w="9525" cap="flat" cmpd="sng" algn="ctr">
-          <a:solidFill>
-            <a:schemeClr val="phClr">
-              <a:shade val="95000"/>
-              <a:satMod val="105000"/>
-            </a:schemeClr>
-          </a:solidFill>
-          <a:prstDash val="solid"/>
-        </a:ln>
-        <a:ln w="25400" cap="flat" cmpd="sng" algn="ctr">
+        <a:ln w="6350" cap="flat" cmpd="sng" algn="ctr">
           <a:solidFill>
             <a:schemeClr val="phClr"/>
           </a:solidFill>
           <a:prstDash val="solid"/>
+          <a:miter lim="800000"/>
         </a:ln>
-        <a:ln w="38100" cap="flat" cmpd="sng" algn="ctr">
+        <a:ln w="12700" cap="flat" cmpd="sng" algn="ctr">
           <a:solidFill>
             <a:schemeClr val="phClr"/>
           </a:solidFill>
           <a:prstDash val="solid"/>
+          <a:miter lim="800000"/>
+        </a:ln>
+        <a:ln w="19050" cap="flat" cmpd="sng" algn="ctr">
+          <a:solidFill>
+            <a:schemeClr val="phClr"/>
+          </a:solidFill>
+          <a:prstDash val="solid"/>
+          <a:miter lim="800000"/>
         </a:ln>
       </a:lnStyleLst>
       <a:effectStyleLst>
         <a:effectStyle>
+          <a:effectLst/>
+        </a:effectStyle>
+        <a:effectStyle>
+          <a:effectLst/>
+        </a:effectStyle>
+        <a:effectStyle>
           <a:effectLst>
-            <a:outerShdw blurRad="40000" dist="20000" dir="5400000" rotWithShape="0">
+            <a:outerShdw blurRad="57150" dist="19050" dir="5400000" algn="ctr" rotWithShape="0">
               <a:srgbClr val="000000">
-                <a:alpha val="38000"/>
+                <a:alpha val="63000"/>
               </a:srgbClr>
             </a:outerShdw>
           </a:effectLst>
-        </a:effectStyle>
-        <a:effectStyle>
-          <a:effectLst>
-            <a:outerShdw blurRad="40000" dist="23000" dir="5400000" rotWithShape="0">
-              <a:srgbClr val="000000">
-                <a:alpha val="35000"/>
-              </a:srgbClr>
-            </a:outerShdw>
-          </a:effectLst>
-        </a:effectStyle>
-        <a:effectStyle>
-          <a:effectLst>
-            <a:outerShdw blurRad="40000" dist="23000" dir="5400000" rotWithShape="0">
-              <a:srgbClr val="000000">
-                <a:alpha val="35000"/>
-              </a:srgbClr>
-            </a:outerShdw>
-          </a:effectLst>
-          <a:scene3d>
-            <a:camera prst="orthographicFront">
-              <a:rot lat="0" lon="0" rev="0"/>
-            </a:camera>
-            <a:lightRig rig="threePt" dir="t">
-              <a:rot lat="0" lon="0" rev="1200000"/>
-            </a:lightRig>
-          </a:scene3d>
-          <a:sp3d>
-            <a:bevelT w="63500" h="25400"/>
-          </a:sp3d>
         </a:effectStyle>
       </a:effectStyleLst>
       <a:bgFillStyleLst>
         <a:solidFill>
           <a:schemeClr val="phClr"/>
         </a:solidFill>
+        <a:solidFill>
+          <a:schemeClr val="phClr">
+            <a:tint val="95000"/>
+            <a:satMod val="170000"/>
+          </a:schemeClr>
+        </a:solidFill>
         <a:gradFill rotWithShape="1">
           <a:gsLst>
             <a:gs pos="0">
               <a:schemeClr val="phClr">
-                <a:tint val="40000"/>
-                <a:satMod val="350000"/>
+                <a:tint val="93000"/>
+                <a:satMod val="150000"/>
+                <a:shade val="98000"/>
+                <a:lumMod val="102000"/>
               </a:schemeClr>
             </a:gs>
-            <a:gs pos="40000">
+            <a:gs pos="50000">
               <a:schemeClr val="phClr">
-                <a:tint val="45000"/>
-                <a:shade val="99000"/>
-                <a:satMod val="350000"/>
+                <a:tint val="98000"/>
+                <a:satMod val="130000"/>
+                <a:shade val="90000"/>
+                <a:lumMod val="103000"/>
               </a:schemeClr>
             </a:gs>
             <a:gs pos="100000">
               <a:schemeClr val="phClr">
-                <a:shade val="20000"/>
-                <a:satMod val="255000"/>
+                <a:shade val="63000"/>
+                <a:satMod val="120000"/>
               </a:schemeClr>
             </a:gs>
           </a:gsLst>
-          <a:path path="circle">
-            <a:fillToRect l="50000" t="-80000" r="50000" b="180000"/>
-          </a:path>
-        </a:gradFill>
-        <a:gradFill rotWithShape="1">
-          <a:gsLst>
-            <a:gs pos="0">
-              <a:schemeClr val="phClr">
-                <a:tint val="80000"/>
-                <a:satMod val="300000"/>
-              </a:schemeClr>
-            </a:gs>
-            <a:gs pos="100000">
-              <a:schemeClr val="phClr">
-                <a:shade val="30000"/>
-                <a:satMod val="200000"/>
-              </a:schemeClr>
-            </a:gs>
-          </a:gsLst>
-          <a:path path="circle">
-            <a:fillToRect l="50000" t="50000" r="50000" b="50000"/>
-          </a:path>
+          <a:lin ang="5400000" scaled="0"/>
         </a:gradFill>
       </a:bgFillStyleLst>
     </a:fmtScheme>
   </a:themeElements>
-  <a:objectDefaults>
-    <a:spDef>
-      <a:spPr/>
-      <a:bodyPr/>
-      <a:lstStyle/>
-      <a:style>
-        <a:lnRef idx="1">
-          <a:schemeClr val="accent1"/>
-        </a:lnRef>
-        <a:fillRef idx="3">
-          <a:schemeClr val="accent1"/>
-        </a:fillRef>
-        <a:effectRef idx="2">
-          <a:schemeClr val="accent1"/>
-        </a:effectRef>
-        <a:fontRef idx="minor">
-          <a:schemeClr val="lt1"/>
-        </a:fontRef>
-      </a:style>
-    </a:spDef>
-    <a:lnDef>
-      <a:spPr/>
-      <a:bodyPr/>
-      <a:lstStyle/>
-      <a:style>
-        <a:lnRef idx="2">
-          <a:schemeClr val="accent1"/>
-        </a:lnRef>
-        <a:fillRef idx="0">
-          <a:schemeClr val="accent1"/>
-        </a:fillRef>
-        <a:effectRef idx="1">
-          <a:schemeClr val="accent1"/>
-        </a:effectRef>
-        <a:fontRef idx="minor">
-          <a:schemeClr val="tx1"/>
-        </a:fontRef>
-      </a:style>
-    </a:lnDef>
-  </a:objectDefaults>
+  <a:objectDefaults/>
   <a:extraClrSchemeLst/>
+  <a:extLst>
+    <a:ext uri="{05A4C25C-085E-4340-85A3-A5531E510DB2}">
+      <thm15:themeFamily xmlns:thm15="http://schemas.microsoft.com/office/thememl/2012/main" name="Office Theme" id="{62F939B6-93AF-4DB8-9C6B-D6C7DFDC589F}" vid="{4A3C46E8-61CC-4603-A589-7422A47A8E4A}"/>
+    </a:ext>
+  </a:extLst>
 </a:theme>
 </file>